--- a/05-refining_a_custom_resource.pptx
+++ b/05-refining_a_custom_resource.pptx
@@ -175,7 +175,7 @@
   </p:defaultTextStyle>
   <p:extLst>
     <p:ext uri="{EFAFB233-063F-42B5-8137-9DF3F51BA10A}">
-      <p15:sldGuideLst xmlns:p15="http://schemas.microsoft.com/office/powerpoint/2012/main">
+      <p15:sldGuideLst xmlns:p15="http://schemas.microsoft.com/office/powerpoint/2012/main" xmlns="">
         <p15:guide id="1" orient="horz" pos="894">
           <p15:clr>
             <a:srgbClr val="A4A3A4"/>
@@ -189,7 +189,7 @@
       </p15:sldGuideLst>
     </p:ext>
     <p:ext uri="{2D200454-40CA-4A62-9FC3-DE9A4176ACB9}">
-      <p15:notesGuideLst xmlns:p15="http://schemas.microsoft.com/office/powerpoint/2012/main"/>
+      <p15:notesGuideLst xmlns:p15="http://schemas.microsoft.com/office/powerpoint/2012/main" xmlns=""/>
     </p:ext>
   </p:extLst>
 </p:presentation>
@@ -306,7 +306,7 @@
               <a:pPr>
                 <a:defRPr/>
               </a:pPr>
-              <a:t>2016-10-07</a:t>
+              <a:t>10/7/16</a:t>
             </a:fld>
             <a:endParaRPr lang="en-US" dirty="0"/>
           </a:p>
@@ -489,7 +489,7 @@
               <a:pPr>
                 <a:defRPr/>
               </a:pPr>
-              <a:t>2016-10-07</a:t>
+              <a:t>10/7/16</a:t>
             </a:fld>
             <a:endParaRPr lang="en-US" dirty="0"/>
           </a:p>
@@ -5635,7 +5635,7 @@
   <p:clrMapOvr>
     <a:masterClrMapping/>
   </p:clrMapOvr>
-  <p:transition spd="med">
+  <p:transition xmlns:p14="http://schemas.microsoft.com/office/powerpoint/2010/main" spd="med">
     <p:fade/>
   </p:transition>
 </p:sldLayout>
@@ -5930,7 +5930,7 @@
   <p:clrMapOvr>
     <a:overrideClrMapping bg1="lt1" tx1="dk1" bg2="lt2" tx2="dk2" accent1="accent1" accent2="accent2" accent3="accent3" accent4="accent4" accent5="accent5" accent6="accent6" hlink="hlink" folHlink="folHlink"/>
   </p:clrMapOvr>
-  <p:transition spd="med">
+  <p:transition xmlns:p14="http://schemas.microsoft.com/office/powerpoint/2010/main" spd="med">
     <p:fade/>
   </p:transition>
 </p:sldLayout>
@@ -6063,14 +6063,14 @@
           </a:ln>
           <a:extLst>
             <a:ext uri="{909E8E84-426E-40dd-AFC4-6F175D3DCCD1}">
-              <a14:hiddenFill xmlns="" xmlns:a14="http://schemas.microsoft.com/office/drawing/2010/main">
+              <a14:hiddenFill xmlns:a14="http://schemas.microsoft.com/office/drawing/2010/main">
                 <a:solidFill>
                   <a:srgbClr val="FFFFFF"/>
                 </a:solidFill>
               </a14:hiddenFill>
             </a:ext>
             <a:ext uri="{91240B29-F687-4f45-9708-019B960494DF}">
-              <a14:hiddenLine xmlns="" xmlns:a14="http://schemas.microsoft.com/office/drawing/2010/main" w="9525">
+              <a14:hiddenLine xmlns:a14="http://schemas.microsoft.com/office/drawing/2010/main" w="9525">
                 <a:solidFill>
                   <a:srgbClr val="000000"/>
                 </a:solidFill>
@@ -6218,14 +6218,14 @@
           </a:ln>
           <a:extLst>
             <a:ext uri="{909E8E84-426E-40dd-AFC4-6F175D3DCCD1}">
-              <a14:hiddenFill xmlns="" xmlns:a14="http://schemas.microsoft.com/office/drawing/2010/main">
+              <a14:hiddenFill xmlns:a14="http://schemas.microsoft.com/office/drawing/2010/main">
                 <a:solidFill>
                   <a:srgbClr val="FFFFFF"/>
                 </a:solidFill>
               </a14:hiddenFill>
             </a:ext>
             <a:ext uri="{91240B29-F687-4f45-9708-019B960494DF}">
-              <a14:hiddenLine xmlns="" xmlns:a14="http://schemas.microsoft.com/office/drawing/2010/main" w="9525">
+              <a14:hiddenLine xmlns:a14="http://schemas.microsoft.com/office/drawing/2010/main" w="9525">
                 <a:solidFill>
                   <a:srgbClr val="000000"/>
                 </a:solidFill>
@@ -6623,7 +6623,7 @@
   <p:clrMapOvr>
     <a:overrideClrMapping bg1="lt1" tx1="dk1" bg2="lt2" tx2="dk2" accent1="accent1" accent2="accent2" accent3="accent3" accent4="accent4" accent5="accent5" accent6="accent6" hlink="hlink" folHlink="folHlink"/>
   </p:clrMapOvr>
-  <p:transition spd="med">
+  <p:transition xmlns:p14="http://schemas.microsoft.com/office/powerpoint/2010/main" spd="med">
     <p:fade/>
   </p:transition>
 </p:sldLayout>
@@ -6681,14 +6681,14 @@
           </a:ln>
           <a:extLst>
             <a:ext uri="{909E8E84-426E-40dd-AFC4-6F175D3DCCD1}">
-              <a14:hiddenFill xmlns="" xmlns:a14="http://schemas.microsoft.com/office/drawing/2010/main">
+              <a14:hiddenFill xmlns:a14="http://schemas.microsoft.com/office/drawing/2010/main">
                 <a:solidFill>
                   <a:srgbClr val="FFFFFF"/>
                 </a:solidFill>
               </a14:hiddenFill>
             </a:ext>
             <a:ext uri="{91240B29-F687-4f45-9708-019B960494DF}">
-              <a14:hiddenLine xmlns="" xmlns:a14="http://schemas.microsoft.com/office/drawing/2010/main" w="9525">
+              <a14:hiddenLine xmlns:a14="http://schemas.microsoft.com/office/drawing/2010/main" w="9525">
                 <a:solidFill>
                   <a:srgbClr val="000000"/>
                 </a:solidFill>
@@ -6710,7 +6710,7 @@
   <p:clrMapOvr>
     <a:masterClrMapping/>
   </p:clrMapOvr>
-  <p:transition spd="med">
+  <p:transition xmlns:p14="http://schemas.microsoft.com/office/powerpoint/2010/main" spd="med">
     <p:fade/>
   </p:transition>
 </p:sldLayout>
@@ -6997,7 +6997,7 @@
   <p:clrMapOvr>
     <a:masterClrMapping/>
   </p:clrMapOvr>
-  <p:transition spd="med">
+  <p:transition xmlns:p14="http://schemas.microsoft.com/office/powerpoint/2010/main" spd="med">
     <p:fade/>
   </p:transition>
 </p:sldLayout>
@@ -7284,7 +7284,7 @@
   <p:clrMapOvr>
     <a:masterClrMapping/>
   </p:clrMapOvr>
-  <p:transition spd="med">
+  <p:transition xmlns:p14="http://schemas.microsoft.com/office/powerpoint/2010/main" spd="med">
     <p:fade/>
   </p:transition>
 </p:sldLayout>
@@ -7633,7 +7633,7 @@
   <p:clrMapOvr>
     <a:masterClrMapping/>
   </p:clrMapOvr>
-  <p:transition spd="med">
+  <p:transition xmlns:p14="http://schemas.microsoft.com/office/powerpoint/2010/main" spd="med">
     <p:fade/>
   </p:transition>
 </p:sldLayout>
@@ -7920,7 +7920,7 @@
   <p:clrMapOvr>
     <a:masterClrMapping/>
   </p:clrMapOvr>
-  <p:transition spd="med">
+  <p:transition xmlns:p14="http://schemas.microsoft.com/office/powerpoint/2010/main" spd="med">
     <p:fade/>
   </p:transition>
 </p:sldLayout>
@@ -8137,14 +8137,14 @@
           </a:ln>
           <a:extLst>
             <a:ext uri="{909E8E84-426E-40dd-AFC4-6F175D3DCCD1}">
-              <a14:hiddenFill xmlns="" xmlns:a14="http://schemas.microsoft.com/office/drawing/2010/main">
+              <a14:hiddenFill xmlns:a14="http://schemas.microsoft.com/office/drawing/2010/main">
                 <a:solidFill>
                   <a:srgbClr val="FFFFFF"/>
                 </a:solidFill>
               </a14:hiddenFill>
             </a:ext>
             <a:ext uri="{91240B29-F687-4f45-9708-019B960494DF}">
-              <a14:hiddenLine xmlns="" xmlns:a14="http://schemas.microsoft.com/office/drawing/2010/main" w="9525">
+              <a14:hiddenLine xmlns:a14="http://schemas.microsoft.com/office/drawing/2010/main" w="9525">
                 <a:solidFill>
                   <a:srgbClr val="000000"/>
                 </a:solidFill>
@@ -8341,7 +8341,7 @@
   <p:clrMapOvr>
     <a:masterClrMapping/>
   </p:clrMapOvr>
-  <p:transition spd="med">
+  <p:transition xmlns:p14="http://schemas.microsoft.com/office/powerpoint/2010/main" spd="med">
     <p:fade/>
   </p:transition>
 </p:sldLayout>
@@ -8629,7 +8629,7 @@
   <p:clrMapOvr>
     <a:masterClrMapping/>
   </p:clrMapOvr>
-  <p:transition spd="med">
+  <p:transition xmlns:p14="http://schemas.microsoft.com/office/powerpoint/2010/main" spd="med">
     <p:fade/>
   </p:transition>
 </p:sldLayout>
@@ -8941,7 +8941,7 @@
   <p:clrMapOvr>
     <a:masterClrMapping/>
   </p:clrMapOvr>
-  <p:transition spd="med">
+  <p:transition xmlns:p14="http://schemas.microsoft.com/office/powerpoint/2010/main" spd="med">
     <p:fade/>
   </p:transition>
 </p:sldLayout>
@@ -9118,7 +9118,7 @@
   <p:clrMapOvr>
     <a:masterClrMapping/>
   </p:clrMapOvr>
-  <p:transition spd="med">
+  <p:transition xmlns:p14="http://schemas.microsoft.com/office/powerpoint/2010/main" spd="med">
     <p:fade/>
   </p:transition>
 </p:sldLayout>
@@ -9422,7 +9422,7 @@
   <p:clrMapOvr>
     <a:masterClrMapping/>
   </p:clrMapOvr>
-  <p:transition spd="med">
+  <p:transition xmlns:p14="http://schemas.microsoft.com/office/powerpoint/2010/main" spd="med">
     <p:fade/>
   </p:transition>
 </p:sldLayout>
@@ -9498,14 +9498,14 @@
           </a:ln>
           <a:extLst>
             <a:ext uri="{909E8E84-426E-40dd-AFC4-6F175D3DCCD1}">
-              <a14:hiddenFill xmlns="" xmlns:a14="http://schemas.microsoft.com/office/drawing/2010/main">
+              <a14:hiddenFill xmlns:a14="http://schemas.microsoft.com/office/drawing/2010/main">
                 <a:solidFill>
                   <a:srgbClr val="FFFFFF"/>
                 </a:solidFill>
               </a14:hiddenFill>
             </a:ext>
             <a:ext uri="{91240B29-F687-4f45-9708-019B960494DF}">
-              <a14:hiddenLine xmlns="" xmlns:a14="http://schemas.microsoft.com/office/drawing/2010/main" w="9525">
+              <a14:hiddenLine xmlns:a14="http://schemas.microsoft.com/office/drawing/2010/main" w="9525">
                 <a:solidFill>
                   <a:srgbClr val="000000"/>
                 </a:solidFill>
@@ -9746,7 +9746,7 @@
   <p:clrMapOvr>
     <a:overrideClrMapping bg1="lt1" tx1="dk1" bg2="lt2" tx2="dk2" accent1="accent1" accent2="accent2" accent3="accent3" accent4="accent4" accent5="accent5" accent6="accent6" hlink="hlink" folHlink="folHlink"/>
   </p:clrMapOvr>
-  <p:transition spd="med">
+  <p:transition xmlns:p14="http://schemas.microsoft.com/office/powerpoint/2010/main" spd="med">
     <p:fade/>
   </p:transition>
 </p:sldLayout>
@@ -9952,7 +9952,7 @@
   <p:clrMapOvr>
     <a:overrideClrMapping bg1="lt1" tx1="dk1" bg2="lt2" tx2="dk2" accent1="accent1" accent2="accent2" accent3="accent3" accent4="accent4" accent5="accent5" accent6="accent6" hlink="hlink" folHlink="folHlink"/>
   </p:clrMapOvr>
-  <p:transition spd="med">
+  <p:transition xmlns:p14="http://schemas.microsoft.com/office/powerpoint/2010/main" spd="med">
     <p:fade/>
   </p:transition>
 </p:sldLayout>
@@ -10028,14 +10028,14 @@
           </a:ln>
           <a:extLst>
             <a:ext uri="{909E8E84-426E-40dd-AFC4-6F175D3DCCD1}">
-              <a14:hiddenFill xmlns="" xmlns:a14="http://schemas.microsoft.com/office/drawing/2010/main">
+              <a14:hiddenFill xmlns:a14="http://schemas.microsoft.com/office/drawing/2010/main">
                 <a:solidFill>
                   <a:srgbClr val="FFFFFF"/>
                 </a:solidFill>
               </a14:hiddenFill>
             </a:ext>
             <a:ext uri="{91240B29-F687-4f45-9708-019B960494DF}">
-              <a14:hiddenLine xmlns="" xmlns:a14="http://schemas.microsoft.com/office/drawing/2010/main" w="9525">
+              <a14:hiddenLine xmlns:a14="http://schemas.microsoft.com/office/drawing/2010/main" w="9525">
                 <a:solidFill>
                   <a:srgbClr val="000000"/>
                 </a:solidFill>
@@ -10283,7 +10283,7 @@
   <p:clrMapOvr>
     <a:overrideClrMapping bg1="lt1" tx1="dk1" bg2="lt2" tx2="dk2" accent1="accent1" accent2="accent2" accent3="accent3" accent4="accent4" accent5="accent5" accent6="accent6" hlink="hlink" folHlink="folHlink"/>
   </p:clrMapOvr>
-  <p:transition spd="med">
+  <p:transition xmlns:p14="http://schemas.microsoft.com/office/powerpoint/2010/main" spd="med">
     <p:fade/>
   </p:transition>
 </p:sldLayout>
@@ -10491,7 +10491,7 @@
   <p:clrMapOvr>
     <a:overrideClrMapping bg1="lt1" tx1="dk1" bg2="lt2" tx2="dk2" accent1="accent1" accent2="accent2" accent3="accent3" accent4="accent4" accent5="accent5" accent6="accent6" hlink="hlink" folHlink="folHlink"/>
   </p:clrMapOvr>
-  <p:transition spd="med">
+  <p:transition xmlns:p14="http://schemas.microsoft.com/office/powerpoint/2010/main" spd="med">
     <p:fade/>
   </p:transition>
 </p:sldLayout>
@@ -10567,14 +10567,14 @@
           </a:ln>
           <a:extLst>
             <a:ext uri="{909E8E84-426E-40dd-AFC4-6F175D3DCCD1}">
-              <a14:hiddenFill xmlns="" xmlns:a14="http://schemas.microsoft.com/office/drawing/2010/main">
+              <a14:hiddenFill xmlns:a14="http://schemas.microsoft.com/office/drawing/2010/main">
                 <a:solidFill>
                   <a:srgbClr val="FFFFFF"/>
                 </a:solidFill>
               </a14:hiddenFill>
             </a:ext>
             <a:ext uri="{91240B29-F687-4f45-9708-019B960494DF}">
-              <a14:hiddenLine xmlns="" xmlns:a14="http://schemas.microsoft.com/office/drawing/2010/main" w="9525">
+              <a14:hiddenLine xmlns:a14="http://schemas.microsoft.com/office/drawing/2010/main" w="9525">
                 <a:solidFill>
                   <a:srgbClr val="000000"/>
                 </a:solidFill>
@@ -10842,7 +10842,7 @@
   <p:clrMapOvr>
     <a:overrideClrMapping bg1="lt1" tx1="dk1" bg2="lt2" tx2="dk2" accent1="accent1" accent2="accent2" accent3="accent3" accent4="accent4" accent5="accent5" accent6="accent6" hlink="hlink" folHlink="folHlink"/>
   </p:clrMapOvr>
-  <p:transition spd="med">
+  <p:transition xmlns:p14="http://schemas.microsoft.com/office/powerpoint/2010/main" spd="med">
     <p:fade/>
   </p:transition>
 </p:sldLayout>
@@ -11070,7 +11070,7 @@
   <p:clrMapOvr>
     <a:overrideClrMapping bg1="lt1" tx1="dk1" bg2="lt2" tx2="dk2" accent1="accent1" accent2="accent2" accent3="accent3" accent4="accent4" accent5="accent5" accent6="accent6" hlink="hlink" folHlink="folHlink"/>
   </p:clrMapOvr>
-  <p:transition spd="med">
+  <p:transition xmlns:p14="http://schemas.microsoft.com/office/powerpoint/2010/main" spd="med">
     <p:fade/>
   </p:transition>
 </p:sldLayout>
@@ -11358,7 +11358,7 @@
   <p:clrMapOvr>
     <a:overrideClrMapping bg1="lt1" tx1="dk1" bg2="lt2" tx2="dk2" accent1="accent1" accent2="accent2" accent3="accent3" accent4="accent4" accent5="accent5" accent6="accent6" hlink="hlink" folHlink="folHlink"/>
   </p:clrMapOvr>
-  <p:transition spd="med">
+  <p:transition xmlns:p14="http://schemas.microsoft.com/office/powerpoint/2010/main" spd="med">
     <p:fade/>
   </p:transition>
 </p:sldLayout>
@@ -11514,14 +11514,14 @@
           </a:ln>
           <a:extLst>
             <a:ext uri="{909E8E84-426E-40dd-AFC4-6F175D3DCCD1}">
-              <a14:hiddenFill xmlns="" xmlns:a14="http://schemas.microsoft.com/office/drawing/2010/main">
+              <a14:hiddenFill xmlns:a14="http://schemas.microsoft.com/office/drawing/2010/main">
                 <a:solidFill>
                   <a:srgbClr val="FFFFFF"/>
                 </a:solidFill>
               </a14:hiddenFill>
             </a:ext>
             <a:ext uri="{91240B29-F687-4f45-9708-019B960494DF}">
-              <a14:hiddenLine xmlns="" xmlns:a14="http://schemas.microsoft.com/office/drawing/2010/main" w="9525">
+              <a14:hiddenLine xmlns:a14="http://schemas.microsoft.com/office/drawing/2010/main" w="9525">
                 <a:solidFill>
                   <a:srgbClr val="000000"/>
                 </a:solidFill>
@@ -11760,13 +11760,13 @@
     <p:sldLayoutId id="2147483841" r:id="rId11"/>
     <p:sldLayoutId id="2147483843" r:id="rId12"/>
   </p:sldLayoutIdLst>
-  <p:transition spd="med">
+  <p:transition xmlns:p14="http://schemas.microsoft.com/office/powerpoint/2010/main" spd="med">
     <p:fade/>
   </p:transition>
   <p:timing>
     <p:tnLst>
       <p:par>
-        <p:cTn id="1" dur="indefinite" restart="never" nodeType="tmRoot"/>
+        <p:cTn xmlns:p14="http://schemas.microsoft.com/office/powerpoint/2010/main" id="1" dur="indefinite" restart="never" nodeType="tmRoot"/>
       </p:par>
     </p:tnLst>
   </p:timing>
@@ -12294,14 +12294,14 @@
           </a:ln>
           <a:extLst>
             <a:ext uri="{909E8E84-426E-40dd-AFC4-6F175D3DCCD1}">
-              <a14:hiddenFill xmlns="" xmlns:a14="http://schemas.microsoft.com/office/drawing/2010/main">
+              <a14:hiddenFill xmlns:a14="http://schemas.microsoft.com/office/drawing/2010/main">
                 <a:solidFill>
                   <a:srgbClr val="FFFFFF"/>
                 </a:solidFill>
               </a14:hiddenFill>
             </a:ext>
             <a:ext uri="{91240B29-F687-4f45-9708-019B960494DF}">
-              <a14:hiddenLine xmlns="" xmlns:a14="http://schemas.microsoft.com/office/drawing/2010/main" w="9525">
+              <a14:hiddenLine xmlns:a14="http://schemas.microsoft.com/office/drawing/2010/main" w="9525">
                 <a:solidFill>
                   <a:srgbClr val="000000"/>
                 </a:solidFill>
@@ -12611,13 +12611,13 @@
     <p:sldLayoutId id="2147483856" r:id="rId7"/>
     <p:sldLayoutId id="2147483866" r:id="rId8"/>
   </p:sldLayoutIdLst>
-  <p:transition spd="med">
+  <p:transition xmlns:p14="http://schemas.microsoft.com/office/powerpoint/2010/main" spd="med">
     <p:fade/>
   </p:transition>
   <p:timing>
     <p:tnLst>
       <p:par>
-        <p:cTn id="1" dur="indefinite" restart="never" nodeType="tmRoot"/>
+        <p:cTn xmlns:p14="http://schemas.microsoft.com/office/powerpoint/2010/main" id="1" dur="indefinite" restart="never" nodeType="tmRoot"/>
       </p:par>
     </p:tnLst>
   </p:timing>
@@ -13076,7 +13076,11 @@
           <a:p>
             <a:r>
               <a:rPr lang="en-US" smtClean="0"/>
-              <a:t>Refactoring a Custom Resource</a:t>
+              <a:t>Refining a </a:t>
+            </a:r>
+            <a:r>
+              <a:rPr lang="en-US" dirty="0" smtClean="0"/>
+              <a:t>Custom Resource</a:t>
             </a:r>
             <a:endParaRPr lang="en-US" dirty="0"/>
           </a:p>
@@ -13111,13 +13115,13 @@
   <p:clrMapOvr>
     <a:masterClrMapping/>
   </p:clrMapOvr>
-  <p:transition spd="med">
+  <p:transition xmlns:p14="http://schemas.microsoft.com/office/powerpoint/2010/main" spd="med">
     <p:fade/>
   </p:transition>
   <p:timing>
     <p:tnLst>
       <p:par>
-        <p:cTn id="1" dur="indefinite" restart="never" nodeType="tmRoot"/>
+        <p:cTn xmlns:p14="http://schemas.microsoft.com/office/powerpoint/2010/main" id="1" dur="indefinite" restart="never" nodeType="tmRoot"/>
       </p:par>
     </p:tnLst>
   </p:timing>
@@ -13378,7 +13382,7 @@
   <p:clrMapOvr>
     <a:masterClrMapping/>
   </p:clrMapOvr>
-  <p:transition spd="med">
+  <p:transition xmlns:p14="http://schemas.microsoft.com/office/powerpoint/2010/main" spd="med">
     <p:fade/>
   </p:transition>
 </p:sld>
@@ -13531,7 +13535,7 @@
   <p:clrMapOvr>
     <a:masterClrMapping/>
   </p:clrMapOvr>
-  <p:transition spd="med">
+  <p:transition xmlns:p14="http://schemas.microsoft.com/office/powerpoint/2010/main" spd="med">
     <p:fade/>
   </p:transition>
 </p:sld>
@@ -13628,7 +13632,7 @@
   <p:clrMapOvr>
     <a:masterClrMapping/>
   </p:clrMapOvr>
-  <p:transition spd="med">
+  <p:transition xmlns:p14="http://schemas.microsoft.com/office/powerpoint/2010/main" spd="med">
     <p:fade/>
   </p:transition>
 </p:sld>
@@ -13881,7 +13885,7 @@
   <p:clrMapOvr>
     <a:masterClrMapping/>
   </p:clrMapOvr>
-  <p:transition spd="med">
+  <p:transition xmlns:p14="http://schemas.microsoft.com/office/powerpoint/2010/main" spd="med">
     <p:fade/>
   </p:transition>
 </p:sld>
@@ -14155,7 +14159,7 @@
   <p:clrMapOvr>
     <a:masterClrMapping/>
   </p:clrMapOvr>
-  <p:transition spd="med">
+  <p:transition xmlns:p14="http://schemas.microsoft.com/office/powerpoint/2010/main" spd="med">
     <p:fade/>
   </p:transition>
 </p:sld>
@@ -14378,7 +14382,7 @@
   <p:clrMapOvr>
     <a:masterClrMapping/>
   </p:clrMapOvr>
-  <p:transition spd="med">
+  <p:transition xmlns:p14="http://schemas.microsoft.com/office/powerpoint/2010/main" spd="med">
     <p:fade/>
   </p:transition>
 </p:sld>
@@ -14498,7 +14502,7 @@
   <p:clrMapOvr>
     <a:masterClrMapping/>
   </p:clrMapOvr>
-  <p:transition spd="med">
+  <p:transition xmlns:p14="http://schemas.microsoft.com/office/powerpoint/2010/main" spd="med">
     <p:fade/>
   </p:transition>
 </p:sld>
@@ -14758,7 +14762,7 @@
   <p:clrMapOvr>
     <a:masterClrMapping/>
   </p:clrMapOvr>
-  <p:transition spd="med">
+  <p:transition xmlns:p14="http://schemas.microsoft.com/office/powerpoint/2010/main" spd="med">
     <p:fade/>
   </p:transition>
 </p:sld>
@@ -14911,7 +14915,7 @@
   <p:clrMapOvr>
     <a:masterClrMapping/>
   </p:clrMapOvr>
-  <p:transition spd="med">
+  <p:transition xmlns:p14="http://schemas.microsoft.com/office/powerpoint/2010/main" spd="med">
     <p:fade/>
   </p:transition>
 </p:sld>
@@ -14992,7 +14996,7 @@
   <p:clrMapOvr>
     <a:masterClrMapping/>
   </p:clrMapOvr>
-  <p:transition spd="med">
+  <p:transition xmlns:p14="http://schemas.microsoft.com/office/powerpoint/2010/main" spd="med">
     <p:fade/>
   </p:transition>
 </p:sld>
@@ -15103,13 +15107,13 @@
   <p:clrMapOvr>
     <a:masterClrMapping/>
   </p:clrMapOvr>
-  <p:transition spd="med">
+  <p:transition xmlns:p14="http://schemas.microsoft.com/office/powerpoint/2010/main" spd="med">
     <p:fade/>
   </p:transition>
   <p:timing>
     <p:tnLst>
       <p:par>
-        <p:cTn id="1" dur="indefinite" restart="never" nodeType="tmRoot"/>
+        <p:cTn xmlns:p14="http://schemas.microsoft.com/office/powerpoint/2010/main" id="1" dur="indefinite" restart="never" nodeType="tmRoot"/>
       </p:par>
     </p:tnLst>
   </p:timing>
@@ -15366,7 +15370,7 @@
   <p:clrMapOvr>
     <a:masterClrMapping/>
   </p:clrMapOvr>
-  <p:transition spd="med">
+  <p:transition xmlns:p14="http://schemas.microsoft.com/office/powerpoint/2010/main" spd="med">
     <p:fade/>
   </p:transition>
 </p:sld>
@@ -15594,7 +15598,7 @@
   <p:clrMapOvr>
     <a:masterClrMapping/>
   </p:clrMapOvr>
-  <p:transition spd="med">
+  <p:transition xmlns:p14="http://schemas.microsoft.com/office/powerpoint/2010/main" spd="med">
     <p:fade/>
   </p:transition>
 </p:sld>
@@ -15714,7 +15718,7 @@
   <p:clrMapOvr>
     <a:masterClrMapping/>
   </p:clrMapOvr>
-  <p:transition spd="med">
+  <p:transition xmlns:p14="http://schemas.microsoft.com/office/powerpoint/2010/main" spd="med">
     <p:fade/>
   </p:transition>
 </p:sld>
@@ -15974,7 +15978,7 @@
   <p:clrMapOvr>
     <a:masterClrMapping/>
   </p:clrMapOvr>
-  <p:transition spd="med">
+  <p:transition xmlns:p14="http://schemas.microsoft.com/office/powerpoint/2010/main" spd="med">
     <p:fade/>
   </p:transition>
 </p:sld>
@@ -16127,7 +16131,7 @@
   <p:clrMapOvr>
     <a:masterClrMapping/>
   </p:clrMapOvr>
-  <p:transition spd="med">
+  <p:transition xmlns:p14="http://schemas.microsoft.com/office/powerpoint/2010/main" spd="med">
     <p:fade/>
   </p:transition>
 </p:sld>
@@ -16208,7 +16212,7 @@
   <p:clrMapOvr>
     <a:masterClrMapping/>
   </p:clrMapOvr>
-  <p:transition spd="med">
+  <p:transition xmlns:p14="http://schemas.microsoft.com/office/powerpoint/2010/main" spd="med">
     <p:fade/>
   </p:transition>
 </p:sld>
@@ -16527,7 +16531,7 @@
   <p:clrMapOvr>
     <a:masterClrMapping/>
   </p:clrMapOvr>
-  <p:transition spd="med">
+  <p:transition xmlns:p14="http://schemas.microsoft.com/office/powerpoint/2010/main" spd="med">
     <p:fade/>
   </p:transition>
 </p:sld>
@@ -16773,7 +16777,7 @@
   <p:clrMapOvr>
     <a:masterClrMapping/>
   </p:clrMapOvr>
-  <p:transition spd="med">
+  <p:transition xmlns:p14="http://schemas.microsoft.com/office/powerpoint/2010/main" spd="med">
     <p:fade/>
   </p:transition>
 </p:sld>
@@ -17000,7 +17004,7 @@
   <p:clrMapOvr>
     <a:masterClrMapping/>
   </p:clrMapOvr>
-  <p:transition spd="med">
+  <p:transition xmlns:p14="http://schemas.microsoft.com/office/powerpoint/2010/main" spd="med">
     <p:fade/>
   </p:transition>
 </p:sld>
@@ -17120,7 +17124,7 @@
   <p:clrMapOvr>
     <a:masterClrMapping/>
   </p:clrMapOvr>
-  <p:transition spd="med">
+  <p:transition xmlns:p14="http://schemas.microsoft.com/office/powerpoint/2010/main" spd="med">
     <p:fade/>
   </p:transition>
 </p:sld>
@@ -17273,7 +17277,7 @@
   <p:clrMapOvr>
     <a:masterClrMapping/>
   </p:clrMapOvr>
-  <p:transition spd="med">
+  <p:transition xmlns:p14="http://schemas.microsoft.com/office/powerpoint/2010/main" spd="med">
     <p:fade/>
   </p:transition>
 </p:sld>
@@ -17533,7 +17537,7 @@
   <p:clrMapOvr>
     <a:masterClrMapping/>
   </p:clrMapOvr>
-  <p:transition spd="med">
+  <p:transition xmlns:p14="http://schemas.microsoft.com/office/powerpoint/2010/main" spd="med">
     <p:fade/>
   </p:transition>
 </p:sld>
@@ -17682,7 +17686,7 @@
   <p:clrMapOvr>
     <a:masterClrMapping/>
   </p:clrMapOvr>
-  <p:transition spd="med">
+  <p:transition xmlns:p14="http://schemas.microsoft.com/office/powerpoint/2010/main" spd="med">
     <p:fade/>
   </p:transition>
 </p:sld>
@@ -17763,13 +17767,13 @@
   <p:clrMapOvr>
     <a:masterClrMapping/>
   </p:clrMapOvr>
-  <p:transition spd="med">
+  <p:transition xmlns:p14="http://schemas.microsoft.com/office/powerpoint/2010/main" spd="med">
     <p:fade/>
   </p:transition>
   <p:timing>
     <p:tnLst>
       <p:par>
-        <p:cTn id="1" dur="indefinite" restart="never" nodeType="tmRoot"/>
+        <p:cTn xmlns:p14="http://schemas.microsoft.com/office/powerpoint/2010/main" id="1" dur="indefinite" restart="never" nodeType="tmRoot"/>
       </p:par>
     </p:tnLst>
   </p:timing>
@@ -17803,7 +17807,7 @@
   <p:clrMapOvr>
     <a:masterClrMapping/>
   </p:clrMapOvr>
-  <p:transition spd="med">
+  <p:transition xmlns:p14="http://schemas.microsoft.com/office/powerpoint/2010/main" spd="med">
     <p:fade/>
   </p:transition>
 </p:sld>
@@ -17884,7 +17888,7 @@
   <p:clrMapOvr>
     <a:masterClrMapping/>
   </p:clrMapOvr>
-  <p:transition spd="med">
+  <p:transition xmlns:p14="http://schemas.microsoft.com/office/powerpoint/2010/main" spd="med">
     <p:fade/>
   </p:transition>
 </p:sld>
@@ -17965,7 +17969,7 @@
   <p:clrMapOvr>
     <a:masterClrMapping/>
   </p:clrMapOvr>
-  <p:transition spd="med">
+  <p:transition xmlns:p14="http://schemas.microsoft.com/office/powerpoint/2010/main" spd="med">
     <p:fade/>
   </p:transition>
 </p:sld>
@@ -18210,7 +18214,7 @@
   <p:clrMapOvr>
     <a:masterClrMapping/>
   </p:clrMapOvr>
-  <p:transition spd="med">
+  <p:transition xmlns:p14="http://schemas.microsoft.com/office/powerpoint/2010/main" spd="med">
     <p:fade/>
   </p:transition>
 </p:sld>
@@ -18455,7 +18459,7 @@
   <p:clrMapOvr>
     <a:masterClrMapping/>
   </p:clrMapOvr>
-  <p:transition spd="med">
+  <p:transition xmlns:p14="http://schemas.microsoft.com/office/powerpoint/2010/main" spd="med">
     <p:fade/>
   </p:transition>
 </p:sld>
@@ -18681,7 +18685,7 @@
   <p:clrMapOvr>
     <a:masterClrMapping/>
   </p:clrMapOvr>
-  <p:transition spd="med">
+  <p:transition xmlns:p14="http://schemas.microsoft.com/office/powerpoint/2010/main" spd="med">
     <p:fade/>
   </p:transition>
 </p:sld>
@@ -18801,7 +18805,7 @@
   <p:clrMapOvr>
     <a:masterClrMapping/>
   </p:clrMapOvr>
-  <p:transition spd="med">
+  <p:transition xmlns:p14="http://schemas.microsoft.com/office/powerpoint/2010/main" spd="med">
     <p:fade/>
   </p:transition>
 </p:sld>
@@ -19183,7 +19187,7 @@
   <a:extraClrSchemeLst/>
   <a:extLst>
     <a:ext uri="{05A4C25C-085E-4340-85A3-A5531E510DB2}">
-      <thm15:themeFamily xmlns:thm15="http://schemas.microsoft.com/office/thememl/2012/main" name="Chef-TemplateComps_v09-16x9-Light.potx" id="{078CEFDB-FA7A-4E36-9964-13EF367585CB}" vid="{8B87B0F3-7308-43D5-8388-E1B49EA02652}"/>
+      <thm15:themeFamily xmlns:thm15="http://schemas.microsoft.com/office/thememl/2012/main" xmlns="" name="Chef-TemplateComps_v09-16x9-Light.potx" id="{078CEFDB-FA7A-4E36-9964-13EF367585CB}" vid="{8B87B0F3-7308-43D5-8388-E1B49EA02652}"/>
     </a:ext>
   </a:extLst>
 </a:theme>
@@ -19565,7 +19569,7 @@
   <a:extraClrSchemeLst/>
   <a:extLst>
     <a:ext uri="{05A4C25C-085E-4340-85A3-A5531E510DB2}">
-      <thm15:themeFamily xmlns:thm15="http://schemas.microsoft.com/office/thememl/2012/main" name="Chef-TemplateComps_v09-16x9-Light.potx" id="{078CEFDB-FA7A-4E36-9964-13EF367585CB}" vid="{8B87B0F3-7308-43D5-8388-E1B49EA02652}"/>
+      <thm15:themeFamily xmlns:thm15="http://schemas.microsoft.com/office/thememl/2012/main" xmlns="" name="Chef-TemplateComps_v09-16x9-Light.potx" id="{078CEFDB-FA7A-4E36-9964-13EF367585CB}" vid="{8B87B0F3-7308-43D5-8388-E1B49EA02652}"/>
     </a:ext>
   </a:extLst>
 </a:theme>

--- a/05-refining_a_custom_resource.pptx
+++ b/05-refining_a_custom_resource.pptx
@@ -175,7 +175,7 @@
   </p:defaultTextStyle>
   <p:extLst>
     <p:ext uri="{EFAFB233-063F-42B5-8137-9DF3F51BA10A}">
-      <p15:sldGuideLst xmlns:p15="http://schemas.microsoft.com/office/powerpoint/2012/main" xmlns="">
+      <p15:sldGuideLst xmlns:p15="http://schemas.microsoft.com/office/powerpoint/2012/main">
         <p15:guide id="1" orient="horz" pos="894">
           <p15:clr>
             <a:srgbClr val="A4A3A4"/>
@@ -189,7 +189,7 @@
       </p15:sldGuideLst>
     </p:ext>
     <p:ext uri="{2D200454-40CA-4A62-9FC3-DE9A4176ACB9}">
-      <p15:notesGuideLst xmlns:p15="http://schemas.microsoft.com/office/powerpoint/2012/main" xmlns=""/>
+      <p15:notesGuideLst xmlns:p15="http://schemas.microsoft.com/office/powerpoint/2012/main"/>
     </p:ext>
   </p:extLst>
 </p:presentation>
@@ -257,6 +257,10 @@
             <a:pPr>
               <a:defRPr/>
             </a:pPr>
+            <a:r>
+              <a:rPr lang="en-US" smtClean="0"/>
+              <a:t>Extending Cookbooks</a:t>
+            </a:r>
             <a:endParaRPr lang="en-US"/>
           </a:p>
         </p:txBody>
@@ -301,13 +305,10 @@
             <a:pPr>
               <a:defRPr/>
             </a:pPr>
-            <a:fld id="{04CB1577-BF96-2D40-B4CA-2BF6DA80CBA7}" type="datetime1">
-              <a:rPr lang="en-CA"/>
-              <a:pPr>
-                <a:defRPr/>
-              </a:pPr>
-              <a:t>10/7/16</a:t>
-            </a:fld>
+            <a:r>
+              <a:rPr lang="en-US" smtClean="0"/>
+              <a:t>Chef Software, Inc.</a:t>
+            </a:r>
             <a:endParaRPr lang="en-US" dirty="0"/>
           </a:p>
         </p:txBody>
@@ -418,7 +419,7 @@
     </p:extLst>
   </p:cSld>
   <p:clrMap bg1="lt1" tx1="dk1" bg2="lt2" tx2="dk2" accent1="accent1" accent2="accent2" accent3="accent3" accent4="accent4" accent5="accent5" accent6="accent6" hlink="hlink" folHlink="folHlink"/>
-  <p:hf dt="0"/>
+  <p:hf sldNum="0" ftr="0"/>
 </p:handoutMaster>
 </file>
 
@@ -456,7 +457,7 @@
         </p:nvSpPr>
         <p:spPr>
           <a:xfrm>
-            <a:off x="3884613" y="0"/>
+            <a:off x="3884613" y="96250"/>
             <a:ext cx="2971800" cy="457200"/>
           </a:xfrm>
           <a:prstGeom prst="rect">
@@ -484,13 +485,10 @@
             <a:pPr>
               <a:defRPr/>
             </a:pPr>
-            <a:fld id="{72FDBE47-C34F-CF4A-9709-1411AD5B3286}" type="datetime1">
-              <a:rPr lang="en-CA"/>
-              <a:pPr>
-                <a:defRPr/>
-              </a:pPr>
-              <a:t>10/7/16</a:t>
-            </a:fld>
+            <a:r>
+              <a:rPr lang="en-US" smtClean="0"/>
+              <a:t>Chef Software, Inc.</a:t>
+            </a:r>
             <a:endParaRPr lang="en-US" dirty="0"/>
           </a:p>
         </p:txBody>
@@ -541,8 +539,8 @@
         </p:nvSpPr>
         <p:spPr>
           <a:xfrm>
-            <a:off x="685800" y="4343400"/>
-            <a:ext cx="5486400" cy="4114800"/>
+            <a:off x="381000" y="4343400"/>
+            <a:ext cx="6096000" cy="4492592"/>
           </a:xfrm>
           <a:prstGeom prst="rect">
             <a:avLst/>
@@ -593,68 +591,17 @@
       </p:sp>
       <p:sp>
         <p:nvSpPr>
-          <p:cNvPr id="7" name="Slide Number Placeholder 6"/>
-          <p:cNvSpPr>
-            <a:spLocks noGrp="1"/>
-          </p:cNvSpPr>
-          <p:nvPr>
-            <p:ph type="sldNum" sz="quarter" idx="5"/>
+          <p:cNvPr id="8" name="Header Placeholder 1"/>
+          <p:cNvSpPr>
+            <a:spLocks noGrp="1"/>
+          </p:cNvSpPr>
+          <p:nvPr>
+            <p:ph type="hdr" sz="quarter"/>
           </p:nvPr>
         </p:nvSpPr>
         <p:spPr>
           <a:xfrm>
-            <a:off x="6172200" y="8685213"/>
-            <a:ext cx="684213" cy="457200"/>
-          </a:xfrm>
-          <a:prstGeom prst="rect">
-            <a:avLst/>
-          </a:prstGeom>
-        </p:spPr>
-        <p:txBody>
-          <a:bodyPr vert="horz" lIns="91440" tIns="45720" rIns="91440" bIns="45720" rtlCol="0" anchor="b"/>
-          <a:lstStyle>
-            <a:lvl1pPr algn="r" defTabSz="1219120" fontAlgn="auto">
-              <a:spcBef>
-                <a:spcPts val="0"/>
-              </a:spcBef>
-              <a:spcAft>
-                <a:spcPts val="0"/>
-              </a:spcAft>
-              <a:defRPr sz="1200" smtClean="0">
-                <a:latin typeface="Arial" panose="020B0604020202020204" pitchFamily="34" charset="0"/>
-                <a:ea typeface="+mn-ea"/>
-                <a:cs typeface="Arial" panose="020B0604020202020204" pitchFamily="34" charset="0"/>
-              </a:defRPr>
-            </a:lvl1pPr>
-          </a:lstStyle>
-          <a:p>
-            <a:pPr>
-              <a:defRPr/>
-            </a:pPr>
-            <a:fld id="{DC3734AA-3150-D947-AC52-2F5DF48BFCD5}" type="slidenum">
-              <a:rPr lang="en-US"/>
-              <a:pPr>
-                <a:defRPr/>
-              </a:pPr>
-              <a:t>‹#›</a:t>
-            </a:fld>
-            <a:endParaRPr lang="en-US" dirty="0"/>
-          </a:p>
-        </p:txBody>
-      </p:sp>
-      <p:sp>
-        <p:nvSpPr>
-          <p:cNvPr id="8" name="Header Placeholder 1"/>
-          <p:cNvSpPr>
-            <a:spLocks noGrp="1"/>
-          </p:cNvSpPr>
-          <p:nvPr>
-            <p:ph type="hdr" sz="quarter"/>
-          </p:nvPr>
-        </p:nvSpPr>
-        <p:spPr>
-          <a:xfrm>
-            <a:off x="0" y="0"/>
+            <a:off x="0" y="96250"/>
             <a:ext cx="2971800" cy="457200"/>
           </a:xfrm>
           <a:prstGeom prst="rect">
@@ -682,54 +629,11 @@
             <a:pPr>
               <a:defRPr/>
             </a:pPr>
-            <a:endParaRPr lang="en-US"/>
-          </a:p>
-        </p:txBody>
-      </p:sp>
-      <p:sp>
-        <p:nvSpPr>
-          <p:cNvPr id="9" name="Footer Placeholder 3"/>
-          <p:cNvSpPr>
-            <a:spLocks noGrp="1"/>
-          </p:cNvSpPr>
-          <p:nvPr>
-            <p:ph type="ftr" sz="quarter" idx="4"/>
-          </p:nvPr>
-        </p:nvSpPr>
-        <p:spPr>
-          <a:xfrm>
-            <a:off x="0" y="8685213"/>
-            <a:ext cx="6248400" cy="457200"/>
-          </a:xfrm>
-          <a:prstGeom prst="rect">
-            <a:avLst/>
-          </a:prstGeom>
-        </p:spPr>
-        <p:txBody>
-          <a:bodyPr vert="horz" lIns="91440" tIns="45720" rIns="91440" bIns="45720" rtlCol="0" anchor="b"/>
-          <a:lstStyle>
-            <a:lvl1pPr algn="l" defTabSz="1219120" fontAlgn="auto">
-              <a:spcBef>
-                <a:spcPts val="0"/>
-              </a:spcBef>
-              <a:spcAft>
-                <a:spcPts val="0"/>
-              </a:spcAft>
-              <a:defRPr sz="900" dirty="0" smtClean="0">
-                <a:solidFill>
-                  <a:srgbClr val="000000"/>
-                </a:solidFill>
-                <a:latin typeface="Arial" panose="020B0604020202020204" pitchFamily="34" charset="0"/>
-                <a:ea typeface="+mn-ea"/>
-                <a:cs typeface="Arial" panose="020B0604020202020204" pitchFamily="34" charset="0"/>
-              </a:defRPr>
-            </a:lvl1pPr>
-          </a:lstStyle>
-          <a:p>
-            <a:pPr>
-              <a:defRPr/>
-            </a:pPr>
-            <a:endParaRPr lang="en-US"/>
+            <a:r>
+              <a:rPr lang="en-US" smtClean="0"/>
+              <a:t>Extending Cookbooks</a:t>
+            </a:r>
+            <a:endParaRPr lang="en-US" dirty="0"/>
           </a:p>
         </p:txBody>
       </p:sp>
@@ -741,7 +645,7 @@
     </p:extLst>
   </p:cSld>
   <p:clrMap bg1="lt1" tx1="dk1" bg2="lt2" tx2="dk2" accent1="accent1" accent2="accent2" accent3="accent3" accent4="accent4" accent5="accent5" accent6="accent6" hlink="hlink" folHlink="folHlink"/>
-  <p:hf dt="0"/>
+  <p:hf sldNum="0" ftr="0"/>
   <p:notesStyle>
     <a:lvl1pPr algn="l" defTabSz="1217613" rtl="0" fontAlgn="base">
       <a:lnSpc>
@@ -934,26 +838,18 @@
           <a:bodyPr/>
           <a:lstStyle/>
           <a:p>
-            <a:r>
-              <a:rPr lang="en-US" dirty="0" smtClean="0"/>
-              <a:t>After completing</a:t>
-            </a:r>
-            <a:r>
-              <a:rPr lang="en-US" baseline="0" dirty="0" smtClean="0"/>
-              <a:t> this module you should be able to set a custom resource's name to a property, set a default value if the property is not provided, and define notifications correctly within the custom resource.</a:t>
-            </a:r>
-            <a:endParaRPr lang="en-US" dirty="0"/>
-          </a:p>
-        </p:txBody>
-      </p:sp>
-      <p:sp>
-        <p:nvSpPr>
-          <p:cNvPr id="4" name="Slide Number Placeholder 3"/>
-          <p:cNvSpPr>
-            <a:spLocks noGrp="1"/>
-          </p:cNvSpPr>
-          <p:nvPr>
-            <p:ph type="sldNum" sz="quarter" idx="10"/>
+            <a:endParaRPr lang="en-US"/>
+          </a:p>
+        </p:txBody>
+      </p:sp>
+      <p:sp>
+        <p:nvSpPr>
+          <p:cNvPr id="4" name="Date Placeholder 3"/>
+          <p:cNvSpPr>
+            <a:spLocks noGrp="1"/>
+          </p:cNvSpPr>
+          <p:nvPr>
+            <p:ph type="dt" idx="10"/>
           </p:nvPr>
         </p:nvSpPr>
         <p:spPr/>
@@ -964,13 +860,10 @@
             <a:pPr>
               <a:defRPr/>
             </a:pPr>
-            <a:fld id="{DC3734AA-3150-D947-AC52-2F5DF48BFCD5}" type="slidenum">
+            <a:r>
               <a:rPr lang="en-US" smtClean="0"/>
-              <a:pPr>
-                <a:defRPr/>
-              </a:pPr>
-              <a:t>2</a:t>
-            </a:fld>
+              <a:t>Chef Software, Inc.</a:t>
+            </a:r>
             <a:endParaRPr lang="en-US" dirty="0"/>
           </a:p>
         </p:txBody>
@@ -993,36 +886,18 @@
             <a:pPr>
               <a:defRPr/>
             </a:pPr>
-            <a:endParaRPr lang="en-US"/>
-          </a:p>
-        </p:txBody>
-      </p:sp>
-      <p:sp>
-        <p:nvSpPr>
-          <p:cNvPr id="6" name="Footer Placeholder 5"/>
-          <p:cNvSpPr>
-            <a:spLocks noGrp="1"/>
-          </p:cNvSpPr>
-          <p:nvPr>
-            <p:ph type="ftr" sz="quarter" idx="12"/>
-          </p:nvPr>
-        </p:nvSpPr>
-        <p:spPr/>
-        <p:txBody>
-          <a:bodyPr/>
-          <a:lstStyle/>
-          <a:p>
-            <a:pPr>
-              <a:defRPr/>
-            </a:pPr>
-            <a:endParaRPr lang="en-US"/>
+            <a:r>
+              <a:rPr lang="en-US" smtClean="0"/>
+              <a:t>Extending Cookbooks</a:t>
+            </a:r>
+            <a:endParaRPr lang="en-US" dirty="0"/>
           </a:p>
         </p:txBody>
       </p:sp>
     </p:spTree>
     <p:extLst>
       <p:ext uri="{BB962C8B-B14F-4D97-AF65-F5344CB8AC3E}">
-        <p14:creationId xmlns:p14="http://schemas.microsoft.com/office/powerpoint/2010/main" val="1564631812"/>
+        <p14:creationId xmlns:p14="http://schemas.microsoft.com/office/powerpoint/2010/main" val="1641389631"/>
       </p:ext>
     </p:extLst>
   </p:cSld>
@@ -1078,19 +953,7 @@
           <a:p>
             <a:r>
               <a:rPr lang="en-US" dirty="0" smtClean="0"/>
-              <a:t>Now we will look at tying</a:t>
-            </a:r>
-            <a:r>
-              <a:rPr lang="en-US" baseline="0" dirty="0" smtClean="0"/>
-              <a:t> the name provided to the custom resource to the </a:t>
-            </a:r>
-            <a:r>
-              <a:rPr lang="en-US" baseline="0" dirty="0" err="1" smtClean="0"/>
-              <a:t>site_name</a:t>
-            </a:r>
-            <a:r>
-              <a:rPr lang="en-US" baseline="0" dirty="0" smtClean="0"/>
-              <a:t> property.</a:t>
+              <a:t>All the integration test should pass.</a:t>
             </a:r>
             <a:endParaRPr lang="en-US" dirty="0"/>
           </a:p>
@@ -1098,12 +961,12 @@
       </p:sp>
       <p:sp>
         <p:nvSpPr>
-          <p:cNvPr id="4" name="Slide Number Placeholder 3"/>
-          <p:cNvSpPr>
-            <a:spLocks noGrp="1"/>
-          </p:cNvSpPr>
-          <p:nvPr>
-            <p:ph type="sldNum" sz="quarter" idx="10"/>
+          <p:cNvPr id="5" name="Header Placeholder 4"/>
+          <p:cNvSpPr>
+            <a:spLocks noGrp="1"/>
+          </p:cNvSpPr>
+          <p:nvPr>
+            <p:ph type="hdr" sz="quarter" idx="11"/>
           </p:nvPr>
         </p:nvSpPr>
         <p:spPr/>
@@ -1114,25 +977,22 @@
             <a:pPr>
               <a:defRPr/>
             </a:pPr>
-            <a:fld id="{DC3734AA-3150-D947-AC52-2F5DF48BFCD5}" type="slidenum">
+            <a:r>
               <a:rPr lang="en-US" smtClean="0"/>
-              <a:pPr>
-                <a:defRPr/>
-              </a:pPr>
-              <a:t>11</a:t>
-            </a:fld>
-            <a:endParaRPr lang="en-US" dirty="0"/>
-          </a:p>
-        </p:txBody>
-      </p:sp>
-      <p:sp>
-        <p:nvSpPr>
-          <p:cNvPr id="5" name="Header Placeholder 4"/>
-          <p:cNvSpPr>
-            <a:spLocks noGrp="1"/>
-          </p:cNvSpPr>
-          <p:nvPr>
-            <p:ph type="hdr" sz="quarter" idx="11"/>
+              <a:t>Extending Cookbooks</a:t>
+            </a:r>
+            <a:endParaRPr lang="en-US"/>
+          </a:p>
+        </p:txBody>
+      </p:sp>
+      <p:sp>
+        <p:nvSpPr>
+          <p:cNvPr id="7" name="Date Placeholder 6"/>
+          <p:cNvSpPr>
+            <a:spLocks noGrp="1"/>
+          </p:cNvSpPr>
+          <p:nvPr>
+            <p:ph type="dt" idx="13"/>
           </p:nvPr>
         </p:nvSpPr>
         <p:spPr/>
@@ -1143,36 +1003,18 @@
             <a:pPr>
               <a:defRPr/>
             </a:pPr>
-            <a:endParaRPr lang="en-US"/>
-          </a:p>
-        </p:txBody>
-      </p:sp>
-      <p:sp>
-        <p:nvSpPr>
-          <p:cNvPr id="6" name="Footer Placeholder 5"/>
-          <p:cNvSpPr>
-            <a:spLocks noGrp="1"/>
-          </p:cNvSpPr>
-          <p:nvPr>
-            <p:ph type="ftr" sz="quarter" idx="12"/>
-          </p:nvPr>
-        </p:nvSpPr>
-        <p:spPr/>
-        <p:txBody>
-          <a:bodyPr/>
-          <a:lstStyle/>
-          <a:p>
-            <a:pPr>
-              <a:defRPr/>
-            </a:pPr>
-            <a:endParaRPr lang="en-US"/>
+            <a:r>
+              <a:rPr lang="en-US" smtClean="0"/>
+              <a:t>Chef Software, Inc.</a:t>
+            </a:r>
+            <a:endParaRPr lang="en-US" dirty="0"/>
           </a:p>
         </p:txBody>
       </p:sp>
     </p:spTree>
     <p:extLst>
       <p:ext uri="{BB962C8B-B14F-4D97-AF65-F5344CB8AC3E}">
-        <p14:creationId xmlns:p14="http://schemas.microsoft.com/office/powerpoint/2010/main" val="854677856"/>
+        <p14:creationId xmlns:p14="http://schemas.microsoft.com/office/powerpoint/2010/main" val="1609383880"/>
       </p:ext>
     </p:extLst>
   </p:cSld>
@@ -1228,11 +1070,19 @@
           <a:p>
             <a:r>
               <a:rPr lang="en-US" dirty="0" smtClean="0"/>
-              <a:t>We</a:t>
+              <a:t>Now we will look at tying</a:t>
             </a:r>
             <a:r>
               <a:rPr lang="en-US" baseline="0" dirty="0" smtClean="0"/>
-              <a:t> want to ensure our custom resource is clear and concise. At the moment when you define the resource within the recipe you specify a value as the name of the custom resource and then a property that matches that same name. This seems like a redundancy that we want to remove.</a:t>
+              <a:t> the name provided to the custom resource to the </a:t>
+            </a:r>
+            <a:r>
+              <a:rPr lang="en-US" baseline="0" dirty="0" err="1" smtClean="0"/>
+              <a:t>site_name</a:t>
+            </a:r>
+            <a:r>
+              <a:rPr lang="en-US" baseline="0" dirty="0" smtClean="0"/>
+              <a:t> property.</a:t>
             </a:r>
             <a:endParaRPr lang="en-US" dirty="0"/>
           </a:p>
@@ -1240,12 +1090,12 @@
       </p:sp>
       <p:sp>
         <p:nvSpPr>
-          <p:cNvPr id="4" name="Slide Number Placeholder 3"/>
-          <p:cNvSpPr>
-            <a:spLocks noGrp="1"/>
-          </p:cNvSpPr>
-          <p:nvPr>
-            <p:ph type="sldNum" sz="quarter" idx="10"/>
+          <p:cNvPr id="5" name="Header Placeholder 4"/>
+          <p:cNvSpPr>
+            <a:spLocks noGrp="1"/>
+          </p:cNvSpPr>
+          <p:nvPr>
+            <p:ph type="hdr" sz="quarter" idx="11"/>
           </p:nvPr>
         </p:nvSpPr>
         <p:spPr/>
@@ -1256,25 +1106,22 @@
             <a:pPr>
               <a:defRPr/>
             </a:pPr>
-            <a:fld id="{DC3734AA-3150-D947-AC52-2F5DF48BFCD5}" type="slidenum">
+            <a:r>
               <a:rPr lang="en-US" smtClean="0"/>
-              <a:pPr>
-                <a:defRPr/>
-              </a:pPr>
-              <a:t>12</a:t>
-            </a:fld>
-            <a:endParaRPr lang="en-US" dirty="0"/>
-          </a:p>
-        </p:txBody>
-      </p:sp>
-      <p:sp>
-        <p:nvSpPr>
-          <p:cNvPr id="5" name="Header Placeholder 4"/>
-          <p:cNvSpPr>
-            <a:spLocks noGrp="1"/>
-          </p:cNvSpPr>
-          <p:nvPr>
-            <p:ph type="hdr" sz="quarter" idx="11"/>
+              <a:t>Extending Cookbooks</a:t>
+            </a:r>
+            <a:endParaRPr lang="en-US"/>
+          </a:p>
+        </p:txBody>
+      </p:sp>
+      <p:sp>
+        <p:nvSpPr>
+          <p:cNvPr id="7" name="Date Placeholder 6"/>
+          <p:cNvSpPr>
+            <a:spLocks noGrp="1"/>
+          </p:cNvSpPr>
+          <p:nvPr>
+            <p:ph type="dt" idx="13"/>
           </p:nvPr>
         </p:nvSpPr>
         <p:spPr/>
@@ -1285,36 +1132,18 @@
             <a:pPr>
               <a:defRPr/>
             </a:pPr>
-            <a:endParaRPr lang="en-US"/>
-          </a:p>
-        </p:txBody>
-      </p:sp>
-      <p:sp>
-        <p:nvSpPr>
-          <p:cNvPr id="6" name="Footer Placeholder 5"/>
-          <p:cNvSpPr>
-            <a:spLocks noGrp="1"/>
-          </p:cNvSpPr>
-          <p:nvPr>
-            <p:ph type="ftr" sz="quarter" idx="12"/>
-          </p:nvPr>
-        </p:nvSpPr>
-        <p:spPr/>
-        <p:txBody>
-          <a:bodyPr/>
-          <a:lstStyle/>
-          <a:p>
-            <a:pPr>
-              <a:defRPr/>
-            </a:pPr>
-            <a:endParaRPr lang="en-US"/>
+            <a:r>
+              <a:rPr lang="en-US" smtClean="0"/>
+              <a:t>Chef Software, Inc.</a:t>
+            </a:r>
+            <a:endParaRPr lang="en-US" dirty="0"/>
           </a:p>
         </p:txBody>
       </p:sp>
     </p:spTree>
     <p:extLst>
       <p:ext uri="{BB962C8B-B14F-4D97-AF65-F5344CB8AC3E}">
-        <p14:creationId xmlns:p14="http://schemas.microsoft.com/office/powerpoint/2010/main" val="139164036"/>
+        <p14:creationId xmlns:p14="http://schemas.microsoft.com/office/powerpoint/2010/main" val="854677856"/>
       </p:ext>
     </p:extLst>
   </p:cSld>
@@ -1370,19 +1199,11 @@
           <a:p>
             <a:r>
               <a:rPr lang="en-US" dirty="0" smtClean="0"/>
-              <a:t>One</a:t>
+              <a:t>We</a:t>
             </a:r>
             <a:r>
               <a:rPr lang="en-US" baseline="0" dirty="0" smtClean="0"/>
-              <a:t> property may have the '</a:t>
-            </a:r>
-            <a:r>
-              <a:rPr lang="en-US" baseline="0" dirty="0" err="1" smtClean="0"/>
-              <a:t>name_attribute</a:t>
-            </a:r>
-            <a:r>
-              <a:rPr lang="en-US" baseline="0" dirty="0" smtClean="0"/>
-              <a:t>' option set to true. This property will be automatically populated from the name of the resource. Using the name of the resource will allow us to remove the need to specify that property which is repeating a value within the use of the custom resource.</a:t>
+              <a:t> want to ensure our custom resource is clear and concise. At the moment when you define the resource within the recipe you specify a value as the name of the custom resource and then a property that matches that same name. This seems like a redundancy that we want to remove.</a:t>
             </a:r>
             <a:endParaRPr lang="en-US" dirty="0"/>
           </a:p>
@@ -1390,12 +1211,12 @@
       </p:sp>
       <p:sp>
         <p:nvSpPr>
-          <p:cNvPr id="4" name="Slide Number Placeholder 3"/>
-          <p:cNvSpPr>
-            <a:spLocks noGrp="1"/>
-          </p:cNvSpPr>
-          <p:nvPr>
-            <p:ph type="sldNum" sz="quarter" idx="10"/>
+          <p:cNvPr id="5" name="Header Placeholder 4"/>
+          <p:cNvSpPr>
+            <a:spLocks noGrp="1"/>
+          </p:cNvSpPr>
+          <p:nvPr>
+            <p:ph type="hdr" sz="quarter" idx="11"/>
           </p:nvPr>
         </p:nvSpPr>
         <p:spPr/>
@@ -1406,25 +1227,22 @@
             <a:pPr>
               <a:defRPr/>
             </a:pPr>
-            <a:fld id="{DC3734AA-3150-D947-AC52-2F5DF48BFCD5}" type="slidenum">
+            <a:r>
               <a:rPr lang="en-US" smtClean="0"/>
-              <a:pPr>
-                <a:defRPr/>
-              </a:pPr>
-              <a:t>13</a:t>
-            </a:fld>
-            <a:endParaRPr lang="en-US" dirty="0"/>
-          </a:p>
-        </p:txBody>
-      </p:sp>
-      <p:sp>
-        <p:nvSpPr>
-          <p:cNvPr id="5" name="Header Placeholder 4"/>
-          <p:cNvSpPr>
-            <a:spLocks noGrp="1"/>
-          </p:cNvSpPr>
-          <p:nvPr>
-            <p:ph type="hdr" sz="quarter" idx="11"/>
+              <a:t>Extending Cookbooks</a:t>
+            </a:r>
+            <a:endParaRPr lang="en-US"/>
+          </a:p>
+        </p:txBody>
+      </p:sp>
+      <p:sp>
+        <p:nvSpPr>
+          <p:cNvPr id="7" name="Date Placeholder 6"/>
+          <p:cNvSpPr>
+            <a:spLocks noGrp="1"/>
+          </p:cNvSpPr>
+          <p:nvPr>
+            <p:ph type="dt" idx="13"/>
           </p:nvPr>
         </p:nvSpPr>
         <p:spPr/>
@@ -1435,36 +1253,18 @@
             <a:pPr>
               <a:defRPr/>
             </a:pPr>
-            <a:endParaRPr lang="en-US"/>
-          </a:p>
-        </p:txBody>
-      </p:sp>
-      <p:sp>
-        <p:nvSpPr>
-          <p:cNvPr id="6" name="Footer Placeholder 5"/>
-          <p:cNvSpPr>
-            <a:spLocks noGrp="1"/>
-          </p:cNvSpPr>
-          <p:nvPr>
-            <p:ph type="ftr" sz="quarter" idx="12"/>
-          </p:nvPr>
-        </p:nvSpPr>
-        <p:spPr/>
-        <p:txBody>
-          <a:bodyPr/>
-          <a:lstStyle/>
-          <a:p>
-            <a:pPr>
-              <a:defRPr/>
-            </a:pPr>
-            <a:endParaRPr lang="en-US"/>
+            <a:r>
+              <a:rPr lang="en-US" smtClean="0"/>
+              <a:t>Chef Software, Inc.</a:t>
+            </a:r>
+            <a:endParaRPr lang="en-US" dirty="0"/>
           </a:p>
         </p:txBody>
       </p:sp>
     </p:spTree>
     <p:extLst>
       <p:ext uri="{BB962C8B-B14F-4D97-AF65-F5344CB8AC3E}">
-        <p14:creationId xmlns:p14="http://schemas.microsoft.com/office/powerpoint/2010/main" val="1137111863"/>
+        <p14:creationId xmlns:p14="http://schemas.microsoft.com/office/powerpoint/2010/main" val="139164036"/>
       </p:ext>
     </p:extLst>
   </p:cSld>
@@ -1520,19 +1320,19 @@
           <a:p>
             <a:r>
               <a:rPr lang="en-US" dirty="0" smtClean="0"/>
-              <a:t>Now that the </a:t>
-            </a:r>
-            <a:r>
-              <a:rPr lang="en-US" dirty="0" err="1" smtClean="0"/>
-              <a:t>site_name</a:t>
-            </a:r>
-            <a:r>
-              <a:rPr lang="en-US" dirty="0" smtClean="0"/>
-              <a:t> property is set</a:t>
+              <a:t>One</a:t>
             </a:r>
             <a:r>
               <a:rPr lang="en-US" baseline="0" dirty="0" smtClean="0"/>
-              <a:t> as the name attribute we can remove the site name property from each use of the custom resource.</a:t>
+              <a:t> property may have the '</a:t>
+            </a:r>
+            <a:r>
+              <a:rPr lang="en-US" baseline="0" dirty="0" err="1" smtClean="0"/>
+              <a:t>name_attribute</a:t>
+            </a:r>
+            <a:r>
+              <a:rPr lang="en-US" baseline="0" dirty="0" smtClean="0"/>
+              <a:t>' option set to true. This property will be automatically populated from the name of the resource. Using the name of the resource will allow us to remove the need to specify that property which is repeating a value within the use of the custom resource.</a:t>
             </a:r>
             <a:endParaRPr lang="en-US" dirty="0"/>
           </a:p>
@@ -1540,12 +1340,12 @@
       </p:sp>
       <p:sp>
         <p:nvSpPr>
-          <p:cNvPr id="4" name="Slide Number Placeholder 3"/>
-          <p:cNvSpPr>
-            <a:spLocks noGrp="1"/>
-          </p:cNvSpPr>
-          <p:nvPr>
-            <p:ph type="sldNum" sz="quarter" idx="10"/>
+          <p:cNvPr id="5" name="Header Placeholder 4"/>
+          <p:cNvSpPr>
+            <a:spLocks noGrp="1"/>
+          </p:cNvSpPr>
+          <p:nvPr>
+            <p:ph type="hdr" sz="quarter" idx="11"/>
           </p:nvPr>
         </p:nvSpPr>
         <p:spPr/>
@@ -1556,25 +1356,22 @@
             <a:pPr>
               <a:defRPr/>
             </a:pPr>
-            <a:fld id="{DC3734AA-3150-D947-AC52-2F5DF48BFCD5}" type="slidenum">
+            <a:r>
               <a:rPr lang="en-US" smtClean="0"/>
-              <a:pPr>
-                <a:defRPr/>
-              </a:pPr>
-              <a:t>14</a:t>
-            </a:fld>
-            <a:endParaRPr lang="en-US" dirty="0"/>
-          </a:p>
-        </p:txBody>
-      </p:sp>
-      <p:sp>
-        <p:nvSpPr>
-          <p:cNvPr id="5" name="Header Placeholder 4"/>
-          <p:cNvSpPr>
-            <a:spLocks noGrp="1"/>
-          </p:cNvSpPr>
-          <p:nvPr>
-            <p:ph type="hdr" sz="quarter" idx="11"/>
+              <a:t>Extending Cookbooks</a:t>
+            </a:r>
+            <a:endParaRPr lang="en-US"/>
+          </a:p>
+        </p:txBody>
+      </p:sp>
+      <p:sp>
+        <p:nvSpPr>
+          <p:cNvPr id="7" name="Date Placeholder 6"/>
+          <p:cNvSpPr>
+            <a:spLocks noGrp="1"/>
+          </p:cNvSpPr>
+          <p:nvPr>
+            <p:ph type="dt" idx="13"/>
           </p:nvPr>
         </p:nvSpPr>
         <p:spPr/>
@@ -1585,36 +1382,18 @@
             <a:pPr>
               <a:defRPr/>
             </a:pPr>
-            <a:endParaRPr lang="en-US"/>
-          </a:p>
-        </p:txBody>
-      </p:sp>
-      <p:sp>
-        <p:nvSpPr>
-          <p:cNvPr id="6" name="Footer Placeholder 5"/>
-          <p:cNvSpPr>
-            <a:spLocks noGrp="1"/>
-          </p:cNvSpPr>
-          <p:nvPr>
-            <p:ph type="ftr" sz="quarter" idx="12"/>
-          </p:nvPr>
-        </p:nvSpPr>
-        <p:spPr/>
-        <p:txBody>
-          <a:bodyPr/>
-          <a:lstStyle/>
-          <a:p>
-            <a:pPr>
-              <a:defRPr/>
-            </a:pPr>
-            <a:endParaRPr lang="en-US"/>
+            <a:r>
+              <a:rPr lang="en-US" smtClean="0"/>
+              <a:t>Chef Software, Inc.</a:t>
+            </a:r>
+            <a:endParaRPr lang="en-US" dirty="0"/>
           </a:p>
         </p:txBody>
       </p:sp>
     </p:spTree>
     <p:extLst>
       <p:ext uri="{BB962C8B-B14F-4D97-AF65-F5344CB8AC3E}">
-        <p14:creationId xmlns:p14="http://schemas.microsoft.com/office/powerpoint/2010/main" val="722214184"/>
+        <p14:creationId xmlns:p14="http://schemas.microsoft.com/office/powerpoint/2010/main" val="1137111863"/>
       </p:ext>
     </p:extLst>
   </p:cSld>
@@ -1668,23 +1447,6 @@
           <a:bodyPr/>
           <a:lstStyle/>
           <a:p>
-            <a:pPr marL="0" marR="0" indent="0" algn="l" defTabSz="1217613" rtl="0" eaLnBrk="1" fontAlgn="base" latinLnBrk="0" hangingPunct="1">
-              <a:lnSpc>
-                <a:spcPct val="90000"/>
-              </a:lnSpc>
-              <a:spcBef>
-                <a:spcPct val="30000"/>
-              </a:spcBef>
-              <a:spcAft>
-                <a:spcPts val="450"/>
-              </a:spcAft>
-              <a:buClrTx/>
-              <a:buSzTx/>
-              <a:buFontTx/>
-              <a:buNone/>
-              <a:tabLst/>
-              <a:defRPr/>
-            </a:pPr>
             <a:r>
               <a:rPr lang="en-US" dirty="0" smtClean="0"/>
               <a:t>Now that the </a:t>
@@ -1701,21 +1463,18 @@
               <a:rPr lang="en-US" baseline="0" dirty="0" smtClean="0"/>
               <a:t> as the name attribute we can remove the site name property from each use of the custom resource.</a:t>
             </a:r>
-            <a:endParaRPr lang="en-US" dirty="0" smtClean="0"/>
-          </a:p>
-          <a:p>
             <a:endParaRPr lang="en-US" dirty="0"/>
           </a:p>
         </p:txBody>
       </p:sp>
       <p:sp>
         <p:nvSpPr>
-          <p:cNvPr id="4" name="Slide Number Placeholder 3"/>
-          <p:cNvSpPr>
-            <a:spLocks noGrp="1"/>
-          </p:cNvSpPr>
-          <p:nvPr>
-            <p:ph type="sldNum" sz="quarter" idx="10"/>
+          <p:cNvPr id="5" name="Header Placeholder 4"/>
+          <p:cNvSpPr>
+            <a:spLocks noGrp="1"/>
+          </p:cNvSpPr>
+          <p:nvPr>
+            <p:ph type="hdr" sz="quarter" idx="11"/>
           </p:nvPr>
         </p:nvSpPr>
         <p:spPr/>
@@ -1726,25 +1485,22 @@
             <a:pPr>
               <a:defRPr/>
             </a:pPr>
-            <a:fld id="{DC3734AA-3150-D947-AC52-2F5DF48BFCD5}" type="slidenum">
+            <a:r>
               <a:rPr lang="en-US" smtClean="0"/>
-              <a:pPr>
-                <a:defRPr/>
-              </a:pPr>
-              <a:t>15</a:t>
-            </a:fld>
-            <a:endParaRPr lang="en-US" dirty="0"/>
-          </a:p>
-        </p:txBody>
-      </p:sp>
-      <p:sp>
-        <p:nvSpPr>
-          <p:cNvPr id="5" name="Header Placeholder 4"/>
-          <p:cNvSpPr>
-            <a:spLocks noGrp="1"/>
-          </p:cNvSpPr>
-          <p:nvPr>
-            <p:ph type="hdr" sz="quarter" idx="11"/>
+              <a:t>Extending Cookbooks</a:t>
+            </a:r>
+            <a:endParaRPr lang="en-US"/>
+          </a:p>
+        </p:txBody>
+      </p:sp>
+      <p:sp>
+        <p:nvSpPr>
+          <p:cNvPr id="7" name="Date Placeholder 6"/>
+          <p:cNvSpPr>
+            <a:spLocks noGrp="1"/>
+          </p:cNvSpPr>
+          <p:nvPr>
+            <p:ph type="dt" idx="13"/>
           </p:nvPr>
         </p:nvSpPr>
         <p:spPr/>
@@ -1755,36 +1511,18 @@
             <a:pPr>
               <a:defRPr/>
             </a:pPr>
-            <a:endParaRPr lang="en-US"/>
-          </a:p>
-        </p:txBody>
-      </p:sp>
-      <p:sp>
-        <p:nvSpPr>
-          <p:cNvPr id="6" name="Footer Placeholder 5"/>
-          <p:cNvSpPr>
-            <a:spLocks noGrp="1"/>
-          </p:cNvSpPr>
-          <p:nvPr>
-            <p:ph type="ftr" sz="quarter" idx="12"/>
-          </p:nvPr>
-        </p:nvSpPr>
-        <p:spPr/>
-        <p:txBody>
-          <a:bodyPr/>
-          <a:lstStyle/>
-          <a:p>
-            <a:pPr>
-              <a:defRPr/>
-            </a:pPr>
-            <a:endParaRPr lang="en-US"/>
+            <a:r>
+              <a:rPr lang="en-US" smtClean="0"/>
+              <a:t>Chef Software, Inc.</a:t>
+            </a:r>
+            <a:endParaRPr lang="en-US" dirty="0"/>
           </a:p>
         </p:txBody>
       </p:sp>
     </p:spTree>
     <p:extLst>
       <p:ext uri="{BB962C8B-B14F-4D97-AF65-F5344CB8AC3E}">
-        <p14:creationId xmlns:p14="http://schemas.microsoft.com/office/powerpoint/2010/main" val="1412025930"/>
+        <p14:creationId xmlns:p14="http://schemas.microsoft.com/office/powerpoint/2010/main" val="722214184"/>
       </p:ext>
     </p:extLst>
   </p:cSld>
@@ -1857,8 +1595,21 @@
             </a:pPr>
             <a:r>
               <a:rPr lang="en-US" dirty="0" smtClean="0"/>
-              <a:t>All the unit tests should pass.</a:t>
-            </a:r>
+              <a:t>Now that the </a:t>
+            </a:r>
+            <a:r>
+              <a:rPr lang="en-US" dirty="0" err="1" smtClean="0"/>
+              <a:t>site_name</a:t>
+            </a:r>
+            <a:r>
+              <a:rPr lang="en-US" dirty="0" smtClean="0"/>
+              <a:t> property is set</a:t>
+            </a:r>
+            <a:r>
+              <a:rPr lang="en-US" baseline="0" dirty="0" smtClean="0"/>
+              <a:t> as the name attribute we can remove the site name property from each use of the custom resource.</a:t>
+            </a:r>
+            <a:endParaRPr lang="en-US" dirty="0" smtClean="0"/>
           </a:p>
           <a:p>
             <a:endParaRPr lang="en-US" dirty="0"/>
@@ -1867,12 +1618,12 @@
       </p:sp>
       <p:sp>
         <p:nvSpPr>
-          <p:cNvPr id="4" name="Slide Number Placeholder 3"/>
-          <p:cNvSpPr>
-            <a:spLocks noGrp="1"/>
-          </p:cNvSpPr>
-          <p:nvPr>
-            <p:ph type="sldNum" sz="quarter" idx="10"/>
+          <p:cNvPr id="5" name="Header Placeholder 4"/>
+          <p:cNvSpPr>
+            <a:spLocks noGrp="1"/>
+          </p:cNvSpPr>
+          <p:nvPr>
+            <p:ph type="hdr" sz="quarter" idx="11"/>
           </p:nvPr>
         </p:nvSpPr>
         <p:spPr/>
@@ -1883,25 +1634,22 @@
             <a:pPr>
               <a:defRPr/>
             </a:pPr>
-            <a:fld id="{DC3734AA-3150-D947-AC52-2F5DF48BFCD5}" type="slidenum">
+            <a:r>
               <a:rPr lang="en-US" smtClean="0"/>
-              <a:pPr>
-                <a:defRPr/>
-              </a:pPr>
-              <a:t>16</a:t>
-            </a:fld>
-            <a:endParaRPr lang="en-US" dirty="0"/>
-          </a:p>
-        </p:txBody>
-      </p:sp>
-      <p:sp>
-        <p:nvSpPr>
-          <p:cNvPr id="5" name="Header Placeholder 4"/>
-          <p:cNvSpPr>
-            <a:spLocks noGrp="1"/>
-          </p:cNvSpPr>
-          <p:nvPr>
-            <p:ph type="hdr" sz="quarter" idx="11"/>
+              <a:t>Extending Cookbooks</a:t>
+            </a:r>
+            <a:endParaRPr lang="en-US"/>
+          </a:p>
+        </p:txBody>
+      </p:sp>
+      <p:sp>
+        <p:nvSpPr>
+          <p:cNvPr id="7" name="Date Placeholder 6"/>
+          <p:cNvSpPr>
+            <a:spLocks noGrp="1"/>
+          </p:cNvSpPr>
+          <p:nvPr>
+            <p:ph type="dt" idx="13"/>
           </p:nvPr>
         </p:nvSpPr>
         <p:spPr/>
@@ -1912,36 +1660,18 @@
             <a:pPr>
               <a:defRPr/>
             </a:pPr>
-            <a:endParaRPr lang="en-US"/>
-          </a:p>
-        </p:txBody>
-      </p:sp>
-      <p:sp>
-        <p:nvSpPr>
-          <p:cNvPr id="6" name="Footer Placeholder 5"/>
-          <p:cNvSpPr>
-            <a:spLocks noGrp="1"/>
-          </p:cNvSpPr>
-          <p:nvPr>
-            <p:ph type="ftr" sz="quarter" idx="12"/>
-          </p:nvPr>
-        </p:nvSpPr>
-        <p:spPr/>
-        <p:txBody>
-          <a:bodyPr/>
-          <a:lstStyle/>
-          <a:p>
-            <a:pPr>
-              <a:defRPr/>
-            </a:pPr>
-            <a:endParaRPr lang="en-US"/>
+            <a:r>
+              <a:rPr lang="en-US" smtClean="0"/>
+              <a:t>Chef Software, Inc.</a:t>
+            </a:r>
+            <a:endParaRPr lang="en-US" dirty="0"/>
           </a:p>
         </p:txBody>
       </p:sp>
     </p:spTree>
     <p:extLst>
       <p:ext uri="{BB962C8B-B14F-4D97-AF65-F5344CB8AC3E}">
-        <p14:creationId xmlns:p14="http://schemas.microsoft.com/office/powerpoint/2010/main" val="78022513"/>
+        <p14:creationId xmlns:p14="http://schemas.microsoft.com/office/powerpoint/2010/main" val="1412025930"/>
       </p:ext>
     </p:extLst>
   </p:cSld>
@@ -1995,22 +1725,41 @@
           <a:bodyPr/>
           <a:lstStyle/>
           <a:p>
-            <a:r>
-              <a:rPr lang="en-US" dirty="0" smtClean="0"/>
-              <a:t>All the integration test should pass.</a:t>
-            </a:r>
+            <a:pPr marL="0" marR="0" indent="0" algn="l" defTabSz="1217613" rtl="0" eaLnBrk="1" fontAlgn="base" latinLnBrk="0" hangingPunct="1">
+              <a:lnSpc>
+                <a:spcPct val="90000"/>
+              </a:lnSpc>
+              <a:spcBef>
+                <a:spcPct val="30000"/>
+              </a:spcBef>
+              <a:spcAft>
+                <a:spcPts val="450"/>
+              </a:spcAft>
+              <a:buClrTx/>
+              <a:buSzTx/>
+              <a:buFontTx/>
+              <a:buNone/>
+              <a:tabLst/>
+              <a:defRPr/>
+            </a:pPr>
+            <a:r>
+              <a:rPr lang="en-US" dirty="0" smtClean="0"/>
+              <a:t>All the unit tests should pass.</a:t>
+            </a:r>
+          </a:p>
+          <a:p>
             <a:endParaRPr lang="en-US" dirty="0"/>
           </a:p>
         </p:txBody>
       </p:sp>
       <p:sp>
         <p:nvSpPr>
-          <p:cNvPr id="4" name="Slide Number Placeholder 3"/>
-          <p:cNvSpPr>
-            <a:spLocks noGrp="1"/>
-          </p:cNvSpPr>
-          <p:nvPr>
-            <p:ph type="sldNum" sz="quarter" idx="10"/>
+          <p:cNvPr id="5" name="Header Placeholder 4"/>
+          <p:cNvSpPr>
+            <a:spLocks noGrp="1"/>
+          </p:cNvSpPr>
+          <p:nvPr>
+            <p:ph type="hdr" sz="quarter" idx="11"/>
           </p:nvPr>
         </p:nvSpPr>
         <p:spPr/>
@@ -2021,25 +1770,22 @@
             <a:pPr>
               <a:defRPr/>
             </a:pPr>
-            <a:fld id="{DC3734AA-3150-D947-AC52-2F5DF48BFCD5}" type="slidenum">
+            <a:r>
               <a:rPr lang="en-US" smtClean="0"/>
-              <a:pPr>
-                <a:defRPr/>
-              </a:pPr>
-              <a:t>17</a:t>
-            </a:fld>
-            <a:endParaRPr lang="en-US" dirty="0"/>
-          </a:p>
-        </p:txBody>
-      </p:sp>
-      <p:sp>
-        <p:nvSpPr>
-          <p:cNvPr id="5" name="Header Placeholder 4"/>
-          <p:cNvSpPr>
-            <a:spLocks noGrp="1"/>
-          </p:cNvSpPr>
-          <p:nvPr>
-            <p:ph type="hdr" sz="quarter" idx="11"/>
+              <a:t>Extending Cookbooks</a:t>
+            </a:r>
+            <a:endParaRPr lang="en-US"/>
+          </a:p>
+        </p:txBody>
+      </p:sp>
+      <p:sp>
+        <p:nvSpPr>
+          <p:cNvPr id="7" name="Date Placeholder 6"/>
+          <p:cNvSpPr>
+            <a:spLocks noGrp="1"/>
+          </p:cNvSpPr>
+          <p:nvPr>
+            <p:ph type="dt" idx="13"/>
           </p:nvPr>
         </p:nvSpPr>
         <p:spPr/>
@@ -2050,36 +1796,18 @@
             <a:pPr>
               <a:defRPr/>
             </a:pPr>
-            <a:endParaRPr lang="en-US"/>
-          </a:p>
-        </p:txBody>
-      </p:sp>
-      <p:sp>
-        <p:nvSpPr>
-          <p:cNvPr id="6" name="Footer Placeholder 5"/>
-          <p:cNvSpPr>
-            <a:spLocks noGrp="1"/>
-          </p:cNvSpPr>
-          <p:nvPr>
-            <p:ph type="ftr" sz="quarter" idx="12"/>
-          </p:nvPr>
-        </p:nvSpPr>
-        <p:spPr/>
-        <p:txBody>
-          <a:bodyPr/>
-          <a:lstStyle/>
-          <a:p>
-            <a:pPr>
-              <a:defRPr/>
-            </a:pPr>
-            <a:endParaRPr lang="en-US"/>
+            <a:r>
+              <a:rPr lang="en-US" smtClean="0"/>
+              <a:t>Chef Software, Inc.</a:t>
+            </a:r>
+            <a:endParaRPr lang="en-US" dirty="0"/>
           </a:p>
         </p:txBody>
       </p:sp>
     </p:spTree>
     <p:extLst>
       <p:ext uri="{BB962C8B-B14F-4D97-AF65-F5344CB8AC3E}">
-        <p14:creationId xmlns:p14="http://schemas.microsoft.com/office/powerpoint/2010/main" val="1359351321"/>
+        <p14:creationId xmlns:p14="http://schemas.microsoft.com/office/powerpoint/2010/main" val="78022513"/>
       </p:ext>
     </p:extLst>
   </p:cSld>
@@ -2135,19 +1863,7 @@
           <a:p>
             <a:r>
               <a:rPr lang="en-US" dirty="0" smtClean="0"/>
-              <a:t>Resource</a:t>
-            </a:r>
-            <a:r>
-              <a:rPr lang="en-US" baseline="0" dirty="0" smtClean="0"/>
-              <a:t> properties can also have default values setup for them. Lets explore setting a default value for the </a:t>
-            </a:r>
-            <a:r>
-              <a:rPr lang="en-US" baseline="0" dirty="0" err="1" smtClean="0"/>
-              <a:t>site_port</a:t>
-            </a:r>
-            <a:r>
-              <a:rPr lang="en-US" baseline="0" dirty="0" smtClean="0"/>
-              <a:t> property.</a:t>
+              <a:t>All the integration test should pass.</a:t>
             </a:r>
             <a:endParaRPr lang="en-US" dirty="0"/>
           </a:p>
@@ -2155,12 +1871,12 @@
       </p:sp>
       <p:sp>
         <p:nvSpPr>
-          <p:cNvPr id="4" name="Slide Number Placeholder 3"/>
-          <p:cNvSpPr>
-            <a:spLocks noGrp="1"/>
-          </p:cNvSpPr>
-          <p:nvPr>
-            <p:ph type="sldNum" sz="quarter" idx="10"/>
+          <p:cNvPr id="5" name="Header Placeholder 4"/>
+          <p:cNvSpPr>
+            <a:spLocks noGrp="1"/>
+          </p:cNvSpPr>
+          <p:nvPr>
+            <p:ph type="hdr" sz="quarter" idx="11"/>
           </p:nvPr>
         </p:nvSpPr>
         <p:spPr/>
@@ -2171,25 +1887,22 @@
             <a:pPr>
               <a:defRPr/>
             </a:pPr>
-            <a:fld id="{DC3734AA-3150-D947-AC52-2F5DF48BFCD5}" type="slidenum">
+            <a:r>
               <a:rPr lang="en-US" smtClean="0"/>
-              <a:pPr>
-                <a:defRPr/>
-              </a:pPr>
-              <a:t>18</a:t>
-            </a:fld>
-            <a:endParaRPr lang="en-US" dirty="0"/>
-          </a:p>
-        </p:txBody>
-      </p:sp>
-      <p:sp>
-        <p:nvSpPr>
-          <p:cNvPr id="5" name="Header Placeholder 4"/>
-          <p:cNvSpPr>
-            <a:spLocks noGrp="1"/>
-          </p:cNvSpPr>
-          <p:nvPr>
-            <p:ph type="hdr" sz="quarter" idx="11"/>
+              <a:t>Extending Cookbooks</a:t>
+            </a:r>
+            <a:endParaRPr lang="en-US"/>
+          </a:p>
+        </p:txBody>
+      </p:sp>
+      <p:sp>
+        <p:nvSpPr>
+          <p:cNvPr id="7" name="Date Placeholder 6"/>
+          <p:cNvSpPr>
+            <a:spLocks noGrp="1"/>
+          </p:cNvSpPr>
+          <p:nvPr>
+            <p:ph type="dt" idx="13"/>
           </p:nvPr>
         </p:nvSpPr>
         <p:spPr/>
@@ -2200,36 +1913,18 @@
             <a:pPr>
               <a:defRPr/>
             </a:pPr>
-            <a:endParaRPr lang="en-US"/>
-          </a:p>
-        </p:txBody>
-      </p:sp>
-      <p:sp>
-        <p:nvSpPr>
-          <p:cNvPr id="6" name="Footer Placeholder 5"/>
-          <p:cNvSpPr>
-            <a:spLocks noGrp="1"/>
-          </p:cNvSpPr>
-          <p:nvPr>
-            <p:ph type="ftr" sz="quarter" idx="12"/>
-          </p:nvPr>
-        </p:nvSpPr>
-        <p:spPr/>
-        <p:txBody>
-          <a:bodyPr/>
-          <a:lstStyle/>
-          <a:p>
-            <a:pPr>
-              <a:defRPr/>
-            </a:pPr>
-            <a:endParaRPr lang="en-US"/>
+            <a:r>
+              <a:rPr lang="en-US" smtClean="0"/>
+              <a:t>Chef Software, Inc.</a:t>
+            </a:r>
+            <a:endParaRPr lang="en-US" dirty="0"/>
           </a:p>
         </p:txBody>
       </p:sp>
     </p:spTree>
     <p:extLst>
       <p:ext uri="{BB962C8B-B14F-4D97-AF65-F5344CB8AC3E}">
-        <p14:creationId xmlns:p14="http://schemas.microsoft.com/office/powerpoint/2010/main" val="1686615261"/>
+        <p14:creationId xmlns:p14="http://schemas.microsoft.com/office/powerpoint/2010/main" val="1359351321"/>
       </p:ext>
     </p:extLst>
   </p:cSld>
@@ -2283,26 +1978,13 @@
           <a:bodyPr/>
           <a:lstStyle/>
           <a:p>
-            <a:pPr marL="0" marR="0" indent="0" algn="l" defTabSz="1217613" rtl="0" eaLnBrk="1" fontAlgn="base" latinLnBrk="0" hangingPunct="1">
-              <a:lnSpc>
-                <a:spcPct val="90000"/>
-              </a:lnSpc>
-              <a:spcBef>
-                <a:spcPct val="30000"/>
-              </a:spcBef>
-              <a:spcAft>
-                <a:spcPts val="450"/>
-              </a:spcAft>
-              <a:buClrTx/>
-              <a:buSzTx/>
-              <a:buFontTx/>
-              <a:buNone/>
-              <a:tabLst/>
-              <a:defRPr/>
-            </a:pPr>
+            <a:r>
+              <a:rPr lang="en-US" dirty="0" smtClean="0"/>
+              <a:t>Resource</a:t>
+            </a:r>
             <a:r>
               <a:rPr lang="en-US" baseline="0" dirty="0" smtClean="0"/>
-              <a:t>Setting a default value for a property allows you to define the resource and if you omit setting the property then the default value is used. We can use this behavior for our </a:t>
+              <a:t> properties can also have default values setup for them. Lets explore setting a default value for the </a:t>
             </a:r>
             <a:r>
               <a:rPr lang="en-US" baseline="0" dirty="0" err="1" smtClean="0"/>
@@ -2310,23 +1992,20 @@
             </a:r>
             <a:r>
               <a:rPr lang="en-US" baseline="0" dirty="0" smtClean="0"/>
-              <a:t>, choosing to say that if you do not specify a port we want the port to be 80.</a:t>
-            </a:r>
-            <a:endParaRPr lang="en-US" dirty="0" smtClean="0"/>
-          </a:p>
-          <a:p>
+              <a:t> property.</a:t>
+            </a:r>
             <a:endParaRPr lang="en-US" dirty="0"/>
           </a:p>
         </p:txBody>
       </p:sp>
       <p:sp>
         <p:nvSpPr>
-          <p:cNvPr id="4" name="Slide Number Placeholder 3"/>
-          <p:cNvSpPr>
-            <a:spLocks noGrp="1"/>
-          </p:cNvSpPr>
-          <p:nvPr>
-            <p:ph type="sldNum" sz="quarter" idx="10"/>
+          <p:cNvPr id="5" name="Header Placeholder 4"/>
+          <p:cNvSpPr>
+            <a:spLocks noGrp="1"/>
+          </p:cNvSpPr>
+          <p:nvPr>
+            <p:ph type="hdr" sz="quarter" idx="11"/>
           </p:nvPr>
         </p:nvSpPr>
         <p:spPr/>
@@ -2337,25 +2016,22 @@
             <a:pPr>
               <a:defRPr/>
             </a:pPr>
-            <a:fld id="{DC3734AA-3150-D947-AC52-2F5DF48BFCD5}" type="slidenum">
+            <a:r>
               <a:rPr lang="en-US" smtClean="0"/>
-              <a:pPr>
-                <a:defRPr/>
-              </a:pPr>
-              <a:t>19</a:t>
-            </a:fld>
-            <a:endParaRPr lang="en-US" dirty="0"/>
-          </a:p>
-        </p:txBody>
-      </p:sp>
-      <p:sp>
-        <p:nvSpPr>
-          <p:cNvPr id="5" name="Header Placeholder 4"/>
-          <p:cNvSpPr>
-            <a:spLocks noGrp="1"/>
-          </p:cNvSpPr>
-          <p:nvPr>
-            <p:ph type="hdr" sz="quarter" idx="11"/>
+              <a:t>Extending Cookbooks</a:t>
+            </a:r>
+            <a:endParaRPr lang="en-US"/>
+          </a:p>
+        </p:txBody>
+      </p:sp>
+      <p:sp>
+        <p:nvSpPr>
+          <p:cNvPr id="7" name="Date Placeholder 6"/>
+          <p:cNvSpPr>
+            <a:spLocks noGrp="1"/>
+          </p:cNvSpPr>
+          <p:nvPr>
+            <p:ph type="dt" idx="13"/>
           </p:nvPr>
         </p:nvSpPr>
         <p:spPr/>
@@ -2366,36 +2042,18 @@
             <a:pPr>
               <a:defRPr/>
             </a:pPr>
-            <a:endParaRPr lang="en-US"/>
-          </a:p>
-        </p:txBody>
-      </p:sp>
-      <p:sp>
-        <p:nvSpPr>
-          <p:cNvPr id="6" name="Footer Placeholder 5"/>
-          <p:cNvSpPr>
-            <a:spLocks noGrp="1"/>
-          </p:cNvSpPr>
-          <p:nvPr>
-            <p:ph type="ftr" sz="quarter" idx="12"/>
-          </p:nvPr>
-        </p:nvSpPr>
-        <p:spPr/>
-        <p:txBody>
-          <a:bodyPr/>
-          <a:lstStyle/>
-          <a:p>
-            <a:pPr>
-              <a:defRPr/>
-            </a:pPr>
-            <a:endParaRPr lang="en-US"/>
+            <a:r>
+              <a:rPr lang="en-US" smtClean="0"/>
+              <a:t>Chef Software, Inc.</a:t>
+            </a:r>
+            <a:endParaRPr lang="en-US" dirty="0"/>
           </a:p>
         </p:txBody>
       </p:sp>
     </p:spTree>
     <p:extLst>
       <p:ext uri="{BB962C8B-B14F-4D97-AF65-F5344CB8AC3E}">
-        <p14:creationId xmlns:p14="http://schemas.microsoft.com/office/powerpoint/2010/main" val="562210979"/>
+        <p14:creationId xmlns:p14="http://schemas.microsoft.com/office/powerpoint/2010/main" val="1686615261"/>
       </p:ext>
     </p:extLst>
   </p:cSld>
@@ -2449,13 +2107,26 @@
           <a:bodyPr/>
           <a:lstStyle/>
           <a:p>
-            <a:r>
-              <a:rPr lang="en-US" dirty="0" smtClean="0"/>
-              <a:t>All properties may have a default value.</a:t>
-            </a:r>
+            <a:pPr marL="0" marR="0" indent="0" algn="l" defTabSz="1217613" rtl="0" eaLnBrk="1" fontAlgn="base" latinLnBrk="0" hangingPunct="1">
+              <a:lnSpc>
+                <a:spcPct val="90000"/>
+              </a:lnSpc>
+              <a:spcBef>
+                <a:spcPct val="30000"/>
+              </a:spcBef>
+              <a:spcAft>
+                <a:spcPts val="450"/>
+              </a:spcAft>
+              <a:buClrTx/>
+              <a:buSzTx/>
+              <a:buFontTx/>
+              <a:buNone/>
+              <a:tabLst/>
+              <a:defRPr/>
+            </a:pPr>
             <a:r>
               <a:rPr lang="en-US" baseline="0" dirty="0" smtClean="0"/>
-              <a:t> To add one requires that you simply add the option 'default' with its corresponding default value. Here we are setting the '</a:t>
+              <a:t>Setting a default value for a property allows you to define the resource and if you omit setting the property then the default value is used. We can use this behavior for our </a:t>
             </a:r>
             <a:r>
               <a:rPr lang="en-US" baseline="0" dirty="0" err="1" smtClean="0"/>
@@ -2463,20 +2134,23 @@
             </a:r>
             <a:r>
               <a:rPr lang="en-US" baseline="0" dirty="0" smtClean="0"/>
-              <a:t>' value to 80.</a:t>
-            </a:r>
+              <a:t>, choosing to say that if you do not specify a port we want the port to be 80.</a:t>
+            </a:r>
+            <a:endParaRPr lang="en-US" dirty="0" smtClean="0"/>
+          </a:p>
+          <a:p>
             <a:endParaRPr lang="en-US" dirty="0"/>
           </a:p>
         </p:txBody>
       </p:sp>
       <p:sp>
         <p:nvSpPr>
-          <p:cNvPr id="4" name="Slide Number Placeholder 3"/>
-          <p:cNvSpPr>
-            <a:spLocks noGrp="1"/>
-          </p:cNvSpPr>
-          <p:nvPr>
-            <p:ph type="sldNum" sz="quarter" idx="10"/>
+          <p:cNvPr id="5" name="Header Placeholder 4"/>
+          <p:cNvSpPr>
+            <a:spLocks noGrp="1"/>
+          </p:cNvSpPr>
+          <p:nvPr>
+            <p:ph type="hdr" sz="quarter" idx="11"/>
           </p:nvPr>
         </p:nvSpPr>
         <p:spPr/>
@@ -2487,25 +2161,22 @@
             <a:pPr>
               <a:defRPr/>
             </a:pPr>
-            <a:fld id="{DC3734AA-3150-D947-AC52-2F5DF48BFCD5}" type="slidenum">
+            <a:r>
               <a:rPr lang="en-US" smtClean="0"/>
-              <a:pPr>
-                <a:defRPr/>
-              </a:pPr>
-              <a:t>20</a:t>
-            </a:fld>
-            <a:endParaRPr lang="en-US" dirty="0"/>
-          </a:p>
-        </p:txBody>
-      </p:sp>
-      <p:sp>
-        <p:nvSpPr>
-          <p:cNvPr id="5" name="Header Placeholder 4"/>
-          <p:cNvSpPr>
-            <a:spLocks noGrp="1"/>
-          </p:cNvSpPr>
-          <p:nvPr>
-            <p:ph type="hdr" sz="quarter" idx="11"/>
+              <a:t>Extending Cookbooks</a:t>
+            </a:r>
+            <a:endParaRPr lang="en-US"/>
+          </a:p>
+        </p:txBody>
+      </p:sp>
+      <p:sp>
+        <p:nvSpPr>
+          <p:cNvPr id="7" name="Date Placeholder 6"/>
+          <p:cNvSpPr>
+            <a:spLocks noGrp="1"/>
+          </p:cNvSpPr>
+          <p:nvPr>
+            <p:ph type="dt" idx="13"/>
           </p:nvPr>
         </p:nvSpPr>
         <p:spPr/>
@@ -2516,36 +2187,18 @@
             <a:pPr>
               <a:defRPr/>
             </a:pPr>
-            <a:endParaRPr lang="en-US"/>
-          </a:p>
-        </p:txBody>
-      </p:sp>
-      <p:sp>
-        <p:nvSpPr>
-          <p:cNvPr id="6" name="Footer Placeholder 5"/>
-          <p:cNvSpPr>
-            <a:spLocks noGrp="1"/>
-          </p:cNvSpPr>
-          <p:nvPr>
-            <p:ph type="ftr" sz="quarter" idx="12"/>
-          </p:nvPr>
-        </p:nvSpPr>
-        <p:spPr/>
-        <p:txBody>
-          <a:bodyPr/>
-          <a:lstStyle/>
-          <a:p>
-            <a:pPr>
-              <a:defRPr/>
-            </a:pPr>
-            <a:endParaRPr lang="en-US"/>
+            <a:r>
+              <a:rPr lang="en-US" smtClean="0"/>
+              <a:t>Chef Software, Inc.</a:t>
+            </a:r>
+            <a:endParaRPr lang="en-US" dirty="0"/>
           </a:p>
         </p:txBody>
       </p:sp>
     </p:spTree>
     <p:extLst>
       <p:ext uri="{BB962C8B-B14F-4D97-AF65-F5344CB8AC3E}">
-        <p14:creationId xmlns:p14="http://schemas.microsoft.com/office/powerpoint/2010/main" val="436049455"/>
+        <p14:creationId xmlns:p14="http://schemas.microsoft.com/office/powerpoint/2010/main" val="562210979"/>
       </p:ext>
     </p:extLst>
   </p:cSld>
@@ -2601,11 +2254,11 @@
           <a:p>
             <a:r>
               <a:rPr lang="en-US" dirty="0" smtClean="0"/>
-              <a:t>Every</a:t>
+              <a:t>After completing</a:t>
             </a:r>
             <a:r>
               <a:rPr lang="en-US" baseline="0" dirty="0" smtClean="0"/>
-              <a:t> resource that you have used within Chef has had a default action.</a:t>
+              <a:t> this module you should be able to set a custom resource's name to a property, set a default value if the property is not provided, and define notifications correctly within the custom resource.</a:t>
             </a:r>
             <a:endParaRPr lang="en-US" dirty="0"/>
           </a:p>
@@ -2613,12 +2266,12 @@
       </p:sp>
       <p:sp>
         <p:nvSpPr>
-          <p:cNvPr id="4" name="Slide Number Placeholder 3"/>
-          <p:cNvSpPr>
-            <a:spLocks noGrp="1"/>
-          </p:cNvSpPr>
-          <p:nvPr>
-            <p:ph type="sldNum" sz="quarter" idx="10"/>
+          <p:cNvPr id="5" name="Header Placeholder 4"/>
+          <p:cNvSpPr>
+            <a:spLocks noGrp="1"/>
+          </p:cNvSpPr>
+          <p:nvPr>
+            <p:ph type="hdr" sz="quarter" idx="11"/>
           </p:nvPr>
         </p:nvSpPr>
         <p:spPr/>
@@ -2629,25 +2282,22 @@
             <a:pPr>
               <a:defRPr/>
             </a:pPr>
-            <a:fld id="{DC3734AA-3150-D947-AC52-2F5DF48BFCD5}" type="slidenum">
+            <a:r>
               <a:rPr lang="en-US" smtClean="0"/>
-              <a:pPr>
-                <a:defRPr/>
-              </a:pPr>
-              <a:t>3</a:t>
-            </a:fld>
-            <a:endParaRPr lang="en-US" dirty="0"/>
-          </a:p>
-        </p:txBody>
-      </p:sp>
-      <p:sp>
-        <p:nvSpPr>
-          <p:cNvPr id="5" name="Header Placeholder 4"/>
-          <p:cNvSpPr>
-            <a:spLocks noGrp="1"/>
-          </p:cNvSpPr>
-          <p:nvPr>
-            <p:ph type="hdr" sz="quarter" idx="11"/>
+              <a:t>Extending Cookbooks</a:t>
+            </a:r>
+            <a:endParaRPr lang="en-US"/>
+          </a:p>
+        </p:txBody>
+      </p:sp>
+      <p:sp>
+        <p:nvSpPr>
+          <p:cNvPr id="7" name="Date Placeholder 6"/>
+          <p:cNvSpPr>
+            <a:spLocks noGrp="1"/>
+          </p:cNvSpPr>
+          <p:nvPr>
+            <p:ph type="dt" idx="13"/>
           </p:nvPr>
         </p:nvSpPr>
         <p:spPr/>
@@ -2658,36 +2308,18 @@
             <a:pPr>
               <a:defRPr/>
             </a:pPr>
-            <a:endParaRPr lang="en-US"/>
-          </a:p>
-        </p:txBody>
-      </p:sp>
-      <p:sp>
-        <p:nvSpPr>
-          <p:cNvPr id="6" name="Footer Placeholder 5"/>
-          <p:cNvSpPr>
-            <a:spLocks noGrp="1"/>
-          </p:cNvSpPr>
-          <p:nvPr>
-            <p:ph type="ftr" sz="quarter" idx="12"/>
-          </p:nvPr>
-        </p:nvSpPr>
-        <p:spPr/>
-        <p:txBody>
-          <a:bodyPr/>
-          <a:lstStyle/>
-          <a:p>
-            <a:pPr>
-              <a:defRPr/>
-            </a:pPr>
-            <a:endParaRPr lang="en-US"/>
+            <a:r>
+              <a:rPr lang="en-US" smtClean="0"/>
+              <a:t>Chef Software, Inc.</a:t>
+            </a:r>
+            <a:endParaRPr lang="en-US" dirty="0"/>
           </a:p>
         </p:txBody>
       </p:sp>
     </p:spTree>
     <p:extLst>
       <p:ext uri="{BB962C8B-B14F-4D97-AF65-F5344CB8AC3E}">
-        <p14:creationId xmlns:p14="http://schemas.microsoft.com/office/powerpoint/2010/main" val="1845043316"/>
+        <p14:creationId xmlns:p14="http://schemas.microsoft.com/office/powerpoint/2010/main" val="1564631812"/>
       </p:ext>
     </p:extLst>
   </p:cSld>
@@ -2743,11 +2375,19 @@
           <a:p>
             <a:r>
               <a:rPr lang="en-US" dirty="0" smtClean="0"/>
-              <a:t>This allows us to remove the value from a</a:t>
+              <a:t>All properties may have a default value.</a:t>
             </a:r>
             <a:r>
               <a:rPr lang="en-US" baseline="0" dirty="0" smtClean="0"/>
-              <a:t> single resource.</a:t>
+              <a:t> To add one requires that you simply add the option 'default' with its corresponding default value. Here we are setting the '</a:t>
+            </a:r>
+            <a:r>
+              <a:rPr lang="en-US" baseline="0" dirty="0" err="1" smtClean="0"/>
+              <a:t>site_port</a:t>
+            </a:r>
+            <a:r>
+              <a:rPr lang="en-US" baseline="0" dirty="0" smtClean="0"/>
+              <a:t>' value to 80.</a:t>
             </a:r>
             <a:endParaRPr lang="en-US" dirty="0"/>
           </a:p>
@@ -2755,12 +2395,12 @@
       </p:sp>
       <p:sp>
         <p:nvSpPr>
-          <p:cNvPr id="4" name="Slide Number Placeholder 3"/>
-          <p:cNvSpPr>
-            <a:spLocks noGrp="1"/>
-          </p:cNvSpPr>
-          <p:nvPr>
-            <p:ph type="sldNum" sz="quarter" idx="10"/>
+          <p:cNvPr id="5" name="Header Placeholder 4"/>
+          <p:cNvSpPr>
+            <a:spLocks noGrp="1"/>
+          </p:cNvSpPr>
+          <p:nvPr>
+            <p:ph type="hdr" sz="quarter" idx="11"/>
           </p:nvPr>
         </p:nvSpPr>
         <p:spPr/>
@@ -2771,25 +2411,22 @@
             <a:pPr>
               <a:defRPr/>
             </a:pPr>
-            <a:fld id="{DC3734AA-3150-D947-AC52-2F5DF48BFCD5}" type="slidenum">
+            <a:r>
               <a:rPr lang="en-US" smtClean="0"/>
-              <a:pPr>
-                <a:defRPr/>
-              </a:pPr>
-              <a:t>21</a:t>
-            </a:fld>
-            <a:endParaRPr lang="en-US" dirty="0"/>
-          </a:p>
-        </p:txBody>
-      </p:sp>
-      <p:sp>
-        <p:nvSpPr>
-          <p:cNvPr id="5" name="Header Placeholder 4"/>
-          <p:cNvSpPr>
-            <a:spLocks noGrp="1"/>
-          </p:cNvSpPr>
-          <p:nvPr>
-            <p:ph type="hdr" sz="quarter" idx="11"/>
+              <a:t>Extending Cookbooks</a:t>
+            </a:r>
+            <a:endParaRPr lang="en-US"/>
+          </a:p>
+        </p:txBody>
+      </p:sp>
+      <p:sp>
+        <p:nvSpPr>
+          <p:cNvPr id="7" name="Date Placeholder 6"/>
+          <p:cNvSpPr>
+            <a:spLocks noGrp="1"/>
+          </p:cNvSpPr>
+          <p:nvPr>
+            <p:ph type="dt" idx="13"/>
           </p:nvPr>
         </p:nvSpPr>
         <p:spPr/>
@@ -2800,36 +2437,18 @@
             <a:pPr>
               <a:defRPr/>
             </a:pPr>
-            <a:endParaRPr lang="en-US"/>
-          </a:p>
-        </p:txBody>
-      </p:sp>
-      <p:sp>
-        <p:nvSpPr>
-          <p:cNvPr id="6" name="Footer Placeholder 5"/>
-          <p:cNvSpPr>
-            <a:spLocks noGrp="1"/>
-          </p:cNvSpPr>
-          <p:nvPr>
-            <p:ph type="ftr" sz="quarter" idx="12"/>
-          </p:nvPr>
-        </p:nvSpPr>
-        <p:spPr/>
-        <p:txBody>
-          <a:bodyPr/>
-          <a:lstStyle/>
-          <a:p>
-            <a:pPr>
-              <a:defRPr/>
-            </a:pPr>
-            <a:endParaRPr lang="en-US"/>
+            <a:r>
+              <a:rPr lang="en-US" smtClean="0"/>
+              <a:t>Chef Software, Inc.</a:t>
+            </a:r>
+            <a:endParaRPr lang="en-US" dirty="0"/>
           </a:p>
         </p:txBody>
       </p:sp>
     </p:spTree>
     <p:extLst>
       <p:ext uri="{BB962C8B-B14F-4D97-AF65-F5344CB8AC3E}">
-        <p14:creationId xmlns:p14="http://schemas.microsoft.com/office/powerpoint/2010/main" val="717396360"/>
+        <p14:creationId xmlns:p14="http://schemas.microsoft.com/office/powerpoint/2010/main" val="436049455"/>
       </p:ext>
     </p:extLst>
   </p:cSld>
@@ -2883,38 +2502,26 @@
           <a:bodyPr/>
           <a:lstStyle/>
           <a:p>
-            <a:pPr marL="0" marR="0" indent="0" algn="l" defTabSz="1217613" rtl="0" eaLnBrk="1" fontAlgn="base" latinLnBrk="0" hangingPunct="1">
-              <a:lnSpc>
-                <a:spcPct val="90000"/>
-              </a:lnSpc>
-              <a:spcBef>
-                <a:spcPct val="30000"/>
-              </a:spcBef>
-              <a:spcAft>
-                <a:spcPts val="450"/>
-              </a:spcAft>
-              <a:buClrTx/>
-              <a:buSzTx/>
-              <a:buFontTx/>
-              <a:buNone/>
-              <a:tabLst/>
-              <a:defRPr/>
-            </a:pPr>
-            <a:r>
-              <a:rPr lang="en-US" dirty="0" smtClean="0"/>
-              <a:t>All the unit tests should pass.</a:t>
-            </a:r>
-          </a:p>
-        </p:txBody>
-      </p:sp>
-      <p:sp>
-        <p:nvSpPr>
-          <p:cNvPr id="4" name="Slide Number Placeholder 3"/>
-          <p:cNvSpPr>
-            <a:spLocks noGrp="1"/>
-          </p:cNvSpPr>
-          <p:nvPr>
-            <p:ph type="sldNum" sz="quarter" idx="10"/>
+            <a:r>
+              <a:rPr lang="en-US" dirty="0" smtClean="0"/>
+              <a:t>This allows us to remove the value from a</a:t>
+            </a:r>
+            <a:r>
+              <a:rPr lang="en-US" baseline="0" dirty="0" smtClean="0"/>
+              <a:t> single resource.</a:t>
+            </a:r>
+            <a:endParaRPr lang="en-US" dirty="0"/>
+          </a:p>
+        </p:txBody>
+      </p:sp>
+      <p:sp>
+        <p:nvSpPr>
+          <p:cNvPr id="5" name="Header Placeholder 4"/>
+          <p:cNvSpPr>
+            <a:spLocks noGrp="1"/>
+          </p:cNvSpPr>
+          <p:nvPr>
+            <p:ph type="hdr" sz="quarter" idx="11"/>
           </p:nvPr>
         </p:nvSpPr>
         <p:spPr/>
@@ -2925,25 +2532,22 @@
             <a:pPr>
               <a:defRPr/>
             </a:pPr>
-            <a:fld id="{DC3734AA-3150-D947-AC52-2F5DF48BFCD5}" type="slidenum">
+            <a:r>
               <a:rPr lang="en-US" smtClean="0"/>
-              <a:pPr>
-                <a:defRPr/>
-              </a:pPr>
-              <a:t>22</a:t>
-            </a:fld>
-            <a:endParaRPr lang="en-US" dirty="0"/>
-          </a:p>
-        </p:txBody>
-      </p:sp>
-      <p:sp>
-        <p:nvSpPr>
-          <p:cNvPr id="5" name="Header Placeholder 4"/>
-          <p:cNvSpPr>
-            <a:spLocks noGrp="1"/>
-          </p:cNvSpPr>
-          <p:nvPr>
-            <p:ph type="hdr" sz="quarter" idx="11"/>
+              <a:t>Extending Cookbooks</a:t>
+            </a:r>
+            <a:endParaRPr lang="en-US"/>
+          </a:p>
+        </p:txBody>
+      </p:sp>
+      <p:sp>
+        <p:nvSpPr>
+          <p:cNvPr id="7" name="Date Placeholder 6"/>
+          <p:cNvSpPr>
+            <a:spLocks noGrp="1"/>
+          </p:cNvSpPr>
+          <p:nvPr>
+            <p:ph type="dt" idx="13"/>
           </p:nvPr>
         </p:nvSpPr>
         <p:spPr/>
@@ -2954,36 +2558,18 @@
             <a:pPr>
               <a:defRPr/>
             </a:pPr>
-            <a:endParaRPr lang="en-US"/>
-          </a:p>
-        </p:txBody>
-      </p:sp>
-      <p:sp>
-        <p:nvSpPr>
-          <p:cNvPr id="6" name="Footer Placeholder 5"/>
-          <p:cNvSpPr>
-            <a:spLocks noGrp="1"/>
-          </p:cNvSpPr>
-          <p:nvPr>
-            <p:ph type="ftr" sz="quarter" idx="12"/>
-          </p:nvPr>
-        </p:nvSpPr>
-        <p:spPr/>
-        <p:txBody>
-          <a:bodyPr/>
-          <a:lstStyle/>
-          <a:p>
-            <a:pPr>
-              <a:defRPr/>
-            </a:pPr>
-            <a:endParaRPr lang="en-US"/>
+            <a:r>
+              <a:rPr lang="en-US" smtClean="0"/>
+              <a:t>Chef Software, Inc.</a:t>
+            </a:r>
+            <a:endParaRPr lang="en-US" dirty="0"/>
           </a:p>
         </p:txBody>
       </p:sp>
     </p:spTree>
     <p:extLst>
       <p:ext uri="{BB962C8B-B14F-4D97-AF65-F5344CB8AC3E}">
-        <p14:creationId xmlns:p14="http://schemas.microsoft.com/office/powerpoint/2010/main" val="477305969"/>
+        <p14:creationId xmlns:p14="http://schemas.microsoft.com/office/powerpoint/2010/main" val="717396360"/>
       </p:ext>
     </p:extLst>
   </p:cSld>
@@ -3056,19 +2642,19 @@
             </a:pPr>
             <a:r>
               <a:rPr lang="en-US" dirty="0" smtClean="0"/>
-              <a:t>All the integration test should pass.</a:t>
-            </a:r>
-          </a:p>
-        </p:txBody>
-      </p:sp>
-      <p:sp>
-        <p:nvSpPr>
-          <p:cNvPr id="4" name="Slide Number Placeholder 3"/>
-          <p:cNvSpPr>
-            <a:spLocks noGrp="1"/>
-          </p:cNvSpPr>
-          <p:nvPr>
-            <p:ph type="sldNum" sz="quarter" idx="10"/>
+              <a:t>All the unit tests should pass.</a:t>
+            </a:r>
+          </a:p>
+        </p:txBody>
+      </p:sp>
+      <p:sp>
+        <p:nvSpPr>
+          <p:cNvPr id="5" name="Header Placeholder 4"/>
+          <p:cNvSpPr>
+            <a:spLocks noGrp="1"/>
+          </p:cNvSpPr>
+          <p:nvPr>
+            <p:ph type="hdr" sz="quarter" idx="11"/>
           </p:nvPr>
         </p:nvSpPr>
         <p:spPr/>
@@ -3079,25 +2665,22 @@
             <a:pPr>
               <a:defRPr/>
             </a:pPr>
-            <a:fld id="{DC3734AA-3150-D947-AC52-2F5DF48BFCD5}" type="slidenum">
+            <a:r>
               <a:rPr lang="en-US" smtClean="0"/>
-              <a:pPr>
-                <a:defRPr/>
-              </a:pPr>
-              <a:t>23</a:t>
-            </a:fld>
-            <a:endParaRPr lang="en-US" dirty="0"/>
-          </a:p>
-        </p:txBody>
-      </p:sp>
-      <p:sp>
-        <p:nvSpPr>
-          <p:cNvPr id="5" name="Header Placeholder 4"/>
-          <p:cNvSpPr>
-            <a:spLocks noGrp="1"/>
-          </p:cNvSpPr>
-          <p:nvPr>
-            <p:ph type="hdr" sz="quarter" idx="11"/>
+              <a:t>Extending Cookbooks</a:t>
+            </a:r>
+            <a:endParaRPr lang="en-US"/>
+          </a:p>
+        </p:txBody>
+      </p:sp>
+      <p:sp>
+        <p:nvSpPr>
+          <p:cNvPr id="7" name="Date Placeholder 6"/>
+          <p:cNvSpPr>
+            <a:spLocks noGrp="1"/>
+          </p:cNvSpPr>
+          <p:nvPr>
+            <p:ph type="dt" idx="13"/>
           </p:nvPr>
         </p:nvSpPr>
         <p:spPr/>
@@ -3108,36 +2691,18 @@
             <a:pPr>
               <a:defRPr/>
             </a:pPr>
-            <a:endParaRPr lang="en-US"/>
-          </a:p>
-        </p:txBody>
-      </p:sp>
-      <p:sp>
-        <p:nvSpPr>
-          <p:cNvPr id="6" name="Footer Placeholder 5"/>
-          <p:cNvSpPr>
-            <a:spLocks noGrp="1"/>
-          </p:cNvSpPr>
-          <p:nvPr>
-            <p:ph type="ftr" sz="quarter" idx="12"/>
-          </p:nvPr>
-        </p:nvSpPr>
-        <p:spPr/>
-        <p:txBody>
-          <a:bodyPr/>
-          <a:lstStyle/>
-          <a:p>
-            <a:pPr>
-              <a:defRPr/>
-            </a:pPr>
-            <a:endParaRPr lang="en-US"/>
+            <a:r>
+              <a:rPr lang="en-US" smtClean="0"/>
+              <a:t>Chef Software, Inc.</a:t>
+            </a:r>
+            <a:endParaRPr lang="en-US" dirty="0"/>
           </a:p>
         </p:txBody>
       </p:sp>
     </p:spTree>
     <p:extLst>
       <p:ext uri="{BB962C8B-B14F-4D97-AF65-F5344CB8AC3E}">
-        <p14:creationId xmlns:p14="http://schemas.microsoft.com/office/powerpoint/2010/main" val="1229999438"/>
+        <p14:creationId xmlns:p14="http://schemas.microsoft.com/office/powerpoint/2010/main" val="477305969"/>
       </p:ext>
     </p:extLst>
   </p:cSld>
@@ -3191,26 +2756,38 @@
           <a:bodyPr/>
           <a:lstStyle/>
           <a:p>
-            <a:r>
-              <a:rPr lang="en-US" dirty="0" smtClean="0"/>
-              <a:t>Finally we</a:t>
-            </a:r>
-            <a:r>
-              <a:rPr lang="en-US" baseline="0" dirty="0" smtClean="0"/>
-              <a:t> want to properly address how the custom resource handles notifications.</a:t>
-            </a:r>
-            <a:endParaRPr lang="en-US" dirty="0"/>
-          </a:p>
-        </p:txBody>
-      </p:sp>
-      <p:sp>
-        <p:nvSpPr>
-          <p:cNvPr id="4" name="Slide Number Placeholder 3"/>
-          <p:cNvSpPr>
-            <a:spLocks noGrp="1"/>
-          </p:cNvSpPr>
-          <p:nvPr>
-            <p:ph type="sldNum" sz="quarter" idx="10"/>
+            <a:pPr marL="0" marR="0" indent="0" algn="l" defTabSz="1217613" rtl="0" eaLnBrk="1" fontAlgn="base" latinLnBrk="0" hangingPunct="1">
+              <a:lnSpc>
+                <a:spcPct val="90000"/>
+              </a:lnSpc>
+              <a:spcBef>
+                <a:spcPct val="30000"/>
+              </a:spcBef>
+              <a:spcAft>
+                <a:spcPts val="450"/>
+              </a:spcAft>
+              <a:buClrTx/>
+              <a:buSzTx/>
+              <a:buFontTx/>
+              <a:buNone/>
+              <a:tabLst/>
+              <a:defRPr/>
+            </a:pPr>
+            <a:r>
+              <a:rPr lang="en-US" dirty="0" smtClean="0"/>
+              <a:t>All the integration test should pass.</a:t>
+            </a:r>
+          </a:p>
+        </p:txBody>
+      </p:sp>
+      <p:sp>
+        <p:nvSpPr>
+          <p:cNvPr id="5" name="Header Placeholder 4"/>
+          <p:cNvSpPr>
+            <a:spLocks noGrp="1"/>
+          </p:cNvSpPr>
+          <p:nvPr>
+            <p:ph type="hdr" sz="quarter" idx="11"/>
           </p:nvPr>
         </p:nvSpPr>
         <p:spPr/>
@@ -3221,25 +2798,22 @@
             <a:pPr>
               <a:defRPr/>
             </a:pPr>
-            <a:fld id="{DC3734AA-3150-D947-AC52-2F5DF48BFCD5}" type="slidenum">
+            <a:r>
               <a:rPr lang="en-US" smtClean="0"/>
-              <a:pPr>
-                <a:defRPr/>
-              </a:pPr>
-              <a:t>24</a:t>
-            </a:fld>
-            <a:endParaRPr lang="en-US" dirty="0"/>
-          </a:p>
-        </p:txBody>
-      </p:sp>
-      <p:sp>
-        <p:nvSpPr>
-          <p:cNvPr id="5" name="Header Placeholder 4"/>
-          <p:cNvSpPr>
-            <a:spLocks noGrp="1"/>
-          </p:cNvSpPr>
-          <p:nvPr>
-            <p:ph type="hdr" sz="quarter" idx="11"/>
+              <a:t>Extending Cookbooks</a:t>
+            </a:r>
+            <a:endParaRPr lang="en-US"/>
+          </a:p>
+        </p:txBody>
+      </p:sp>
+      <p:sp>
+        <p:nvSpPr>
+          <p:cNvPr id="7" name="Date Placeholder 6"/>
+          <p:cNvSpPr>
+            <a:spLocks noGrp="1"/>
+          </p:cNvSpPr>
+          <p:nvPr>
+            <p:ph type="dt" idx="13"/>
           </p:nvPr>
         </p:nvSpPr>
         <p:spPr/>
@@ -3250,36 +2824,18 @@
             <a:pPr>
               <a:defRPr/>
             </a:pPr>
-            <a:endParaRPr lang="en-US"/>
-          </a:p>
-        </p:txBody>
-      </p:sp>
-      <p:sp>
-        <p:nvSpPr>
-          <p:cNvPr id="6" name="Footer Placeholder 5"/>
-          <p:cNvSpPr>
-            <a:spLocks noGrp="1"/>
-          </p:cNvSpPr>
-          <p:nvPr>
-            <p:ph type="ftr" sz="quarter" idx="12"/>
-          </p:nvPr>
-        </p:nvSpPr>
-        <p:spPr/>
-        <p:txBody>
-          <a:bodyPr/>
-          <a:lstStyle/>
-          <a:p>
-            <a:pPr>
-              <a:defRPr/>
-            </a:pPr>
-            <a:endParaRPr lang="en-US"/>
+            <a:r>
+              <a:rPr lang="en-US" smtClean="0"/>
+              <a:t>Chef Software, Inc.</a:t>
+            </a:r>
+            <a:endParaRPr lang="en-US" dirty="0"/>
           </a:p>
         </p:txBody>
       </p:sp>
     </p:spTree>
     <p:extLst>
       <p:ext uri="{BB962C8B-B14F-4D97-AF65-F5344CB8AC3E}">
-        <p14:creationId xmlns:p14="http://schemas.microsoft.com/office/powerpoint/2010/main" val="922968444"/>
+        <p14:creationId xmlns:p14="http://schemas.microsoft.com/office/powerpoint/2010/main" val="1229999438"/>
       </p:ext>
     </p:extLst>
   </p:cSld>
@@ -3335,32 +2891,24 @@
           <a:p>
             <a:r>
               <a:rPr lang="en-US" dirty="0" smtClean="0"/>
-              <a:t>When</a:t>
+              <a:t>Finally we</a:t>
             </a:r>
             <a:r>
               <a:rPr lang="en-US" baseline="0" dirty="0" smtClean="0"/>
-              <a:t> defining notifications within a resource action if you reference a resource outside of the action implementation there is a chance that your code may break if that resource's name were to change or simply not be implemented at all.</a:t>
-            </a:r>
-          </a:p>
-          <a:p>
-            <a:endParaRPr lang="en-US" baseline="0" dirty="0" smtClean="0"/>
-          </a:p>
-          <a:p>
-            <a:r>
-              <a:rPr lang="en-US" baseline="0" dirty="0" smtClean="0"/>
-              <a:t>If any resource were to take action within the custom resource then the custom resource considers itself as taking action. We often say that any changed resource events are sent the parent custom resource and from that custom resource you can define your notifications.</a:t>
-            </a:r>
-          </a:p>
-        </p:txBody>
-      </p:sp>
-      <p:sp>
-        <p:nvSpPr>
-          <p:cNvPr id="4" name="Slide Number Placeholder 3"/>
-          <p:cNvSpPr>
-            <a:spLocks noGrp="1"/>
-          </p:cNvSpPr>
-          <p:nvPr>
-            <p:ph type="sldNum" sz="quarter" idx="10"/>
+              <a:t> want to properly address how the custom resource handles notifications.</a:t>
+            </a:r>
+            <a:endParaRPr lang="en-US" dirty="0"/>
+          </a:p>
+        </p:txBody>
+      </p:sp>
+      <p:sp>
+        <p:nvSpPr>
+          <p:cNvPr id="5" name="Header Placeholder 4"/>
+          <p:cNvSpPr>
+            <a:spLocks noGrp="1"/>
+          </p:cNvSpPr>
+          <p:nvPr>
+            <p:ph type="hdr" sz="quarter" idx="11"/>
           </p:nvPr>
         </p:nvSpPr>
         <p:spPr/>
@@ -3371,25 +2919,22 @@
             <a:pPr>
               <a:defRPr/>
             </a:pPr>
-            <a:fld id="{DC3734AA-3150-D947-AC52-2F5DF48BFCD5}" type="slidenum">
+            <a:r>
               <a:rPr lang="en-US" smtClean="0"/>
-              <a:pPr>
-                <a:defRPr/>
-              </a:pPr>
-              <a:t>25</a:t>
-            </a:fld>
-            <a:endParaRPr lang="en-US" dirty="0"/>
-          </a:p>
-        </p:txBody>
-      </p:sp>
-      <p:sp>
-        <p:nvSpPr>
-          <p:cNvPr id="5" name="Header Placeholder 4"/>
-          <p:cNvSpPr>
-            <a:spLocks noGrp="1"/>
-          </p:cNvSpPr>
-          <p:nvPr>
-            <p:ph type="hdr" sz="quarter" idx="11"/>
+              <a:t>Extending Cookbooks</a:t>
+            </a:r>
+            <a:endParaRPr lang="en-US"/>
+          </a:p>
+        </p:txBody>
+      </p:sp>
+      <p:sp>
+        <p:nvSpPr>
+          <p:cNvPr id="7" name="Date Placeholder 6"/>
+          <p:cNvSpPr>
+            <a:spLocks noGrp="1"/>
+          </p:cNvSpPr>
+          <p:nvPr>
+            <p:ph type="dt" idx="13"/>
           </p:nvPr>
         </p:nvSpPr>
         <p:spPr/>
@@ -3400,36 +2945,18 @@
             <a:pPr>
               <a:defRPr/>
             </a:pPr>
-            <a:endParaRPr lang="en-US"/>
-          </a:p>
-        </p:txBody>
-      </p:sp>
-      <p:sp>
-        <p:nvSpPr>
-          <p:cNvPr id="6" name="Footer Placeholder 5"/>
-          <p:cNvSpPr>
-            <a:spLocks noGrp="1"/>
-          </p:cNvSpPr>
-          <p:nvPr>
-            <p:ph type="ftr" sz="quarter" idx="12"/>
-          </p:nvPr>
-        </p:nvSpPr>
-        <p:spPr/>
-        <p:txBody>
-          <a:bodyPr/>
-          <a:lstStyle/>
-          <a:p>
-            <a:pPr>
-              <a:defRPr/>
-            </a:pPr>
-            <a:endParaRPr lang="en-US"/>
+            <a:r>
+              <a:rPr lang="en-US" smtClean="0"/>
+              <a:t>Chef Software, Inc.</a:t>
+            </a:r>
+            <a:endParaRPr lang="en-US" dirty="0"/>
           </a:p>
         </p:txBody>
       </p:sp>
     </p:spTree>
     <p:extLst>
       <p:ext uri="{BB962C8B-B14F-4D97-AF65-F5344CB8AC3E}">
-        <p14:creationId xmlns:p14="http://schemas.microsoft.com/office/powerpoint/2010/main" val="1703877870"/>
+        <p14:creationId xmlns:p14="http://schemas.microsoft.com/office/powerpoint/2010/main" val="922968444"/>
       </p:ext>
     </p:extLst>
   </p:cSld>
@@ -3485,24 +3012,32 @@
           <a:p>
             <a:r>
               <a:rPr lang="en-US" dirty="0" smtClean="0"/>
-              <a:t>First we remove the dependency on</a:t>
+              <a:t>When</a:t>
             </a:r>
             <a:r>
               <a:rPr lang="en-US" baseline="0" dirty="0" smtClean="0"/>
-              <a:t> a resource not present within the action implementation of the custom resource.</a:t>
-            </a:r>
-            <a:endParaRPr lang="en-US" dirty="0"/>
-          </a:p>
-        </p:txBody>
-      </p:sp>
-      <p:sp>
-        <p:nvSpPr>
-          <p:cNvPr id="4" name="Slide Number Placeholder 3"/>
-          <p:cNvSpPr>
-            <a:spLocks noGrp="1"/>
-          </p:cNvSpPr>
-          <p:nvPr>
-            <p:ph type="sldNum" sz="quarter" idx="10"/>
+              <a:t> defining notifications within a resource action if you reference a resource outside of the action implementation there is a chance that your code may break if that resource's name were to change or simply not be implemented at all.</a:t>
+            </a:r>
+          </a:p>
+          <a:p>
+            <a:endParaRPr lang="en-US" baseline="0" dirty="0" smtClean="0"/>
+          </a:p>
+          <a:p>
+            <a:r>
+              <a:rPr lang="en-US" baseline="0" dirty="0" smtClean="0"/>
+              <a:t>If any resource were to take action within the custom resource then the custom resource considers itself as taking action. We often say that any changed resource events are sent the parent custom resource and from that custom resource you can define your notifications.</a:t>
+            </a:r>
+          </a:p>
+        </p:txBody>
+      </p:sp>
+      <p:sp>
+        <p:nvSpPr>
+          <p:cNvPr id="5" name="Header Placeholder 4"/>
+          <p:cNvSpPr>
+            <a:spLocks noGrp="1"/>
+          </p:cNvSpPr>
+          <p:nvPr>
+            <p:ph type="hdr" sz="quarter" idx="11"/>
           </p:nvPr>
         </p:nvSpPr>
         <p:spPr/>
@@ -3513,25 +3048,22 @@
             <a:pPr>
               <a:defRPr/>
             </a:pPr>
-            <a:fld id="{DC3734AA-3150-D947-AC52-2F5DF48BFCD5}" type="slidenum">
+            <a:r>
               <a:rPr lang="en-US" smtClean="0"/>
-              <a:pPr>
-                <a:defRPr/>
-              </a:pPr>
-              <a:t>26</a:t>
-            </a:fld>
-            <a:endParaRPr lang="en-US" dirty="0"/>
-          </a:p>
-        </p:txBody>
-      </p:sp>
-      <p:sp>
-        <p:nvSpPr>
-          <p:cNvPr id="5" name="Header Placeholder 4"/>
-          <p:cNvSpPr>
-            <a:spLocks noGrp="1"/>
-          </p:cNvSpPr>
-          <p:nvPr>
-            <p:ph type="hdr" sz="quarter" idx="11"/>
+              <a:t>Extending Cookbooks</a:t>
+            </a:r>
+            <a:endParaRPr lang="en-US"/>
+          </a:p>
+        </p:txBody>
+      </p:sp>
+      <p:sp>
+        <p:nvSpPr>
+          <p:cNvPr id="7" name="Date Placeholder 6"/>
+          <p:cNvSpPr>
+            <a:spLocks noGrp="1"/>
+          </p:cNvSpPr>
+          <p:nvPr>
+            <p:ph type="dt" idx="13"/>
           </p:nvPr>
         </p:nvSpPr>
         <p:spPr/>
@@ -3542,36 +3074,18 @@
             <a:pPr>
               <a:defRPr/>
             </a:pPr>
-            <a:endParaRPr lang="en-US"/>
-          </a:p>
-        </p:txBody>
-      </p:sp>
-      <p:sp>
-        <p:nvSpPr>
-          <p:cNvPr id="6" name="Footer Placeholder 5"/>
-          <p:cNvSpPr>
-            <a:spLocks noGrp="1"/>
-          </p:cNvSpPr>
-          <p:nvPr>
-            <p:ph type="ftr" sz="quarter" idx="12"/>
-          </p:nvPr>
-        </p:nvSpPr>
-        <p:spPr/>
-        <p:txBody>
-          <a:bodyPr/>
-          <a:lstStyle/>
-          <a:p>
-            <a:pPr>
-              <a:defRPr/>
-            </a:pPr>
-            <a:endParaRPr lang="en-US"/>
+            <a:r>
+              <a:rPr lang="en-US" smtClean="0"/>
+              <a:t>Chef Software, Inc.</a:t>
+            </a:r>
+            <a:endParaRPr lang="en-US" dirty="0"/>
           </a:p>
         </p:txBody>
       </p:sp>
     </p:spTree>
     <p:extLst>
       <p:ext uri="{BB962C8B-B14F-4D97-AF65-F5344CB8AC3E}">
-        <p14:creationId xmlns:p14="http://schemas.microsoft.com/office/powerpoint/2010/main" val="95501158"/>
+        <p14:creationId xmlns:p14="http://schemas.microsoft.com/office/powerpoint/2010/main" val="1703877870"/>
       </p:ext>
     </p:extLst>
   </p:cSld>
@@ -3627,11 +3141,11 @@
           <a:p>
             <a:r>
               <a:rPr lang="en-US" dirty="0" smtClean="0"/>
-              <a:t>We then add the</a:t>
+              <a:t>First we remove the dependency on</a:t>
             </a:r>
             <a:r>
               <a:rPr lang="en-US" baseline="0" dirty="0" smtClean="0"/>
-              <a:t> notifications to the custom resource implementations within the default recipe.</a:t>
+              <a:t> a resource not present within the action implementation of the custom resource.</a:t>
             </a:r>
             <a:endParaRPr lang="en-US" dirty="0"/>
           </a:p>
@@ -3639,12 +3153,12 @@
       </p:sp>
       <p:sp>
         <p:nvSpPr>
-          <p:cNvPr id="4" name="Slide Number Placeholder 3"/>
-          <p:cNvSpPr>
-            <a:spLocks noGrp="1"/>
-          </p:cNvSpPr>
-          <p:nvPr>
-            <p:ph type="sldNum" sz="quarter" idx="10"/>
+          <p:cNvPr id="5" name="Header Placeholder 4"/>
+          <p:cNvSpPr>
+            <a:spLocks noGrp="1"/>
+          </p:cNvSpPr>
+          <p:nvPr>
+            <p:ph type="hdr" sz="quarter" idx="11"/>
           </p:nvPr>
         </p:nvSpPr>
         <p:spPr/>
@@ -3655,25 +3169,22 @@
             <a:pPr>
               <a:defRPr/>
             </a:pPr>
-            <a:fld id="{DC3734AA-3150-D947-AC52-2F5DF48BFCD5}" type="slidenum">
+            <a:r>
               <a:rPr lang="en-US" smtClean="0"/>
-              <a:pPr>
-                <a:defRPr/>
-              </a:pPr>
-              <a:t>27</a:t>
-            </a:fld>
-            <a:endParaRPr lang="en-US" dirty="0"/>
-          </a:p>
-        </p:txBody>
-      </p:sp>
-      <p:sp>
-        <p:nvSpPr>
-          <p:cNvPr id="5" name="Header Placeholder 4"/>
-          <p:cNvSpPr>
-            <a:spLocks noGrp="1"/>
-          </p:cNvSpPr>
-          <p:nvPr>
-            <p:ph type="hdr" sz="quarter" idx="11"/>
+              <a:t>Extending Cookbooks</a:t>
+            </a:r>
+            <a:endParaRPr lang="en-US"/>
+          </a:p>
+        </p:txBody>
+      </p:sp>
+      <p:sp>
+        <p:nvSpPr>
+          <p:cNvPr id="7" name="Date Placeholder 6"/>
+          <p:cNvSpPr>
+            <a:spLocks noGrp="1"/>
+          </p:cNvSpPr>
+          <p:nvPr>
+            <p:ph type="dt" idx="13"/>
           </p:nvPr>
         </p:nvSpPr>
         <p:spPr/>
@@ -3684,36 +3195,18 @@
             <a:pPr>
               <a:defRPr/>
             </a:pPr>
-            <a:endParaRPr lang="en-US"/>
-          </a:p>
-        </p:txBody>
-      </p:sp>
-      <p:sp>
-        <p:nvSpPr>
-          <p:cNvPr id="6" name="Footer Placeholder 5"/>
-          <p:cNvSpPr>
-            <a:spLocks noGrp="1"/>
-          </p:cNvSpPr>
-          <p:nvPr>
-            <p:ph type="ftr" sz="quarter" idx="12"/>
-          </p:nvPr>
-        </p:nvSpPr>
-        <p:spPr/>
-        <p:txBody>
-          <a:bodyPr/>
-          <a:lstStyle/>
-          <a:p>
-            <a:pPr>
-              <a:defRPr/>
-            </a:pPr>
-            <a:endParaRPr lang="en-US"/>
+            <a:r>
+              <a:rPr lang="en-US" smtClean="0"/>
+              <a:t>Chef Software, Inc.</a:t>
+            </a:r>
+            <a:endParaRPr lang="en-US" dirty="0"/>
           </a:p>
         </p:txBody>
       </p:sp>
     </p:spTree>
     <p:extLst>
       <p:ext uri="{BB962C8B-B14F-4D97-AF65-F5344CB8AC3E}">
-        <p14:creationId xmlns:p14="http://schemas.microsoft.com/office/powerpoint/2010/main" val="951343138"/>
+        <p14:creationId xmlns:p14="http://schemas.microsoft.com/office/powerpoint/2010/main" val="95501158"/>
       </p:ext>
     </p:extLst>
   </p:cSld>
@@ -3767,23 +3260,6 @@
           <a:bodyPr/>
           <a:lstStyle/>
           <a:p>
-            <a:pPr marL="0" marR="0" indent="0" algn="l" defTabSz="1217613" rtl="0" eaLnBrk="1" fontAlgn="base" latinLnBrk="0" hangingPunct="1">
-              <a:lnSpc>
-                <a:spcPct val="90000"/>
-              </a:lnSpc>
-              <a:spcBef>
-                <a:spcPct val="30000"/>
-              </a:spcBef>
-              <a:spcAft>
-                <a:spcPts val="450"/>
-              </a:spcAft>
-              <a:buClrTx/>
-              <a:buSzTx/>
-              <a:buFontTx/>
-              <a:buNone/>
-              <a:tabLst/>
-              <a:defRPr/>
-            </a:pPr>
             <a:r>
               <a:rPr lang="en-US" dirty="0" smtClean="0"/>
               <a:t>We then add the</a:t>
@@ -3792,21 +3268,18 @@
               <a:rPr lang="en-US" baseline="0" dirty="0" smtClean="0"/>
               <a:t> notifications to the custom resource implementations within the default recipe.</a:t>
             </a:r>
-            <a:endParaRPr lang="en-US" dirty="0" smtClean="0"/>
-          </a:p>
-          <a:p>
             <a:endParaRPr lang="en-US" dirty="0"/>
           </a:p>
         </p:txBody>
       </p:sp>
       <p:sp>
         <p:nvSpPr>
-          <p:cNvPr id="4" name="Slide Number Placeholder 3"/>
-          <p:cNvSpPr>
-            <a:spLocks noGrp="1"/>
-          </p:cNvSpPr>
-          <p:nvPr>
-            <p:ph type="sldNum" sz="quarter" idx="10"/>
+          <p:cNvPr id="5" name="Header Placeholder 4"/>
+          <p:cNvSpPr>
+            <a:spLocks noGrp="1"/>
+          </p:cNvSpPr>
+          <p:nvPr>
+            <p:ph type="hdr" sz="quarter" idx="11"/>
           </p:nvPr>
         </p:nvSpPr>
         <p:spPr/>
@@ -3817,25 +3290,22 @@
             <a:pPr>
               <a:defRPr/>
             </a:pPr>
-            <a:fld id="{DC3734AA-3150-D947-AC52-2F5DF48BFCD5}" type="slidenum">
+            <a:r>
               <a:rPr lang="en-US" smtClean="0"/>
-              <a:pPr>
-                <a:defRPr/>
-              </a:pPr>
-              <a:t>28</a:t>
-            </a:fld>
-            <a:endParaRPr lang="en-US" dirty="0"/>
-          </a:p>
-        </p:txBody>
-      </p:sp>
-      <p:sp>
-        <p:nvSpPr>
-          <p:cNvPr id="5" name="Header Placeholder 4"/>
-          <p:cNvSpPr>
-            <a:spLocks noGrp="1"/>
-          </p:cNvSpPr>
-          <p:nvPr>
-            <p:ph type="hdr" sz="quarter" idx="11"/>
+              <a:t>Extending Cookbooks</a:t>
+            </a:r>
+            <a:endParaRPr lang="en-US"/>
+          </a:p>
+        </p:txBody>
+      </p:sp>
+      <p:sp>
+        <p:nvSpPr>
+          <p:cNvPr id="7" name="Date Placeholder 6"/>
+          <p:cNvSpPr>
+            <a:spLocks noGrp="1"/>
+          </p:cNvSpPr>
+          <p:nvPr>
+            <p:ph type="dt" idx="13"/>
           </p:nvPr>
         </p:nvSpPr>
         <p:spPr/>
@@ -3846,36 +3316,18 @@
             <a:pPr>
               <a:defRPr/>
             </a:pPr>
-            <a:endParaRPr lang="en-US"/>
-          </a:p>
-        </p:txBody>
-      </p:sp>
-      <p:sp>
-        <p:nvSpPr>
-          <p:cNvPr id="6" name="Footer Placeholder 5"/>
-          <p:cNvSpPr>
-            <a:spLocks noGrp="1"/>
-          </p:cNvSpPr>
-          <p:nvPr>
-            <p:ph type="ftr" sz="quarter" idx="12"/>
-          </p:nvPr>
-        </p:nvSpPr>
-        <p:spPr/>
-        <p:txBody>
-          <a:bodyPr/>
-          <a:lstStyle/>
-          <a:p>
-            <a:pPr>
-              <a:defRPr/>
-            </a:pPr>
-            <a:endParaRPr lang="en-US"/>
+            <a:r>
+              <a:rPr lang="en-US" smtClean="0"/>
+              <a:t>Chef Software, Inc.</a:t>
+            </a:r>
+            <a:endParaRPr lang="en-US" dirty="0"/>
           </a:p>
         </p:txBody>
       </p:sp>
     </p:spTree>
     <p:extLst>
       <p:ext uri="{BB962C8B-B14F-4D97-AF65-F5344CB8AC3E}">
-        <p14:creationId xmlns:p14="http://schemas.microsoft.com/office/powerpoint/2010/main" val="1297266688"/>
+        <p14:creationId xmlns:p14="http://schemas.microsoft.com/office/powerpoint/2010/main" val="951343138"/>
       </p:ext>
     </p:extLst>
   </p:cSld>
@@ -3948,19 +3400,27 @@
             </a:pPr>
             <a:r>
               <a:rPr lang="en-US" dirty="0" smtClean="0"/>
-              <a:t>All the unit tests should pass.</a:t>
-            </a:r>
-          </a:p>
-        </p:txBody>
-      </p:sp>
-      <p:sp>
-        <p:nvSpPr>
-          <p:cNvPr id="4" name="Slide Number Placeholder 3"/>
-          <p:cNvSpPr>
-            <a:spLocks noGrp="1"/>
-          </p:cNvSpPr>
-          <p:nvPr>
-            <p:ph type="sldNum" sz="quarter" idx="10"/>
+              <a:t>We then add the</a:t>
+            </a:r>
+            <a:r>
+              <a:rPr lang="en-US" baseline="0" dirty="0" smtClean="0"/>
+              <a:t> notifications to the custom resource implementations within the default recipe.</a:t>
+            </a:r>
+            <a:endParaRPr lang="en-US" dirty="0" smtClean="0"/>
+          </a:p>
+          <a:p>
+            <a:endParaRPr lang="en-US" dirty="0"/>
+          </a:p>
+        </p:txBody>
+      </p:sp>
+      <p:sp>
+        <p:nvSpPr>
+          <p:cNvPr id="5" name="Header Placeholder 4"/>
+          <p:cNvSpPr>
+            <a:spLocks noGrp="1"/>
+          </p:cNvSpPr>
+          <p:nvPr>
+            <p:ph type="hdr" sz="quarter" idx="11"/>
           </p:nvPr>
         </p:nvSpPr>
         <p:spPr/>
@@ -3971,25 +3431,22 @@
             <a:pPr>
               <a:defRPr/>
             </a:pPr>
-            <a:fld id="{DC3734AA-3150-D947-AC52-2F5DF48BFCD5}" type="slidenum">
+            <a:r>
               <a:rPr lang="en-US" smtClean="0"/>
-              <a:pPr>
-                <a:defRPr/>
-              </a:pPr>
-              <a:t>29</a:t>
-            </a:fld>
-            <a:endParaRPr lang="en-US" dirty="0"/>
-          </a:p>
-        </p:txBody>
-      </p:sp>
-      <p:sp>
-        <p:nvSpPr>
-          <p:cNvPr id="5" name="Header Placeholder 4"/>
-          <p:cNvSpPr>
-            <a:spLocks noGrp="1"/>
-          </p:cNvSpPr>
-          <p:nvPr>
-            <p:ph type="hdr" sz="quarter" idx="11"/>
+              <a:t>Extending Cookbooks</a:t>
+            </a:r>
+            <a:endParaRPr lang="en-US"/>
+          </a:p>
+        </p:txBody>
+      </p:sp>
+      <p:sp>
+        <p:nvSpPr>
+          <p:cNvPr id="7" name="Date Placeholder 6"/>
+          <p:cNvSpPr>
+            <a:spLocks noGrp="1"/>
+          </p:cNvSpPr>
+          <p:nvPr>
+            <p:ph type="dt" idx="13"/>
           </p:nvPr>
         </p:nvSpPr>
         <p:spPr/>
@@ -4000,36 +3457,18 @@
             <a:pPr>
               <a:defRPr/>
             </a:pPr>
-            <a:endParaRPr lang="en-US"/>
-          </a:p>
-        </p:txBody>
-      </p:sp>
-      <p:sp>
-        <p:nvSpPr>
-          <p:cNvPr id="6" name="Footer Placeholder 5"/>
-          <p:cNvSpPr>
-            <a:spLocks noGrp="1"/>
-          </p:cNvSpPr>
-          <p:nvPr>
-            <p:ph type="ftr" sz="quarter" idx="12"/>
-          </p:nvPr>
-        </p:nvSpPr>
-        <p:spPr/>
-        <p:txBody>
-          <a:bodyPr/>
-          <a:lstStyle/>
-          <a:p>
-            <a:pPr>
-              <a:defRPr/>
-            </a:pPr>
-            <a:endParaRPr lang="en-US"/>
+            <a:r>
+              <a:rPr lang="en-US" smtClean="0"/>
+              <a:t>Chef Software, Inc.</a:t>
+            </a:r>
+            <a:endParaRPr lang="en-US" dirty="0"/>
           </a:p>
         </p:txBody>
       </p:sp>
     </p:spTree>
     <p:extLst>
       <p:ext uri="{BB962C8B-B14F-4D97-AF65-F5344CB8AC3E}">
-        <p14:creationId xmlns:p14="http://schemas.microsoft.com/office/powerpoint/2010/main" val="1907240872"/>
+        <p14:creationId xmlns:p14="http://schemas.microsoft.com/office/powerpoint/2010/main" val="1297266688"/>
       </p:ext>
     </p:extLst>
   </p:cSld>
@@ -4102,19 +3541,19 @@
             </a:pPr>
             <a:r>
               <a:rPr lang="en-US" dirty="0" smtClean="0"/>
-              <a:t>All the integration test should pass.</a:t>
-            </a:r>
-          </a:p>
-        </p:txBody>
-      </p:sp>
-      <p:sp>
-        <p:nvSpPr>
-          <p:cNvPr id="4" name="Slide Number Placeholder 3"/>
-          <p:cNvSpPr>
-            <a:spLocks noGrp="1"/>
-          </p:cNvSpPr>
-          <p:nvPr>
-            <p:ph type="sldNum" sz="quarter" idx="10"/>
+              <a:t>All the unit tests should pass.</a:t>
+            </a:r>
+          </a:p>
+        </p:txBody>
+      </p:sp>
+      <p:sp>
+        <p:nvSpPr>
+          <p:cNvPr id="5" name="Header Placeholder 4"/>
+          <p:cNvSpPr>
+            <a:spLocks noGrp="1"/>
+          </p:cNvSpPr>
+          <p:nvPr>
+            <p:ph type="hdr" sz="quarter" idx="11"/>
           </p:nvPr>
         </p:nvSpPr>
         <p:spPr/>
@@ -4125,25 +3564,22 @@
             <a:pPr>
               <a:defRPr/>
             </a:pPr>
-            <a:fld id="{DC3734AA-3150-D947-AC52-2F5DF48BFCD5}" type="slidenum">
+            <a:r>
               <a:rPr lang="en-US" smtClean="0"/>
-              <a:pPr>
-                <a:defRPr/>
-              </a:pPr>
-              <a:t>30</a:t>
-            </a:fld>
-            <a:endParaRPr lang="en-US" dirty="0"/>
-          </a:p>
-        </p:txBody>
-      </p:sp>
-      <p:sp>
-        <p:nvSpPr>
-          <p:cNvPr id="5" name="Header Placeholder 4"/>
-          <p:cNvSpPr>
-            <a:spLocks noGrp="1"/>
-          </p:cNvSpPr>
-          <p:nvPr>
-            <p:ph type="hdr" sz="quarter" idx="11"/>
+              <a:t>Extending Cookbooks</a:t>
+            </a:r>
+            <a:endParaRPr lang="en-US"/>
+          </a:p>
+        </p:txBody>
+      </p:sp>
+      <p:sp>
+        <p:nvSpPr>
+          <p:cNvPr id="7" name="Date Placeholder 6"/>
+          <p:cNvSpPr>
+            <a:spLocks noGrp="1"/>
+          </p:cNvSpPr>
+          <p:nvPr>
+            <p:ph type="dt" idx="13"/>
           </p:nvPr>
         </p:nvSpPr>
         <p:spPr/>
@@ -4154,36 +3590,18 @@
             <a:pPr>
               <a:defRPr/>
             </a:pPr>
-            <a:endParaRPr lang="en-US"/>
-          </a:p>
-        </p:txBody>
-      </p:sp>
-      <p:sp>
-        <p:nvSpPr>
-          <p:cNvPr id="6" name="Footer Placeholder 5"/>
-          <p:cNvSpPr>
-            <a:spLocks noGrp="1"/>
-          </p:cNvSpPr>
-          <p:nvPr>
-            <p:ph type="ftr" sz="quarter" idx="12"/>
-          </p:nvPr>
-        </p:nvSpPr>
-        <p:spPr/>
-        <p:txBody>
-          <a:bodyPr/>
-          <a:lstStyle/>
-          <a:p>
-            <a:pPr>
-              <a:defRPr/>
-            </a:pPr>
-            <a:endParaRPr lang="en-US"/>
+            <a:r>
+              <a:rPr lang="en-US" smtClean="0"/>
+              <a:t>Chef Software, Inc.</a:t>
+            </a:r>
+            <a:endParaRPr lang="en-US" dirty="0"/>
           </a:p>
         </p:txBody>
       </p:sp>
     </p:spTree>
     <p:extLst>
       <p:ext uri="{BB962C8B-B14F-4D97-AF65-F5344CB8AC3E}">
-        <p14:creationId xmlns:p14="http://schemas.microsoft.com/office/powerpoint/2010/main" val="846027182"/>
+        <p14:creationId xmlns:p14="http://schemas.microsoft.com/office/powerpoint/2010/main" val="1907240872"/>
       </p:ext>
     </p:extLst>
   </p:cSld>
@@ -4237,26 +3655,13 @@
           <a:bodyPr/>
           <a:lstStyle/>
           <a:p>
-            <a:pPr marL="0" marR="0" indent="0" algn="l" defTabSz="1217613" rtl="0" eaLnBrk="1" fontAlgn="base" latinLnBrk="0" hangingPunct="1">
-              <a:lnSpc>
-                <a:spcPct val="90000"/>
-              </a:lnSpc>
-              <a:spcBef>
-                <a:spcPct val="30000"/>
-              </a:spcBef>
-              <a:spcAft>
-                <a:spcPts val="450"/>
-              </a:spcAft>
-              <a:buClrTx/>
-              <a:buSzTx/>
-              <a:buFontTx/>
-              <a:buNone/>
-              <a:tabLst/>
-              <a:defRPr/>
-            </a:pPr>
+            <a:r>
+              <a:rPr lang="en-US" dirty="0" smtClean="0"/>
+              <a:t>Every</a:t>
+            </a:r>
             <a:r>
               <a:rPr lang="en-US" baseline="0" dirty="0" smtClean="0"/>
-              <a:t>Our custom resource should be no different. Having a default action that performs a non-surprising operation is important. Of the two actions that we have defined the create action seems like the current correct default action.</a:t>
+              <a:t> resource that you have used within Chef has had a default action.</a:t>
             </a:r>
             <a:endParaRPr lang="en-US" dirty="0"/>
           </a:p>
@@ -4264,12 +3669,12 @@
       </p:sp>
       <p:sp>
         <p:nvSpPr>
-          <p:cNvPr id="4" name="Slide Number Placeholder 3"/>
-          <p:cNvSpPr>
-            <a:spLocks noGrp="1"/>
-          </p:cNvSpPr>
-          <p:nvPr>
-            <p:ph type="sldNum" sz="quarter" idx="10"/>
+          <p:cNvPr id="5" name="Header Placeholder 4"/>
+          <p:cNvSpPr>
+            <a:spLocks noGrp="1"/>
+          </p:cNvSpPr>
+          <p:nvPr>
+            <p:ph type="hdr" sz="quarter" idx="11"/>
           </p:nvPr>
         </p:nvSpPr>
         <p:spPr/>
@@ -4280,25 +3685,22 @@
             <a:pPr>
               <a:defRPr/>
             </a:pPr>
-            <a:fld id="{DC3734AA-3150-D947-AC52-2F5DF48BFCD5}" type="slidenum">
+            <a:r>
               <a:rPr lang="en-US" smtClean="0"/>
-              <a:pPr>
-                <a:defRPr/>
-              </a:pPr>
-              <a:t>4</a:t>
-            </a:fld>
-            <a:endParaRPr lang="en-US" dirty="0"/>
-          </a:p>
-        </p:txBody>
-      </p:sp>
-      <p:sp>
-        <p:nvSpPr>
-          <p:cNvPr id="5" name="Header Placeholder 4"/>
-          <p:cNvSpPr>
-            <a:spLocks noGrp="1"/>
-          </p:cNvSpPr>
-          <p:nvPr>
-            <p:ph type="hdr" sz="quarter" idx="11"/>
+              <a:t>Extending Cookbooks</a:t>
+            </a:r>
+            <a:endParaRPr lang="en-US"/>
+          </a:p>
+        </p:txBody>
+      </p:sp>
+      <p:sp>
+        <p:nvSpPr>
+          <p:cNvPr id="7" name="Date Placeholder 6"/>
+          <p:cNvSpPr>
+            <a:spLocks noGrp="1"/>
+          </p:cNvSpPr>
+          <p:nvPr>
+            <p:ph type="dt" idx="13"/>
           </p:nvPr>
         </p:nvSpPr>
         <p:spPr/>
@@ -4309,36 +3711,18 @@
             <a:pPr>
               <a:defRPr/>
             </a:pPr>
-            <a:endParaRPr lang="en-US"/>
-          </a:p>
-        </p:txBody>
-      </p:sp>
-      <p:sp>
-        <p:nvSpPr>
-          <p:cNvPr id="6" name="Footer Placeholder 5"/>
-          <p:cNvSpPr>
-            <a:spLocks noGrp="1"/>
-          </p:cNvSpPr>
-          <p:nvPr>
-            <p:ph type="ftr" sz="quarter" idx="12"/>
-          </p:nvPr>
-        </p:nvSpPr>
-        <p:spPr/>
-        <p:txBody>
-          <a:bodyPr/>
-          <a:lstStyle/>
-          <a:p>
-            <a:pPr>
-              <a:defRPr/>
-            </a:pPr>
-            <a:endParaRPr lang="en-US"/>
+            <a:r>
+              <a:rPr lang="en-US" smtClean="0"/>
+              <a:t>Chef Software, Inc.</a:t>
+            </a:r>
+            <a:endParaRPr lang="en-US" dirty="0"/>
           </a:p>
         </p:txBody>
       </p:sp>
     </p:spTree>
     <p:extLst>
       <p:ext uri="{BB962C8B-B14F-4D97-AF65-F5344CB8AC3E}">
-        <p14:creationId xmlns:p14="http://schemas.microsoft.com/office/powerpoint/2010/main" val="355691265"/>
+        <p14:creationId xmlns:p14="http://schemas.microsoft.com/office/powerpoint/2010/main" val="1845043316"/>
       </p:ext>
     </p:extLst>
   </p:cSld>
@@ -4392,26 +3776,38 @@
           <a:bodyPr/>
           <a:lstStyle/>
           <a:p>
-            <a:r>
-              <a:rPr lang="en-US" dirty="0" smtClean="0"/>
-              <a:t>We now</a:t>
-            </a:r>
-            <a:r>
-              <a:rPr lang="en-US" baseline="0" dirty="0" smtClean="0"/>
-              <a:t> have refactored the custom resource to have it behave more like other resources we are familiar within Chef.</a:t>
-            </a:r>
-            <a:endParaRPr lang="en-US" dirty="0"/>
-          </a:p>
-        </p:txBody>
-      </p:sp>
-      <p:sp>
-        <p:nvSpPr>
-          <p:cNvPr id="4" name="Slide Number Placeholder 3"/>
-          <p:cNvSpPr>
-            <a:spLocks noGrp="1"/>
-          </p:cNvSpPr>
-          <p:nvPr>
-            <p:ph type="sldNum" sz="quarter" idx="10"/>
+            <a:pPr marL="0" marR="0" indent="0" algn="l" defTabSz="1217613" rtl="0" eaLnBrk="1" fontAlgn="base" latinLnBrk="0" hangingPunct="1">
+              <a:lnSpc>
+                <a:spcPct val="90000"/>
+              </a:lnSpc>
+              <a:spcBef>
+                <a:spcPct val="30000"/>
+              </a:spcBef>
+              <a:spcAft>
+                <a:spcPts val="450"/>
+              </a:spcAft>
+              <a:buClrTx/>
+              <a:buSzTx/>
+              <a:buFontTx/>
+              <a:buNone/>
+              <a:tabLst/>
+              <a:defRPr/>
+            </a:pPr>
+            <a:r>
+              <a:rPr lang="en-US" dirty="0" smtClean="0"/>
+              <a:t>All the integration test should pass.</a:t>
+            </a:r>
+          </a:p>
+        </p:txBody>
+      </p:sp>
+      <p:sp>
+        <p:nvSpPr>
+          <p:cNvPr id="5" name="Header Placeholder 4"/>
+          <p:cNvSpPr>
+            <a:spLocks noGrp="1"/>
+          </p:cNvSpPr>
+          <p:nvPr>
+            <p:ph type="hdr" sz="quarter" idx="11"/>
           </p:nvPr>
         </p:nvSpPr>
         <p:spPr/>
@@ -4422,25 +3818,22 @@
             <a:pPr>
               <a:defRPr/>
             </a:pPr>
-            <a:fld id="{DC3734AA-3150-D947-AC52-2F5DF48BFCD5}" type="slidenum">
+            <a:r>
               <a:rPr lang="en-US" smtClean="0"/>
-              <a:pPr>
-                <a:defRPr/>
-              </a:pPr>
-              <a:t>31</a:t>
-            </a:fld>
-            <a:endParaRPr lang="en-US" dirty="0"/>
-          </a:p>
-        </p:txBody>
-      </p:sp>
-      <p:sp>
-        <p:nvSpPr>
-          <p:cNvPr id="5" name="Header Placeholder 4"/>
-          <p:cNvSpPr>
-            <a:spLocks noGrp="1"/>
-          </p:cNvSpPr>
-          <p:nvPr>
-            <p:ph type="hdr" sz="quarter" idx="11"/>
+              <a:t>Extending Cookbooks</a:t>
+            </a:r>
+            <a:endParaRPr lang="en-US"/>
+          </a:p>
+        </p:txBody>
+      </p:sp>
+      <p:sp>
+        <p:nvSpPr>
+          <p:cNvPr id="7" name="Date Placeholder 6"/>
+          <p:cNvSpPr>
+            <a:spLocks noGrp="1"/>
+          </p:cNvSpPr>
+          <p:nvPr>
+            <p:ph type="dt" idx="13"/>
           </p:nvPr>
         </p:nvSpPr>
         <p:spPr/>
@@ -4451,36 +3844,18 @@
             <a:pPr>
               <a:defRPr/>
             </a:pPr>
-            <a:endParaRPr lang="en-US"/>
-          </a:p>
-        </p:txBody>
-      </p:sp>
-      <p:sp>
-        <p:nvSpPr>
-          <p:cNvPr id="6" name="Footer Placeholder 5"/>
-          <p:cNvSpPr>
-            <a:spLocks noGrp="1"/>
-          </p:cNvSpPr>
-          <p:nvPr>
-            <p:ph type="ftr" sz="quarter" idx="12"/>
-          </p:nvPr>
-        </p:nvSpPr>
-        <p:spPr/>
-        <p:txBody>
-          <a:bodyPr/>
-          <a:lstStyle/>
-          <a:p>
-            <a:pPr>
-              <a:defRPr/>
-            </a:pPr>
-            <a:endParaRPr lang="en-US"/>
+            <a:r>
+              <a:rPr lang="en-US" smtClean="0"/>
+              <a:t>Chef Software, Inc.</a:t>
+            </a:r>
+            <a:endParaRPr lang="en-US" dirty="0"/>
           </a:p>
         </p:txBody>
       </p:sp>
     </p:spTree>
     <p:extLst>
       <p:ext uri="{BB962C8B-B14F-4D97-AF65-F5344CB8AC3E}">
-        <p14:creationId xmlns:p14="http://schemas.microsoft.com/office/powerpoint/2010/main" val="689621087"/>
+        <p14:creationId xmlns:p14="http://schemas.microsoft.com/office/powerpoint/2010/main" val="846027182"/>
       </p:ext>
     </p:extLst>
   </p:cSld>
@@ -4535,21 +3910,25 @@
           <a:lstStyle/>
           <a:p>
             <a:r>
-              <a:rPr lang="en-US" smtClean="0"/>
-              <a:t>What questions can we answer for you?</a:t>
-            </a:r>
-            <a:endParaRPr lang="en-US"/>
-          </a:p>
-        </p:txBody>
-      </p:sp>
-      <p:sp>
-        <p:nvSpPr>
-          <p:cNvPr id="4" name="Slide Number Placeholder 3"/>
-          <p:cNvSpPr>
-            <a:spLocks noGrp="1"/>
-          </p:cNvSpPr>
-          <p:nvPr>
-            <p:ph type="sldNum" sz="quarter" idx="10"/>
+              <a:rPr lang="en-US" dirty="0" smtClean="0"/>
+              <a:t>We now</a:t>
+            </a:r>
+            <a:r>
+              <a:rPr lang="en-US" baseline="0" dirty="0" smtClean="0"/>
+              <a:t> have refactored the custom resource to have it behave more like other resources we are familiar within Chef.</a:t>
+            </a:r>
+            <a:endParaRPr lang="en-US" dirty="0"/>
+          </a:p>
+        </p:txBody>
+      </p:sp>
+      <p:sp>
+        <p:nvSpPr>
+          <p:cNvPr id="5" name="Header Placeholder 4"/>
+          <p:cNvSpPr>
+            <a:spLocks noGrp="1"/>
+          </p:cNvSpPr>
+          <p:nvPr>
+            <p:ph type="hdr" sz="quarter" idx="11"/>
           </p:nvPr>
         </p:nvSpPr>
         <p:spPr/>
@@ -4560,25 +3939,22 @@
             <a:pPr>
               <a:defRPr/>
             </a:pPr>
-            <a:fld id="{DC3734AA-3150-D947-AC52-2F5DF48BFCD5}" type="slidenum">
+            <a:r>
               <a:rPr lang="en-US" smtClean="0"/>
-              <a:pPr>
-                <a:defRPr/>
-              </a:pPr>
-              <a:t>32</a:t>
-            </a:fld>
-            <a:endParaRPr lang="en-US" dirty="0"/>
-          </a:p>
-        </p:txBody>
-      </p:sp>
-      <p:sp>
-        <p:nvSpPr>
-          <p:cNvPr id="5" name="Header Placeholder 4"/>
-          <p:cNvSpPr>
-            <a:spLocks noGrp="1"/>
-          </p:cNvSpPr>
-          <p:nvPr>
-            <p:ph type="hdr" sz="quarter" idx="11"/>
+              <a:t>Extending Cookbooks</a:t>
+            </a:r>
+            <a:endParaRPr lang="en-US"/>
+          </a:p>
+        </p:txBody>
+      </p:sp>
+      <p:sp>
+        <p:nvSpPr>
+          <p:cNvPr id="7" name="Date Placeholder 6"/>
+          <p:cNvSpPr>
+            <a:spLocks noGrp="1"/>
+          </p:cNvSpPr>
+          <p:nvPr>
+            <p:ph type="dt" idx="13"/>
           </p:nvPr>
         </p:nvSpPr>
         <p:spPr/>
@@ -4589,18 +3965,87 @@
             <a:pPr>
               <a:defRPr/>
             </a:pPr>
+            <a:r>
+              <a:rPr lang="en-US" smtClean="0"/>
+              <a:t>Chef Software, Inc.</a:t>
+            </a:r>
+            <a:endParaRPr lang="en-US" dirty="0"/>
+          </a:p>
+        </p:txBody>
+      </p:sp>
+    </p:spTree>
+    <p:extLst>
+      <p:ext uri="{BB962C8B-B14F-4D97-AF65-F5344CB8AC3E}">
+        <p14:creationId xmlns:p14="http://schemas.microsoft.com/office/powerpoint/2010/main" val="689621087"/>
+      </p:ext>
+    </p:extLst>
+  </p:cSld>
+  <p:clrMapOvr>
+    <a:masterClrMapping/>
+  </p:clrMapOvr>
+</p:notes>
+</file>
+
+<file path=ppt/notesSlides/notesSlide32.xml><?xml version="1.0" encoding="utf-8"?>
+<p:notes xmlns:a="http://schemas.openxmlformats.org/drawingml/2006/main" xmlns:r="http://schemas.openxmlformats.org/officeDocument/2006/relationships" xmlns:p="http://schemas.openxmlformats.org/presentationml/2006/main">
+  <p:cSld>
+    <p:spTree>
+      <p:nvGrpSpPr>
+        <p:cNvPr id="1" name=""/>
+        <p:cNvGrpSpPr/>
+        <p:nvPr/>
+      </p:nvGrpSpPr>
+      <p:grpSpPr>
+        <a:xfrm>
+          <a:off x="0" y="0"/>
+          <a:ext cx="0" cy="0"/>
+          <a:chOff x="0" y="0"/>
+          <a:chExt cx="0" cy="0"/>
+        </a:xfrm>
+      </p:grpSpPr>
+      <p:sp>
+        <p:nvSpPr>
+          <p:cNvPr id="2" name="Slide Image Placeholder 1"/>
+          <p:cNvSpPr>
+            <a:spLocks noGrp="1" noRot="1" noChangeAspect="1"/>
+          </p:cNvSpPr>
+          <p:nvPr>
+            <p:ph type="sldImg"/>
+          </p:nvPr>
+        </p:nvSpPr>
+        <p:spPr/>
+      </p:sp>
+      <p:sp>
+        <p:nvSpPr>
+          <p:cNvPr id="3" name="Notes Placeholder 2"/>
+          <p:cNvSpPr>
+            <a:spLocks noGrp="1"/>
+          </p:cNvSpPr>
+          <p:nvPr>
+            <p:ph type="body" idx="1"/>
+          </p:nvPr>
+        </p:nvSpPr>
+        <p:spPr/>
+        <p:txBody>
+          <a:bodyPr/>
+          <a:lstStyle/>
+          <a:p>
+            <a:r>
+              <a:rPr lang="en-US" smtClean="0"/>
+              <a:t>What questions can we answer for you?</a:t>
+            </a:r>
             <a:endParaRPr lang="en-US"/>
           </a:p>
         </p:txBody>
       </p:sp>
       <p:sp>
         <p:nvSpPr>
-          <p:cNvPr id="6" name="Footer Placeholder 5"/>
-          <p:cNvSpPr>
-            <a:spLocks noGrp="1"/>
-          </p:cNvSpPr>
-          <p:nvPr>
-            <p:ph type="ftr" sz="quarter" idx="12"/>
+          <p:cNvPr id="5" name="Header Placeholder 4"/>
+          <p:cNvSpPr>
+            <a:spLocks noGrp="1"/>
+          </p:cNvSpPr>
+          <p:nvPr>
+            <p:ph type="hdr" sz="quarter" idx="11"/>
           </p:nvPr>
         </p:nvSpPr>
         <p:spPr/>
@@ -4611,7 +4056,37 @@
             <a:pPr>
               <a:defRPr/>
             </a:pPr>
+            <a:r>
+              <a:rPr lang="en-US" smtClean="0"/>
+              <a:t>Extending Cookbooks</a:t>
+            </a:r>
             <a:endParaRPr lang="en-US"/>
+          </a:p>
+        </p:txBody>
+      </p:sp>
+      <p:sp>
+        <p:nvSpPr>
+          <p:cNvPr id="7" name="Date Placeholder 6"/>
+          <p:cNvSpPr>
+            <a:spLocks noGrp="1"/>
+          </p:cNvSpPr>
+          <p:nvPr>
+            <p:ph type="dt" idx="13"/>
+          </p:nvPr>
+        </p:nvSpPr>
+        <p:spPr/>
+        <p:txBody>
+          <a:bodyPr/>
+          <a:lstStyle/>
+          <a:p>
+            <a:pPr>
+              <a:defRPr/>
+            </a:pPr>
+            <a:r>
+              <a:rPr lang="en-US" smtClean="0"/>
+              <a:t>Chef Software, Inc.</a:t>
+            </a:r>
+            <a:endParaRPr lang="en-US" dirty="0"/>
           </a:p>
         </p:txBody>
       </p:sp>
@@ -4672,22 +4147,26 @@
           <a:bodyPr/>
           <a:lstStyle/>
           <a:p>
-            <a:r>
-              <a:rPr lang="en-US" dirty="0" smtClean="0"/>
-              <a:t>If you defined the create</a:t>
-            </a:r>
+            <a:pPr marL="0" marR="0" indent="0" algn="l" defTabSz="1217613" rtl="0" eaLnBrk="1" fontAlgn="base" latinLnBrk="0" hangingPunct="1">
+              <a:lnSpc>
+                <a:spcPct val="90000"/>
+              </a:lnSpc>
+              <a:spcBef>
+                <a:spcPct val="30000"/>
+              </a:spcBef>
+              <a:spcAft>
+                <a:spcPts val="450"/>
+              </a:spcAft>
+              <a:buClrTx/>
+              <a:buSzTx/>
+              <a:buFontTx/>
+              <a:buNone/>
+              <a:tabLst/>
+              <a:defRPr/>
+            </a:pPr>
             <a:r>
               <a:rPr lang="en-US" baseline="0" dirty="0" smtClean="0"/>
-              <a:t> action as the first action within a resource definition file it automatically is the default action. The first action is the default action and that probably makes sense to those reading the custom resource definition.</a:t>
-            </a:r>
-          </a:p>
-          <a:p>
-            <a:endParaRPr lang="en-US" baseline="0" dirty="0" smtClean="0"/>
-          </a:p>
-          <a:p>
-            <a:r>
-              <a:rPr lang="en-US" baseline="0" dirty="0" smtClean="0"/>
-              <a:t>You may also explicitly declare the default action.</a:t>
+              <a:t>Our custom resource should be no different. Having a default action that performs a non-surprising operation is important. Of the two actions that we have defined the create action seems like the current correct default action.</a:t>
             </a:r>
             <a:endParaRPr lang="en-US" dirty="0"/>
           </a:p>
@@ -4695,12 +4174,12 @@
       </p:sp>
       <p:sp>
         <p:nvSpPr>
-          <p:cNvPr id="4" name="Slide Number Placeholder 3"/>
-          <p:cNvSpPr>
-            <a:spLocks noGrp="1"/>
-          </p:cNvSpPr>
-          <p:nvPr>
-            <p:ph type="sldNum" sz="quarter" idx="10"/>
+          <p:cNvPr id="5" name="Header Placeholder 4"/>
+          <p:cNvSpPr>
+            <a:spLocks noGrp="1"/>
+          </p:cNvSpPr>
+          <p:nvPr>
+            <p:ph type="hdr" sz="quarter" idx="11"/>
           </p:nvPr>
         </p:nvSpPr>
         <p:spPr/>
@@ -4711,25 +4190,22 @@
             <a:pPr>
               <a:defRPr/>
             </a:pPr>
-            <a:fld id="{DC3734AA-3150-D947-AC52-2F5DF48BFCD5}" type="slidenum">
+            <a:r>
               <a:rPr lang="en-US" smtClean="0"/>
-              <a:pPr>
-                <a:defRPr/>
-              </a:pPr>
-              <a:t>5</a:t>
-            </a:fld>
-            <a:endParaRPr lang="en-US" dirty="0"/>
-          </a:p>
-        </p:txBody>
-      </p:sp>
-      <p:sp>
-        <p:nvSpPr>
-          <p:cNvPr id="5" name="Header Placeholder 4"/>
-          <p:cNvSpPr>
-            <a:spLocks noGrp="1"/>
-          </p:cNvSpPr>
-          <p:nvPr>
-            <p:ph type="hdr" sz="quarter" idx="11"/>
+              <a:t>Extending Cookbooks</a:t>
+            </a:r>
+            <a:endParaRPr lang="en-US"/>
+          </a:p>
+        </p:txBody>
+      </p:sp>
+      <p:sp>
+        <p:nvSpPr>
+          <p:cNvPr id="7" name="Date Placeholder 6"/>
+          <p:cNvSpPr>
+            <a:spLocks noGrp="1"/>
+          </p:cNvSpPr>
+          <p:nvPr>
+            <p:ph type="dt" idx="13"/>
           </p:nvPr>
         </p:nvSpPr>
         <p:spPr/>
@@ -4740,36 +4216,18 @@
             <a:pPr>
               <a:defRPr/>
             </a:pPr>
-            <a:endParaRPr lang="en-US"/>
-          </a:p>
-        </p:txBody>
-      </p:sp>
-      <p:sp>
-        <p:nvSpPr>
-          <p:cNvPr id="6" name="Footer Placeholder 5"/>
-          <p:cNvSpPr>
-            <a:spLocks noGrp="1"/>
-          </p:cNvSpPr>
-          <p:nvPr>
-            <p:ph type="ftr" sz="quarter" idx="12"/>
-          </p:nvPr>
-        </p:nvSpPr>
-        <p:spPr/>
-        <p:txBody>
-          <a:bodyPr/>
-          <a:lstStyle/>
-          <a:p>
-            <a:pPr>
-              <a:defRPr/>
-            </a:pPr>
-            <a:endParaRPr lang="en-US"/>
+            <a:r>
+              <a:rPr lang="en-US" smtClean="0"/>
+              <a:t>Chef Software, Inc.</a:t>
+            </a:r>
+            <a:endParaRPr lang="en-US" dirty="0"/>
           </a:p>
         </p:txBody>
       </p:sp>
     </p:spTree>
     <p:extLst>
       <p:ext uri="{BB962C8B-B14F-4D97-AF65-F5344CB8AC3E}">
-        <p14:creationId xmlns:p14="http://schemas.microsoft.com/office/powerpoint/2010/main" val="1700728687"/>
+        <p14:creationId xmlns:p14="http://schemas.microsoft.com/office/powerpoint/2010/main" val="355691265"/>
       </p:ext>
     </p:extLst>
   </p:cSld>
@@ -4825,11 +4283,20 @@
           <a:p>
             <a:r>
               <a:rPr lang="en-US" dirty="0" smtClean="0"/>
-              <a:t>If</a:t>
+              <a:t>If you defined the create</a:t>
             </a:r>
             <a:r>
               <a:rPr lang="en-US" baseline="0" dirty="0" smtClean="0"/>
-              <a:t> the first action is the create action then you do not need to explicitly define the default action. However, you may decide that it makes it clearer for you or those you are collaborating with to specify this within the resource definition.</a:t>
+              <a:t> action as the first action within a resource definition file it automatically is the default action. The first action is the default action and that probably makes sense to those reading the custom resource definition.</a:t>
+            </a:r>
+          </a:p>
+          <a:p>
+            <a:endParaRPr lang="en-US" baseline="0" dirty="0" smtClean="0"/>
+          </a:p>
+          <a:p>
+            <a:r>
+              <a:rPr lang="en-US" baseline="0" dirty="0" smtClean="0"/>
+              <a:t>You may also explicitly declare the default action.</a:t>
             </a:r>
             <a:endParaRPr lang="en-US" dirty="0"/>
           </a:p>
@@ -4837,12 +4304,12 @@
       </p:sp>
       <p:sp>
         <p:nvSpPr>
-          <p:cNvPr id="4" name="Slide Number Placeholder 3"/>
-          <p:cNvSpPr>
-            <a:spLocks noGrp="1"/>
-          </p:cNvSpPr>
-          <p:nvPr>
-            <p:ph type="sldNum" sz="quarter" idx="10"/>
+          <p:cNvPr id="5" name="Header Placeholder 4"/>
+          <p:cNvSpPr>
+            <a:spLocks noGrp="1"/>
+          </p:cNvSpPr>
+          <p:nvPr>
+            <p:ph type="hdr" sz="quarter" idx="11"/>
           </p:nvPr>
         </p:nvSpPr>
         <p:spPr/>
@@ -4853,25 +4320,22 @@
             <a:pPr>
               <a:defRPr/>
             </a:pPr>
-            <a:fld id="{DC3734AA-3150-D947-AC52-2F5DF48BFCD5}" type="slidenum">
+            <a:r>
               <a:rPr lang="en-US" smtClean="0"/>
-              <a:pPr>
-                <a:defRPr/>
-              </a:pPr>
-              <a:t>6</a:t>
-            </a:fld>
-            <a:endParaRPr lang="en-US" dirty="0"/>
-          </a:p>
-        </p:txBody>
-      </p:sp>
-      <p:sp>
-        <p:nvSpPr>
-          <p:cNvPr id="5" name="Header Placeholder 4"/>
-          <p:cNvSpPr>
-            <a:spLocks noGrp="1"/>
-          </p:cNvSpPr>
-          <p:nvPr>
-            <p:ph type="hdr" sz="quarter" idx="11"/>
+              <a:t>Extending Cookbooks</a:t>
+            </a:r>
+            <a:endParaRPr lang="en-US"/>
+          </a:p>
+        </p:txBody>
+      </p:sp>
+      <p:sp>
+        <p:nvSpPr>
+          <p:cNvPr id="7" name="Date Placeholder 6"/>
+          <p:cNvSpPr>
+            <a:spLocks noGrp="1"/>
+          </p:cNvSpPr>
+          <p:nvPr>
+            <p:ph type="dt" idx="13"/>
           </p:nvPr>
         </p:nvSpPr>
         <p:spPr/>
@@ -4882,36 +4346,18 @@
             <a:pPr>
               <a:defRPr/>
             </a:pPr>
-            <a:endParaRPr lang="en-US"/>
-          </a:p>
-        </p:txBody>
-      </p:sp>
-      <p:sp>
-        <p:nvSpPr>
-          <p:cNvPr id="6" name="Footer Placeholder 5"/>
-          <p:cNvSpPr>
-            <a:spLocks noGrp="1"/>
-          </p:cNvSpPr>
-          <p:nvPr>
-            <p:ph type="ftr" sz="quarter" idx="12"/>
-          </p:nvPr>
-        </p:nvSpPr>
-        <p:spPr/>
-        <p:txBody>
-          <a:bodyPr/>
-          <a:lstStyle/>
-          <a:p>
-            <a:pPr>
-              <a:defRPr/>
-            </a:pPr>
-            <a:endParaRPr lang="en-US"/>
+            <a:r>
+              <a:rPr lang="en-US" smtClean="0"/>
+              <a:t>Chef Software, Inc.</a:t>
+            </a:r>
+            <a:endParaRPr lang="en-US" dirty="0"/>
           </a:p>
         </p:txBody>
       </p:sp>
     </p:spTree>
     <p:extLst>
       <p:ext uri="{BB962C8B-B14F-4D97-AF65-F5344CB8AC3E}">
-        <p14:creationId xmlns:p14="http://schemas.microsoft.com/office/powerpoint/2010/main" val="56398510"/>
+        <p14:creationId xmlns:p14="http://schemas.microsoft.com/office/powerpoint/2010/main" val="1700728687"/>
       </p:ext>
     </p:extLst>
   </p:cSld>
@@ -4967,11 +4413,11 @@
           <a:p>
             <a:r>
               <a:rPr lang="en-US" dirty="0" smtClean="0"/>
-              <a:t>With</a:t>
+              <a:t>If</a:t>
             </a:r>
             <a:r>
               <a:rPr lang="en-US" baseline="0" dirty="0" smtClean="0"/>
-              <a:t> the default action defined all uses of the custom resource which explicitly defined it may have those lines removed.</a:t>
+              <a:t> the first action is the create action then you do not need to explicitly define the default action. However, you may decide that it makes it clearer for you or those you are collaborating with to specify this within the resource definition.</a:t>
             </a:r>
             <a:endParaRPr lang="en-US" dirty="0"/>
           </a:p>
@@ -4979,12 +4425,12 @@
       </p:sp>
       <p:sp>
         <p:nvSpPr>
-          <p:cNvPr id="4" name="Slide Number Placeholder 3"/>
-          <p:cNvSpPr>
-            <a:spLocks noGrp="1"/>
-          </p:cNvSpPr>
-          <p:nvPr>
-            <p:ph type="sldNum" sz="quarter" idx="10"/>
+          <p:cNvPr id="5" name="Header Placeholder 4"/>
+          <p:cNvSpPr>
+            <a:spLocks noGrp="1"/>
+          </p:cNvSpPr>
+          <p:nvPr>
+            <p:ph type="hdr" sz="quarter" idx="11"/>
           </p:nvPr>
         </p:nvSpPr>
         <p:spPr/>
@@ -4995,25 +4441,22 @@
             <a:pPr>
               <a:defRPr/>
             </a:pPr>
-            <a:fld id="{DC3734AA-3150-D947-AC52-2F5DF48BFCD5}" type="slidenum">
+            <a:r>
               <a:rPr lang="en-US" smtClean="0"/>
-              <a:pPr>
-                <a:defRPr/>
-              </a:pPr>
-              <a:t>7</a:t>
-            </a:fld>
-            <a:endParaRPr lang="en-US" dirty="0"/>
-          </a:p>
-        </p:txBody>
-      </p:sp>
-      <p:sp>
-        <p:nvSpPr>
-          <p:cNvPr id="5" name="Header Placeholder 4"/>
-          <p:cNvSpPr>
-            <a:spLocks noGrp="1"/>
-          </p:cNvSpPr>
-          <p:nvPr>
-            <p:ph type="hdr" sz="quarter" idx="11"/>
+              <a:t>Extending Cookbooks</a:t>
+            </a:r>
+            <a:endParaRPr lang="en-US"/>
+          </a:p>
+        </p:txBody>
+      </p:sp>
+      <p:sp>
+        <p:nvSpPr>
+          <p:cNvPr id="7" name="Date Placeholder 6"/>
+          <p:cNvSpPr>
+            <a:spLocks noGrp="1"/>
+          </p:cNvSpPr>
+          <p:nvPr>
+            <p:ph type="dt" idx="13"/>
           </p:nvPr>
         </p:nvSpPr>
         <p:spPr/>
@@ -5024,36 +4467,18 @@
             <a:pPr>
               <a:defRPr/>
             </a:pPr>
-            <a:endParaRPr lang="en-US"/>
-          </a:p>
-        </p:txBody>
-      </p:sp>
-      <p:sp>
-        <p:nvSpPr>
-          <p:cNvPr id="6" name="Footer Placeholder 5"/>
-          <p:cNvSpPr>
-            <a:spLocks noGrp="1"/>
-          </p:cNvSpPr>
-          <p:nvPr>
-            <p:ph type="ftr" sz="quarter" idx="12"/>
-          </p:nvPr>
-        </p:nvSpPr>
-        <p:spPr/>
-        <p:txBody>
-          <a:bodyPr/>
-          <a:lstStyle/>
-          <a:p>
-            <a:pPr>
-              <a:defRPr/>
-            </a:pPr>
-            <a:endParaRPr lang="en-US"/>
+            <a:r>
+              <a:rPr lang="en-US" smtClean="0"/>
+              <a:t>Chef Software, Inc.</a:t>
+            </a:r>
+            <a:endParaRPr lang="en-US" dirty="0"/>
           </a:p>
         </p:txBody>
       </p:sp>
     </p:spTree>
     <p:extLst>
       <p:ext uri="{BB962C8B-B14F-4D97-AF65-F5344CB8AC3E}">
-        <p14:creationId xmlns:p14="http://schemas.microsoft.com/office/powerpoint/2010/main" val="1827479401"/>
+        <p14:creationId xmlns:p14="http://schemas.microsoft.com/office/powerpoint/2010/main" val="56398510"/>
       </p:ext>
     </p:extLst>
   </p:cSld>
@@ -5107,23 +4532,6 @@
           <a:bodyPr/>
           <a:lstStyle/>
           <a:p>
-            <a:pPr marL="0" marR="0" indent="0" algn="l" defTabSz="1217613" rtl="0" eaLnBrk="1" fontAlgn="base" latinLnBrk="0" hangingPunct="1">
-              <a:lnSpc>
-                <a:spcPct val="90000"/>
-              </a:lnSpc>
-              <a:spcBef>
-                <a:spcPct val="30000"/>
-              </a:spcBef>
-              <a:spcAft>
-                <a:spcPts val="450"/>
-              </a:spcAft>
-              <a:buClrTx/>
-              <a:buSzTx/>
-              <a:buFontTx/>
-              <a:buNone/>
-              <a:tabLst/>
-              <a:defRPr/>
-            </a:pPr>
             <a:r>
               <a:rPr lang="en-US" dirty="0" smtClean="0"/>
               <a:t>With</a:t>
@@ -5132,18 +4540,18 @@
               <a:rPr lang="en-US" baseline="0" dirty="0" smtClean="0"/>
               <a:t> the default action defined all uses of the custom resource which explicitly defined it may have those lines removed.</a:t>
             </a:r>
-            <a:endParaRPr lang="en-US" dirty="0" smtClean="0"/>
-          </a:p>
-        </p:txBody>
-      </p:sp>
-      <p:sp>
-        <p:nvSpPr>
-          <p:cNvPr id="4" name="Slide Number Placeholder 3"/>
-          <p:cNvSpPr>
-            <a:spLocks noGrp="1"/>
-          </p:cNvSpPr>
-          <p:nvPr>
-            <p:ph type="sldNum" sz="quarter" idx="10"/>
+            <a:endParaRPr lang="en-US" dirty="0"/>
+          </a:p>
+        </p:txBody>
+      </p:sp>
+      <p:sp>
+        <p:nvSpPr>
+          <p:cNvPr id="5" name="Header Placeholder 4"/>
+          <p:cNvSpPr>
+            <a:spLocks noGrp="1"/>
+          </p:cNvSpPr>
+          <p:nvPr>
+            <p:ph type="hdr" sz="quarter" idx="11"/>
           </p:nvPr>
         </p:nvSpPr>
         <p:spPr/>
@@ -5154,25 +4562,22 @@
             <a:pPr>
               <a:defRPr/>
             </a:pPr>
-            <a:fld id="{DC3734AA-3150-D947-AC52-2F5DF48BFCD5}" type="slidenum">
+            <a:r>
               <a:rPr lang="en-US" smtClean="0"/>
-              <a:pPr>
-                <a:defRPr/>
-              </a:pPr>
-              <a:t>8</a:t>
-            </a:fld>
-            <a:endParaRPr lang="en-US" dirty="0"/>
-          </a:p>
-        </p:txBody>
-      </p:sp>
-      <p:sp>
-        <p:nvSpPr>
-          <p:cNvPr id="5" name="Header Placeholder 4"/>
-          <p:cNvSpPr>
-            <a:spLocks noGrp="1"/>
-          </p:cNvSpPr>
-          <p:nvPr>
-            <p:ph type="hdr" sz="quarter" idx="11"/>
+              <a:t>Extending Cookbooks</a:t>
+            </a:r>
+            <a:endParaRPr lang="en-US"/>
+          </a:p>
+        </p:txBody>
+      </p:sp>
+      <p:sp>
+        <p:nvSpPr>
+          <p:cNvPr id="7" name="Date Placeholder 6"/>
+          <p:cNvSpPr>
+            <a:spLocks noGrp="1"/>
+          </p:cNvSpPr>
+          <p:nvPr>
+            <p:ph type="dt" idx="13"/>
           </p:nvPr>
         </p:nvSpPr>
         <p:spPr/>
@@ -5183,36 +4588,18 @@
             <a:pPr>
               <a:defRPr/>
             </a:pPr>
-            <a:endParaRPr lang="en-US"/>
-          </a:p>
-        </p:txBody>
-      </p:sp>
-      <p:sp>
-        <p:nvSpPr>
-          <p:cNvPr id="6" name="Footer Placeholder 5"/>
-          <p:cNvSpPr>
-            <a:spLocks noGrp="1"/>
-          </p:cNvSpPr>
-          <p:nvPr>
-            <p:ph type="ftr" sz="quarter" idx="12"/>
-          </p:nvPr>
-        </p:nvSpPr>
-        <p:spPr/>
-        <p:txBody>
-          <a:bodyPr/>
-          <a:lstStyle/>
-          <a:p>
-            <a:pPr>
-              <a:defRPr/>
-            </a:pPr>
-            <a:endParaRPr lang="en-US"/>
+            <a:r>
+              <a:rPr lang="en-US" smtClean="0"/>
+              <a:t>Chef Software, Inc.</a:t>
+            </a:r>
+            <a:endParaRPr lang="en-US" dirty="0"/>
           </a:p>
         </p:txBody>
       </p:sp>
     </p:spTree>
     <p:extLst>
       <p:ext uri="{BB962C8B-B14F-4D97-AF65-F5344CB8AC3E}">
-        <p14:creationId xmlns:p14="http://schemas.microsoft.com/office/powerpoint/2010/main" val="836238200"/>
+        <p14:creationId xmlns:p14="http://schemas.microsoft.com/office/powerpoint/2010/main" val="1827479401"/>
       </p:ext>
     </p:extLst>
   </p:cSld>
@@ -5266,22 +4653,43 @@
           <a:bodyPr/>
           <a:lstStyle/>
           <a:p>
-            <a:r>
-              <a:rPr lang="en-US" dirty="0" smtClean="0"/>
-              <a:t>All the unit tests should pass.</a:t>
-            </a:r>
-            <a:endParaRPr lang="en-US" dirty="0"/>
-          </a:p>
-        </p:txBody>
-      </p:sp>
-      <p:sp>
-        <p:nvSpPr>
-          <p:cNvPr id="4" name="Slide Number Placeholder 3"/>
-          <p:cNvSpPr>
-            <a:spLocks noGrp="1"/>
-          </p:cNvSpPr>
-          <p:nvPr>
-            <p:ph type="sldNum" sz="quarter" idx="10"/>
+            <a:pPr marL="0" marR="0" indent="0" algn="l" defTabSz="1217613" rtl="0" eaLnBrk="1" fontAlgn="base" latinLnBrk="0" hangingPunct="1">
+              <a:lnSpc>
+                <a:spcPct val="90000"/>
+              </a:lnSpc>
+              <a:spcBef>
+                <a:spcPct val="30000"/>
+              </a:spcBef>
+              <a:spcAft>
+                <a:spcPts val="450"/>
+              </a:spcAft>
+              <a:buClrTx/>
+              <a:buSzTx/>
+              <a:buFontTx/>
+              <a:buNone/>
+              <a:tabLst/>
+              <a:defRPr/>
+            </a:pPr>
+            <a:r>
+              <a:rPr lang="en-US" dirty="0" smtClean="0"/>
+              <a:t>With</a:t>
+            </a:r>
+            <a:r>
+              <a:rPr lang="en-US" baseline="0" dirty="0" smtClean="0"/>
+              <a:t> the default action defined all uses of the custom resource which explicitly defined it may have those lines removed.</a:t>
+            </a:r>
+            <a:endParaRPr lang="en-US" dirty="0" smtClean="0"/>
+          </a:p>
+        </p:txBody>
+      </p:sp>
+      <p:sp>
+        <p:nvSpPr>
+          <p:cNvPr id="5" name="Header Placeholder 4"/>
+          <p:cNvSpPr>
+            <a:spLocks noGrp="1"/>
+          </p:cNvSpPr>
+          <p:nvPr>
+            <p:ph type="hdr" sz="quarter" idx="11"/>
           </p:nvPr>
         </p:nvSpPr>
         <p:spPr/>
@@ -5292,25 +4700,22 @@
             <a:pPr>
               <a:defRPr/>
             </a:pPr>
-            <a:fld id="{DC3734AA-3150-D947-AC52-2F5DF48BFCD5}" type="slidenum">
+            <a:r>
               <a:rPr lang="en-US" smtClean="0"/>
-              <a:pPr>
-                <a:defRPr/>
-              </a:pPr>
-              <a:t>9</a:t>
-            </a:fld>
-            <a:endParaRPr lang="en-US" dirty="0"/>
-          </a:p>
-        </p:txBody>
-      </p:sp>
-      <p:sp>
-        <p:nvSpPr>
-          <p:cNvPr id="5" name="Header Placeholder 4"/>
-          <p:cNvSpPr>
-            <a:spLocks noGrp="1"/>
-          </p:cNvSpPr>
-          <p:nvPr>
-            <p:ph type="hdr" sz="quarter" idx="11"/>
+              <a:t>Extending Cookbooks</a:t>
+            </a:r>
+            <a:endParaRPr lang="en-US"/>
+          </a:p>
+        </p:txBody>
+      </p:sp>
+      <p:sp>
+        <p:nvSpPr>
+          <p:cNvPr id="7" name="Date Placeholder 6"/>
+          <p:cNvSpPr>
+            <a:spLocks noGrp="1"/>
+          </p:cNvSpPr>
+          <p:nvPr>
+            <p:ph type="dt" idx="13"/>
           </p:nvPr>
         </p:nvSpPr>
         <p:spPr/>
@@ -5321,36 +4726,18 @@
             <a:pPr>
               <a:defRPr/>
             </a:pPr>
-            <a:endParaRPr lang="en-US"/>
-          </a:p>
-        </p:txBody>
-      </p:sp>
-      <p:sp>
-        <p:nvSpPr>
-          <p:cNvPr id="6" name="Footer Placeholder 5"/>
-          <p:cNvSpPr>
-            <a:spLocks noGrp="1"/>
-          </p:cNvSpPr>
-          <p:nvPr>
-            <p:ph type="ftr" sz="quarter" idx="12"/>
-          </p:nvPr>
-        </p:nvSpPr>
-        <p:spPr/>
-        <p:txBody>
-          <a:bodyPr/>
-          <a:lstStyle/>
-          <a:p>
-            <a:pPr>
-              <a:defRPr/>
-            </a:pPr>
-            <a:endParaRPr lang="en-US"/>
+            <a:r>
+              <a:rPr lang="en-US" smtClean="0"/>
+              <a:t>Chef Software, Inc.</a:t>
+            </a:r>
+            <a:endParaRPr lang="en-US" dirty="0"/>
           </a:p>
         </p:txBody>
       </p:sp>
     </p:spTree>
     <p:extLst>
       <p:ext uri="{BB962C8B-B14F-4D97-AF65-F5344CB8AC3E}">
-        <p14:creationId xmlns:p14="http://schemas.microsoft.com/office/powerpoint/2010/main" val="405493619"/>
+        <p14:creationId xmlns:p14="http://schemas.microsoft.com/office/powerpoint/2010/main" val="836238200"/>
       </p:ext>
     </p:extLst>
   </p:cSld>
@@ -5406,7 +4793,7 @@
           <a:p>
             <a:r>
               <a:rPr lang="en-US" dirty="0" smtClean="0"/>
-              <a:t>All the integration test should pass.</a:t>
+              <a:t>All the unit tests should pass.</a:t>
             </a:r>
             <a:endParaRPr lang="en-US" dirty="0"/>
           </a:p>
@@ -5414,12 +4801,12 @@
       </p:sp>
       <p:sp>
         <p:nvSpPr>
-          <p:cNvPr id="4" name="Slide Number Placeholder 3"/>
-          <p:cNvSpPr>
-            <a:spLocks noGrp="1"/>
-          </p:cNvSpPr>
-          <p:nvPr>
-            <p:ph type="sldNum" sz="quarter" idx="10"/>
+          <p:cNvPr id="5" name="Header Placeholder 4"/>
+          <p:cNvSpPr>
+            <a:spLocks noGrp="1"/>
+          </p:cNvSpPr>
+          <p:nvPr>
+            <p:ph type="hdr" sz="quarter" idx="11"/>
           </p:nvPr>
         </p:nvSpPr>
         <p:spPr/>
@@ -5430,25 +4817,22 @@
             <a:pPr>
               <a:defRPr/>
             </a:pPr>
-            <a:fld id="{DC3734AA-3150-D947-AC52-2F5DF48BFCD5}" type="slidenum">
+            <a:r>
               <a:rPr lang="en-US" smtClean="0"/>
-              <a:pPr>
-                <a:defRPr/>
-              </a:pPr>
-              <a:t>10</a:t>
-            </a:fld>
-            <a:endParaRPr lang="en-US" dirty="0"/>
-          </a:p>
-        </p:txBody>
-      </p:sp>
-      <p:sp>
-        <p:nvSpPr>
-          <p:cNvPr id="5" name="Header Placeholder 4"/>
-          <p:cNvSpPr>
-            <a:spLocks noGrp="1"/>
-          </p:cNvSpPr>
-          <p:nvPr>
-            <p:ph type="hdr" sz="quarter" idx="11"/>
+              <a:t>Extending Cookbooks</a:t>
+            </a:r>
+            <a:endParaRPr lang="en-US"/>
+          </a:p>
+        </p:txBody>
+      </p:sp>
+      <p:sp>
+        <p:nvSpPr>
+          <p:cNvPr id="7" name="Date Placeholder 6"/>
+          <p:cNvSpPr>
+            <a:spLocks noGrp="1"/>
+          </p:cNvSpPr>
+          <p:nvPr>
+            <p:ph type="dt" idx="13"/>
           </p:nvPr>
         </p:nvSpPr>
         <p:spPr/>
@@ -5459,36 +4843,18 @@
             <a:pPr>
               <a:defRPr/>
             </a:pPr>
-            <a:endParaRPr lang="en-US"/>
-          </a:p>
-        </p:txBody>
-      </p:sp>
-      <p:sp>
-        <p:nvSpPr>
-          <p:cNvPr id="6" name="Footer Placeholder 5"/>
-          <p:cNvSpPr>
-            <a:spLocks noGrp="1"/>
-          </p:cNvSpPr>
-          <p:nvPr>
-            <p:ph type="ftr" sz="quarter" idx="12"/>
-          </p:nvPr>
-        </p:nvSpPr>
-        <p:spPr/>
-        <p:txBody>
-          <a:bodyPr/>
-          <a:lstStyle/>
-          <a:p>
-            <a:pPr>
-              <a:defRPr/>
-            </a:pPr>
-            <a:endParaRPr lang="en-US"/>
+            <a:r>
+              <a:rPr lang="en-US" smtClean="0"/>
+              <a:t>Chef Software, Inc.</a:t>
+            </a:r>
+            <a:endParaRPr lang="en-US" dirty="0"/>
           </a:p>
         </p:txBody>
       </p:sp>
     </p:spTree>
     <p:extLst>
       <p:ext uri="{BB962C8B-B14F-4D97-AF65-F5344CB8AC3E}">
-        <p14:creationId xmlns:p14="http://schemas.microsoft.com/office/powerpoint/2010/main" val="1609383880"/>
+        <p14:creationId xmlns:p14="http://schemas.microsoft.com/office/powerpoint/2010/main" val="405493619"/>
       </p:ext>
     </p:extLst>
   </p:cSld>
@@ -5635,7 +5001,7 @@
   <p:clrMapOvr>
     <a:masterClrMapping/>
   </p:clrMapOvr>
-  <p:transition xmlns:p14="http://schemas.microsoft.com/office/powerpoint/2010/main" spd="med">
+  <p:transition spd="med">
     <p:fade/>
   </p:transition>
 </p:sldLayout>
@@ -5930,7 +5296,7 @@
   <p:clrMapOvr>
     <a:overrideClrMapping bg1="lt1" tx1="dk1" bg2="lt2" tx2="dk2" accent1="accent1" accent2="accent2" accent3="accent3" accent4="accent4" accent5="accent5" accent6="accent6" hlink="hlink" folHlink="folHlink"/>
   </p:clrMapOvr>
-  <p:transition xmlns:p14="http://schemas.microsoft.com/office/powerpoint/2010/main" spd="med">
+  <p:transition spd="med">
     <p:fade/>
   </p:transition>
 </p:sldLayout>
@@ -6063,14 +5429,14 @@
           </a:ln>
           <a:extLst>
             <a:ext uri="{909E8E84-426E-40dd-AFC4-6F175D3DCCD1}">
-              <a14:hiddenFill xmlns:a14="http://schemas.microsoft.com/office/drawing/2010/main">
+              <a14:hiddenFill xmlns:a14="http://schemas.microsoft.com/office/drawing/2010/main" xmlns="">
                 <a:solidFill>
                   <a:srgbClr val="FFFFFF"/>
                 </a:solidFill>
               </a14:hiddenFill>
             </a:ext>
             <a:ext uri="{91240B29-F687-4f45-9708-019B960494DF}">
-              <a14:hiddenLine xmlns:a14="http://schemas.microsoft.com/office/drawing/2010/main" w="9525">
+              <a14:hiddenLine xmlns:a14="http://schemas.microsoft.com/office/drawing/2010/main" xmlns="" w="9525">
                 <a:solidFill>
                   <a:srgbClr val="000000"/>
                 </a:solidFill>
@@ -6218,14 +5584,14 @@
           </a:ln>
           <a:extLst>
             <a:ext uri="{909E8E84-426E-40dd-AFC4-6F175D3DCCD1}">
-              <a14:hiddenFill xmlns:a14="http://schemas.microsoft.com/office/drawing/2010/main">
+              <a14:hiddenFill xmlns:a14="http://schemas.microsoft.com/office/drawing/2010/main" xmlns="">
                 <a:solidFill>
                   <a:srgbClr val="FFFFFF"/>
                 </a:solidFill>
               </a14:hiddenFill>
             </a:ext>
             <a:ext uri="{91240B29-F687-4f45-9708-019B960494DF}">
-              <a14:hiddenLine xmlns:a14="http://schemas.microsoft.com/office/drawing/2010/main" w="9525">
+              <a14:hiddenLine xmlns:a14="http://schemas.microsoft.com/office/drawing/2010/main" xmlns="" w="9525">
                 <a:solidFill>
                   <a:srgbClr val="000000"/>
                 </a:solidFill>
@@ -6623,7 +5989,7 @@
   <p:clrMapOvr>
     <a:overrideClrMapping bg1="lt1" tx1="dk1" bg2="lt2" tx2="dk2" accent1="accent1" accent2="accent2" accent3="accent3" accent4="accent4" accent5="accent5" accent6="accent6" hlink="hlink" folHlink="folHlink"/>
   </p:clrMapOvr>
-  <p:transition xmlns:p14="http://schemas.microsoft.com/office/powerpoint/2010/main" spd="med">
+  <p:transition spd="med">
     <p:fade/>
   </p:transition>
 </p:sldLayout>
@@ -6681,14 +6047,14 @@
           </a:ln>
           <a:extLst>
             <a:ext uri="{909E8E84-426E-40dd-AFC4-6F175D3DCCD1}">
-              <a14:hiddenFill xmlns:a14="http://schemas.microsoft.com/office/drawing/2010/main">
+              <a14:hiddenFill xmlns:a14="http://schemas.microsoft.com/office/drawing/2010/main" xmlns="">
                 <a:solidFill>
                   <a:srgbClr val="FFFFFF"/>
                 </a:solidFill>
               </a14:hiddenFill>
             </a:ext>
             <a:ext uri="{91240B29-F687-4f45-9708-019B960494DF}">
-              <a14:hiddenLine xmlns:a14="http://schemas.microsoft.com/office/drawing/2010/main" w="9525">
+              <a14:hiddenLine xmlns:a14="http://schemas.microsoft.com/office/drawing/2010/main" xmlns="" w="9525">
                 <a:solidFill>
                   <a:srgbClr val="000000"/>
                 </a:solidFill>
@@ -6710,7 +6076,7 @@
   <p:clrMapOvr>
     <a:masterClrMapping/>
   </p:clrMapOvr>
-  <p:transition xmlns:p14="http://schemas.microsoft.com/office/powerpoint/2010/main" spd="med">
+  <p:transition spd="med">
     <p:fade/>
   </p:transition>
 </p:sldLayout>
@@ -6997,7 +6363,7 @@
   <p:clrMapOvr>
     <a:masterClrMapping/>
   </p:clrMapOvr>
-  <p:transition xmlns:p14="http://schemas.microsoft.com/office/powerpoint/2010/main" spd="med">
+  <p:transition spd="med">
     <p:fade/>
   </p:transition>
 </p:sldLayout>
@@ -7284,7 +6650,7 @@
   <p:clrMapOvr>
     <a:masterClrMapping/>
   </p:clrMapOvr>
-  <p:transition xmlns:p14="http://schemas.microsoft.com/office/powerpoint/2010/main" spd="med">
+  <p:transition spd="med">
     <p:fade/>
   </p:transition>
 </p:sldLayout>
@@ -7633,7 +6999,7 @@
   <p:clrMapOvr>
     <a:masterClrMapping/>
   </p:clrMapOvr>
-  <p:transition xmlns:p14="http://schemas.microsoft.com/office/powerpoint/2010/main" spd="med">
+  <p:transition spd="med">
     <p:fade/>
   </p:transition>
 </p:sldLayout>
@@ -7920,7 +7286,7 @@
   <p:clrMapOvr>
     <a:masterClrMapping/>
   </p:clrMapOvr>
-  <p:transition xmlns:p14="http://schemas.microsoft.com/office/powerpoint/2010/main" spd="med">
+  <p:transition spd="med">
     <p:fade/>
   </p:transition>
 </p:sldLayout>
@@ -8137,14 +7503,14 @@
           </a:ln>
           <a:extLst>
             <a:ext uri="{909E8E84-426E-40dd-AFC4-6F175D3DCCD1}">
-              <a14:hiddenFill xmlns:a14="http://schemas.microsoft.com/office/drawing/2010/main">
+              <a14:hiddenFill xmlns:a14="http://schemas.microsoft.com/office/drawing/2010/main" xmlns="">
                 <a:solidFill>
                   <a:srgbClr val="FFFFFF"/>
                 </a:solidFill>
               </a14:hiddenFill>
             </a:ext>
             <a:ext uri="{91240B29-F687-4f45-9708-019B960494DF}">
-              <a14:hiddenLine xmlns:a14="http://schemas.microsoft.com/office/drawing/2010/main" w="9525">
+              <a14:hiddenLine xmlns:a14="http://schemas.microsoft.com/office/drawing/2010/main" xmlns="" w="9525">
                 <a:solidFill>
                   <a:srgbClr val="000000"/>
                 </a:solidFill>
@@ -8341,7 +7707,7 @@
   <p:clrMapOvr>
     <a:masterClrMapping/>
   </p:clrMapOvr>
-  <p:transition xmlns:p14="http://schemas.microsoft.com/office/powerpoint/2010/main" spd="med">
+  <p:transition spd="med">
     <p:fade/>
   </p:transition>
 </p:sldLayout>
@@ -8629,7 +7995,7 @@
   <p:clrMapOvr>
     <a:masterClrMapping/>
   </p:clrMapOvr>
-  <p:transition xmlns:p14="http://schemas.microsoft.com/office/powerpoint/2010/main" spd="med">
+  <p:transition spd="med">
     <p:fade/>
   </p:transition>
 </p:sldLayout>
@@ -8941,7 +8307,7 @@
   <p:clrMapOvr>
     <a:masterClrMapping/>
   </p:clrMapOvr>
-  <p:transition xmlns:p14="http://schemas.microsoft.com/office/powerpoint/2010/main" spd="med">
+  <p:transition spd="med">
     <p:fade/>
   </p:transition>
 </p:sldLayout>
@@ -9118,7 +8484,7 @@
   <p:clrMapOvr>
     <a:masterClrMapping/>
   </p:clrMapOvr>
-  <p:transition xmlns:p14="http://schemas.microsoft.com/office/powerpoint/2010/main" spd="med">
+  <p:transition spd="med">
     <p:fade/>
   </p:transition>
 </p:sldLayout>
@@ -9422,7 +8788,7 @@
   <p:clrMapOvr>
     <a:masterClrMapping/>
   </p:clrMapOvr>
-  <p:transition xmlns:p14="http://schemas.microsoft.com/office/powerpoint/2010/main" spd="med">
+  <p:transition spd="med">
     <p:fade/>
   </p:transition>
 </p:sldLayout>
@@ -9498,14 +8864,14 @@
           </a:ln>
           <a:extLst>
             <a:ext uri="{909E8E84-426E-40dd-AFC4-6F175D3DCCD1}">
-              <a14:hiddenFill xmlns:a14="http://schemas.microsoft.com/office/drawing/2010/main">
+              <a14:hiddenFill xmlns:a14="http://schemas.microsoft.com/office/drawing/2010/main" xmlns="">
                 <a:solidFill>
                   <a:srgbClr val="FFFFFF"/>
                 </a:solidFill>
               </a14:hiddenFill>
             </a:ext>
             <a:ext uri="{91240B29-F687-4f45-9708-019B960494DF}">
-              <a14:hiddenLine xmlns:a14="http://schemas.microsoft.com/office/drawing/2010/main" w="9525">
+              <a14:hiddenLine xmlns:a14="http://schemas.microsoft.com/office/drawing/2010/main" xmlns="" w="9525">
                 <a:solidFill>
                   <a:srgbClr val="000000"/>
                 </a:solidFill>
@@ -9746,7 +9112,7 @@
   <p:clrMapOvr>
     <a:overrideClrMapping bg1="lt1" tx1="dk1" bg2="lt2" tx2="dk2" accent1="accent1" accent2="accent2" accent3="accent3" accent4="accent4" accent5="accent5" accent6="accent6" hlink="hlink" folHlink="folHlink"/>
   </p:clrMapOvr>
-  <p:transition xmlns:p14="http://schemas.microsoft.com/office/powerpoint/2010/main" spd="med">
+  <p:transition spd="med">
     <p:fade/>
   </p:transition>
 </p:sldLayout>
@@ -9952,7 +9318,7 @@
   <p:clrMapOvr>
     <a:overrideClrMapping bg1="lt1" tx1="dk1" bg2="lt2" tx2="dk2" accent1="accent1" accent2="accent2" accent3="accent3" accent4="accent4" accent5="accent5" accent6="accent6" hlink="hlink" folHlink="folHlink"/>
   </p:clrMapOvr>
-  <p:transition xmlns:p14="http://schemas.microsoft.com/office/powerpoint/2010/main" spd="med">
+  <p:transition spd="med">
     <p:fade/>
   </p:transition>
 </p:sldLayout>
@@ -10028,14 +9394,14 @@
           </a:ln>
           <a:extLst>
             <a:ext uri="{909E8E84-426E-40dd-AFC4-6F175D3DCCD1}">
-              <a14:hiddenFill xmlns:a14="http://schemas.microsoft.com/office/drawing/2010/main">
+              <a14:hiddenFill xmlns:a14="http://schemas.microsoft.com/office/drawing/2010/main" xmlns="">
                 <a:solidFill>
                   <a:srgbClr val="FFFFFF"/>
                 </a:solidFill>
               </a14:hiddenFill>
             </a:ext>
             <a:ext uri="{91240B29-F687-4f45-9708-019B960494DF}">
-              <a14:hiddenLine xmlns:a14="http://schemas.microsoft.com/office/drawing/2010/main" w="9525">
+              <a14:hiddenLine xmlns:a14="http://schemas.microsoft.com/office/drawing/2010/main" xmlns="" w="9525">
                 <a:solidFill>
                   <a:srgbClr val="000000"/>
                 </a:solidFill>
@@ -10283,7 +9649,7 @@
   <p:clrMapOvr>
     <a:overrideClrMapping bg1="lt1" tx1="dk1" bg2="lt2" tx2="dk2" accent1="accent1" accent2="accent2" accent3="accent3" accent4="accent4" accent5="accent5" accent6="accent6" hlink="hlink" folHlink="folHlink"/>
   </p:clrMapOvr>
-  <p:transition xmlns:p14="http://schemas.microsoft.com/office/powerpoint/2010/main" spd="med">
+  <p:transition spd="med">
     <p:fade/>
   </p:transition>
 </p:sldLayout>
@@ -10491,7 +9857,7 @@
   <p:clrMapOvr>
     <a:overrideClrMapping bg1="lt1" tx1="dk1" bg2="lt2" tx2="dk2" accent1="accent1" accent2="accent2" accent3="accent3" accent4="accent4" accent5="accent5" accent6="accent6" hlink="hlink" folHlink="folHlink"/>
   </p:clrMapOvr>
-  <p:transition xmlns:p14="http://schemas.microsoft.com/office/powerpoint/2010/main" spd="med">
+  <p:transition spd="med">
     <p:fade/>
   </p:transition>
 </p:sldLayout>
@@ -10567,14 +9933,14 @@
           </a:ln>
           <a:extLst>
             <a:ext uri="{909E8E84-426E-40dd-AFC4-6F175D3DCCD1}">
-              <a14:hiddenFill xmlns:a14="http://schemas.microsoft.com/office/drawing/2010/main">
+              <a14:hiddenFill xmlns:a14="http://schemas.microsoft.com/office/drawing/2010/main" xmlns="">
                 <a:solidFill>
                   <a:srgbClr val="FFFFFF"/>
                 </a:solidFill>
               </a14:hiddenFill>
             </a:ext>
             <a:ext uri="{91240B29-F687-4f45-9708-019B960494DF}">
-              <a14:hiddenLine xmlns:a14="http://schemas.microsoft.com/office/drawing/2010/main" w="9525">
+              <a14:hiddenLine xmlns:a14="http://schemas.microsoft.com/office/drawing/2010/main" xmlns="" w="9525">
                 <a:solidFill>
                   <a:srgbClr val="000000"/>
                 </a:solidFill>
@@ -10842,7 +10208,7 @@
   <p:clrMapOvr>
     <a:overrideClrMapping bg1="lt1" tx1="dk1" bg2="lt2" tx2="dk2" accent1="accent1" accent2="accent2" accent3="accent3" accent4="accent4" accent5="accent5" accent6="accent6" hlink="hlink" folHlink="folHlink"/>
   </p:clrMapOvr>
-  <p:transition xmlns:p14="http://schemas.microsoft.com/office/powerpoint/2010/main" spd="med">
+  <p:transition spd="med">
     <p:fade/>
   </p:transition>
 </p:sldLayout>
@@ -11070,7 +10436,7 @@
   <p:clrMapOvr>
     <a:overrideClrMapping bg1="lt1" tx1="dk1" bg2="lt2" tx2="dk2" accent1="accent1" accent2="accent2" accent3="accent3" accent4="accent4" accent5="accent5" accent6="accent6" hlink="hlink" folHlink="folHlink"/>
   </p:clrMapOvr>
-  <p:transition xmlns:p14="http://schemas.microsoft.com/office/powerpoint/2010/main" spd="med">
+  <p:transition spd="med">
     <p:fade/>
   </p:transition>
 </p:sldLayout>
@@ -11358,7 +10724,7 @@
   <p:clrMapOvr>
     <a:overrideClrMapping bg1="lt1" tx1="dk1" bg2="lt2" tx2="dk2" accent1="accent1" accent2="accent2" accent3="accent3" accent4="accent4" accent5="accent5" accent6="accent6" hlink="hlink" folHlink="folHlink"/>
   </p:clrMapOvr>
-  <p:transition xmlns:p14="http://schemas.microsoft.com/office/powerpoint/2010/main" spd="med">
+  <p:transition spd="med">
     <p:fade/>
   </p:transition>
 </p:sldLayout>
@@ -11514,14 +10880,14 @@
           </a:ln>
           <a:extLst>
             <a:ext uri="{909E8E84-426E-40dd-AFC4-6F175D3DCCD1}">
-              <a14:hiddenFill xmlns:a14="http://schemas.microsoft.com/office/drawing/2010/main">
+              <a14:hiddenFill xmlns:a14="http://schemas.microsoft.com/office/drawing/2010/main" xmlns="">
                 <a:solidFill>
                   <a:srgbClr val="FFFFFF"/>
                 </a:solidFill>
               </a14:hiddenFill>
             </a:ext>
             <a:ext uri="{91240B29-F687-4f45-9708-019B960494DF}">
-              <a14:hiddenLine xmlns:a14="http://schemas.microsoft.com/office/drawing/2010/main" w="9525">
+              <a14:hiddenLine xmlns:a14="http://schemas.microsoft.com/office/drawing/2010/main" xmlns="" w="9525">
                 <a:solidFill>
                   <a:srgbClr val="000000"/>
                 </a:solidFill>
@@ -11601,7 +10967,7 @@
               <a:defRPr/>
             </a:pPr>
             <a:r>
-              <a:rPr lang="en-US" dirty="0">
+              <a:rPr lang="en-US" dirty="0" smtClean="0">
                 <a:solidFill>
                   <a:srgbClr val="7D868C"/>
                 </a:solidFill>
@@ -11612,6 +10978,17 @@
               <a:t>©</a:t>
             </a:r>
             <a:r>
+              <a:rPr lang="is-IS" dirty="0" smtClean="0">
+                <a:solidFill>
+                  <a:srgbClr val="7D868C"/>
+                </a:solidFill>
+                <a:latin typeface="+mn-lt"/>
+                <a:ea typeface="+mn-ea"/>
+                <a:cs typeface="+mn-cs"/>
+              </a:rPr>
+              <a:t>2017</a:t>
+            </a:r>
+            <a:r>
               <a:rPr lang="en-US" dirty="0" smtClean="0">
                 <a:solidFill>
                   <a:srgbClr val="7D868C"/>
@@ -11620,7 +10997,7 @@
                 <a:ea typeface="+mn-ea"/>
                 <a:cs typeface="+mn-cs"/>
               </a:rPr>
-              <a:t>2016 </a:t>
+              <a:t> </a:t>
             </a:r>
             <a:r>
               <a:rPr lang="en-US" dirty="0">
@@ -11760,13 +11137,13 @@
     <p:sldLayoutId id="2147483841" r:id="rId11"/>
     <p:sldLayoutId id="2147483843" r:id="rId12"/>
   </p:sldLayoutIdLst>
-  <p:transition xmlns:p14="http://schemas.microsoft.com/office/powerpoint/2010/main" spd="med">
+  <p:transition spd="med">
     <p:fade/>
   </p:transition>
   <p:timing>
     <p:tnLst>
       <p:par>
-        <p:cTn xmlns:p14="http://schemas.microsoft.com/office/powerpoint/2010/main" id="1" dur="indefinite" restart="never" nodeType="tmRoot"/>
+        <p:cTn id="1" dur="indefinite" restart="never" nodeType="tmRoot"/>
       </p:par>
     </p:tnLst>
   </p:timing>
@@ -12294,14 +11671,14 @@
           </a:ln>
           <a:extLst>
             <a:ext uri="{909E8E84-426E-40dd-AFC4-6F175D3DCCD1}">
-              <a14:hiddenFill xmlns:a14="http://schemas.microsoft.com/office/drawing/2010/main">
+              <a14:hiddenFill xmlns:a14="http://schemas.microsoft.com/office/drawing/2010/main" xmlns="">
                 <a:solidFill>
                   <a:srgbClr val="FFFFFF"/>
                 </a:solidFill>
               </a14:hiddenFill>
             </a:ext>
             <a:ext uri="{91240B29-F687-4f45-9708-019B960494DF}">
-              <a14:hiddenLine xmlns:a14="http://schemas.microsoft.com/office/drawing/2010/main" w="9525">
+              <a14:hiddenLine xmlns:a14="http://schemas.microsoft.com/office/drawing/2010/main" xmlns="" w="9525">
                 <a:solidFill>
                   <a:srgbClr val="000000"/>
                 </a:solidFill>
@@ -12344,7 +11721,7 @@
               <a:defRPr/>
             </a:pPr>
             <a:r>
-              <a:rPr lang="en-US" dirty="0">
+              <a:rPr lang="en-US" dirty="0" smtClean="0">
                 <a:solidFill>
                   <a:srgbClr val="7D868C"/>
                 </a:solidFill>
@@ -12355,6 +11732,17 @@
               <a:t>©</a:t>
             </a:r>
             <a:r>
+              <a:rPr lang="is-IS" dirty="0" smtClean="0">
+                <a:solidFill>
+                  <a:srgbClr val="7D868C"/>
+                </a:solidFill>
+                <a:latin typeface="+mn-lt"/>
+                <a:ea typeface="+mn-ea"/>
+                <a:cs typeface="+mn-cs"/>
+              </a:rPr>
+              <a:t>2017</a:t>
+            </a:r>
+            <a:r>
               <a:rPr lang="en-US" dirty="0" smtClean="0">
                 <a:solidFill>
                   <a:srgbClr val="7D868C"/>
@@ -12363,7 +11751,7 @@
                 <a:ea typeface="+mn-ea"/>
                 <a:cs typeface="+mn-cs"/>
               </a:rPr>
-              <a:t>2016 </a:t>
+              <a:t> </a:t>
             </a:r>
             <a:r>
               <a:rPr lang="en-US" dirty="0">
@@ -12611,13 +11999,13 @@
     <p:sldLayoutId id="2147483856" r:id="rId7"/>
     <p:sldLayoutId id="2147483866" r:id="rId8"/>
   </p:sldLayoutIdLst>
-  <p:transition xmlns:p14="http://schemas.microsoft.com/office/powerpoint/2010/main" spd="med">
+  <p:transition spd="med">
     <p:fade/>
   </p:transition>
   <p:timing>
     <p:tnLst>
       <p:par>
-        <p:cTn xmlns:p14="http://schemas.microsoft.com/office/powerpoint/2010/main" id="1" dur="indefinite" restart="never" nodeType="tmRoot"/>
+        <p:cTn id="1" dur="indefinite" restart="never" nodeType="tmRoot"/>
       </p:par>
     </p:tnLst>
   </p:timing>
@@ -13115,13 +12503,13 @@
   <p:clrMapOvr>
     <a:masterClrMapping/>
   </p:clrMapOvr>
-  <p:transition xmlns:p14="http://schemas.microsoft.com/office/powerpoint/2010/main" spd="med">
+  <p:transition spd="med">
     <p:fade/>
   </p:transition>
   <p:timing>
     <p:tnLst>
       <p:par>
-        <p:cTn xmlns:p14="http://schemas.microsoft.com/office/powerpoint/2010/main" id="1" dur="indefinite" restart="never" nodeType="tmRoot"/>
+        <p:cTn id="1" dur="indefinite" restart="never" nodeType="tmRoot"/>
       </p:par>
     </p:tnLst>
   </p:timing>
@@ -13382,7 +12770,7 @@
   <p:clrMapOvr>
     <a:masterClrMapping/>
   </p:clrMapOvr>
-  <p:transition xmlns:p14="http://schemas.microsoft.com/office/powerpoint/2010/main" spd="med">
+  <p:transition spd="med">
     <p:fade/>
   </p:transition>
 </p:sld>
@@ -13535,7 +12923,7 @@
   <p:clrMapOvr>
     <a:masterClrMapping/>
   </p:clrMapOvr>
-  <p:transition xmlns:p14="http://schemas.microsoft.com/office/powerpoint/2010/main" spd="med">
+  <p:transition spd="med">
     <p:fade/>
   </p:transition>
 </p:sld>
@@ -13632,7 +13020,7 @@
   <p:clrMapOvr>
     <a:masterClrMapping/>
   </p:clrMapOvr>
-  <p:transition xmlns:p14="http://schemas.microsoft.com/office/powerpoint/2010/main" spd="med">
+  <p:transition spd="med">
     <p:fade/>
   </p:transition>
 </p:sld>
@@ -13885,7 +13273,7 @@
   <p:clrMapOvr>
     <a:masterClrMapping/>
   </p:clrMapOvr>
-  <p:transition xmlns:p14="http://schemas.microsoft.com/office/powerpoint/2010/main" spd="med">
+  <p:transition spd="med">
     <p:fade/>
   </p:transition>
 </p:sld>
@@ -14159,7 +13547,7 @@
   <p:clrMapOvr>
     <a:masterClrMapping/>
   </p:clrMapOvr>
-  <p:transition xmlns:p14="http://schemas.microsoft.com/office/powerpoint/2010/main" spd="med">
+  <p:transition spd="med">
     <p:fade/>
   </p:transition>
 </p:sld>
@@ -14382,7 +13770,7 @@
   <p:clrMapOvr>
     <a:masterClrMapping/>
   </p:clrMapOvr>
-  <p:transition xmlns:p14="http://schemas.microsoft.com/office/powerpoint/2010/main" spd="med">
+  <p:transition spd="med">
     <p:fade/>
   </p:transition>
 </p:sld>
@@ -14502,7 +13890,7 @@
   <p:clrMapOvr>
     <a:masterClrMapping/>
   </p:clrMapOvr>
-  <p:transition xmlns:p14="http://schemas.microsoft.com/office/powerpoint/2010/main" spd="med">
+  <p:transition spd="med">
     <p:fade/>
   </p:transition>
 </p:sld>
@@ -14762,7 +14150,7 @@
   <p:clrMapOvr>
     <a:masterClrMapping/>
   </p:clrMapOvr>
-  <p:transition xmlns:p14="http://schemas.microsoft.com/office/powerpoint/2010/main" spd="med">
+  <p:transition spd="med">
     <p:fade/>
   </p:transition>
 </p:sld>
@@ -14915,7 +14303,7 @@
   <p:clrMapOvr>
     <a:masterClrMapping/>
   </p:clrMapOvr>
-  <p:transition xmlns:p14="http://schemas.microsoft.com/office/powerpoint/2010/main" spd="med">
+  <p:transition spd="med">
     <p:fade/>
   </p:transition>
 </p:sld>
@@ -14996,7 +14384,7 @@
   <p:clrMapOvr>
     <a:masterClrMapping/>
   </p:clrMapOvr>
-  <p:transition xmlns:p14="http://schemas.microsoft.com/office/powerpoint/2010/main" spd="med">
+  <p:transition spd="med">
     <p:fade/>
   </p:transition>
 </p:sld>
@@ -15107,13 +14495,13 @@
   <p:clrMapOvr>
     <a:masterClrMapping/>
   </p:clrMapOvr>
-  <p:transition xmlns:p14="http://schemas.microsoft.com/office/powerpoint/2010/main" spd="med">
+  <p:transition spd="med">
     <p:fade/>
   </p:transition>
   <p:timing>
     <p:tnLst>
       <p:par>
-        <p:cTn xmlns:p14="http://schemas.microsoft.com/office/powerpoint/2010/main" id="1" dur="indefinite" restart="never" nodeType="tmRoot"/>
+        <p:cTn id="1" dur="indefinite" restart="never" nodeType="tmRoot"/>
       </p:par>
     </p:tnLst>
   </p:timing>
@@ -15370,7 +14758,7 @@
   <p:clrMapOvr>
     <a:masterClrMapping/>
   </p:clrMapOvr>
-  <p:transition xmlns:p14="http://schemas.microsoft.com/office/powerpoint/2010/main" spd="med">
+  <p:transition spd="med">
     <p:fade/>
   </p:transition>
 </p:sld>
@@ -15598,7 +14986,7 @@
   <p:clrMapOvr>
     <a:masterClrMapping/>
   </p:clrMapOvr>
-  <p:transition xmlns:p14="http://schemas.microsoft.com/office/powerpoint/2010/main" spd="med">
+  <p:transition spd="med">
     <p:fade/>
   </p:transition>
 </p:sld>
@@ -15718,7 +15106,7 @@
   <p:clrMapOvr>
     <a:masterClrMapping/>
   </p:clrMapOvr>
-  <p:transition xmlns:p14="http://schemas.microsoft.com/office/powerpoint/2010/main" spd="med">
+  <p:transition spd="med">
     <p:fade/>
   </p:transition>
 </p:sld>
@@ -15978,7 +15366,7 @@
   <p:clrMapOvr>
     <a:masterClrMapping/>
   </p:clrMapOvr>
-  <p:transition xmlns:p14="http://schemas.microsoft.com/office/powerpoint/2010/main" spd="med">
+  <p:transition spd="med">
     <p:fade/>
   </p:transition>
 </p:sld>
@@ -16131,7 +15519,7 @@
   <p:clrMapOvr>
     <a:masterClrMapping/>
   </p:clrMapOvr>
-  <p:transition xmlns:p14="http://schemas.microsoft.com/office/powerpoint/2010/main" spd="med">
+  <p:transition spd="med">
     <p:fade/>
   </p:transition>
 </p:sld>
@@ -16212,7 +15600,7 @@
   <p:clrMapOvr>
     <a:masterClrMapping/>
   </p:clrMapOvr>
-  <p:transition xmlns:p14="http://schemas.microsoft.com/office/powerpoint/2010/main" spd="med">
+  <p:transition spd="med">
     <p:fade/>
   </p:transition>
 </p:sld>
@@ -16531,7 +15919,7 @@
   <p:clrMapOvr>
     <a:masterClrMapping/>
   </p:clrMapOvr>
-  <p:transition xmlns:p14="http://schemas.microsoft.com/office/powerpoint/2010/main" spd="med">
+  <p:transition spd="med">
     <p:fade/>
   </p:transition>
 </p:sld>
@@ -16777,7 +16165,7 @@
   <p:clrMapOvr>
     <a:masterClrMapping/>
   </p:clrMapOvr>
-  <p:transition xmlns:p14="http://schemas.microsoft.com/office/powerpoint/2010/main" spd="med">
+  <p:transition spd="med">
     <p:fade/>
   </p:transition>
 </p:sld>
@@ -17004,7 +16392,7 @@
   <p:clrMapOvr>
     <a:masterClrMapping/>
   </p:clrMapOvr>
-  <p:transition xmlns:p14="http://schemas.microsoft.com/office/powerpoint/2010/main" spd="med">
+  <p:transition spd="med">
     <p:fade/>
   </p:transition>
 </p:sld>
@@ -17124,7 +16512,7 @@
   <p:clrMapOvr>
     <a:masterClrMapping/>
   </p:clrMapOvr>
-  <p:transition xmlns:p14="http://schemas.microsoft.com/office/powerpoint/2010/main" spd="med">
+  <p:transition spd="med">
     <p:fade/>
   </p:transition>
 </p:sld>
@@ -17277,7 +16665,7 @@
   <p:clrMapOvr>
     <a:masterClrMapping/>
   </p:clrMapOvr>
-  <p:transition xmlns:p14="http://schemas.microsoft.com/office/powerpoint/2010/main" spd="med">
+  <p:transition spd="med">
     <p:fade/>
   </p:transition>
 </p:sld>
@@ -17537,7 +16925,7 @@
   <p:clrMapOvr>
     <a:masterClrMapping/>
   </p:clrMapOvr>
-  <p:transition xmlns:p14="http://schemas.microsoft.com/office/powerpoint/2010/main" spd="med">
+  <p:transition spd="med">
     <p:fade/>
   </p:transition>
 </p:sld>
@@ -17686,7 +17074,7 @@
   <p:clrMapOvr>
     <a:masterClrMapping/>
   </p:clrMapOvr>
-  <p:transition xmlns:p14="http://schemas.microsoft.com/office/powerpoint/2010/main" spd="med">
+  <p:transition spd="med">
     <p:fade/>
   </p:transition>
 </p:sld>
@@ -17767,13 +17155,13 @@
   <p:clrMapOvr>
     <a:masterClrMapping/>
   </p:clrMapOvr>
-  <p:transition xmlns:p14="http://schemas.microsoft.com/office/powerpoint/2010/main" spd="med">
+  <p:transition spd="med">
     <p:fade/>
   </p:transition>
   <p:timing>
     <p:tnLst>
       <p:par>
-        <p:cTn xmlns:p14="http://schemas.microsoft.com/office/powerpoint/2010/main" id="1" dur="indefinite" restart="never" nodeType="tmRoot"/>
+        <p:cTn id="1" dur="indefinite" restart="never" nodeType="tmRoot"/>
       </p:par>
     </p:tnLst>
   </p:timing>
@@ -17807,7 +17195,7 @@
   <p:clrMapOvr>
     <a:masterClrMapping/>
   </p:clrMapOvr>
-  <p:transition xmlns:p14="http://schemas.microsoft.com/office/powerpoint/2010/main" spd="med">
+  <p:transition spd="med">
     <p:fade/>
   </p:transition>
 </p:sld>
@@ -17888,7 +17276,7 @@
   <p:clrMapOvr>
     <a:masterClrMapping/>
   </p:clrMapOvr>
-  <p:transition xmlns:p14="http://schemas.microsoft.com/office/powerpoint/2010/main" spd="med">
+  <p:transition spd="med">
     <p:fade/>
   </p:transition>
 </p:sld>
@@ -17969,7 +17357,7 @@
   <p:clrMapOvr>
     <a:masterClrMapping/>
   </p:clrMapOvr>
-  <p:transition xmlns:p14="http://schemas.microsoft.com/office/powerpoint/2010/main" spd="med">
+  <p:transition spd="med">
     <p:fade/>
   </p:transition>
 </p:sld>
@@ -18214,7 +17602,7 @@
   <p:clrMapOvr>
     <a:masterClrMapping/>
   </p:clrMapOvr>
-  <p:transition xmlns:p14="http://schemas.microsoft.com/office/powerpoint/2010/main" spd="med">
+  <p:transition spd="med">
     <p:fade/>
   </p:transition>
 </p:sld>
@@ -18459,7 +17847,7 @@
   <p:clrMapOvr>
     <a:masterClrMapping/>
   </p:clrMapOvr>
-  <p:transition xmlns:p14="http://schemas.microsoft.com/office/powerpoint/2010/main" spd="med">
+  <p:transition spd="med">
     <p:fade/>
   </p:transition>
 </p:sld>
@@ -18685,7 +18073,7 @@
   <p:clrMapOvr>
     <a:masterClrMapping/>
   </p:clrMapOvr>
-  <p:transition xmlns:p14="http://schemas.microsoft.com/office/powerpoint/2010/main" spd="med">
+  <p:transition spd="med">
     <p:fade/>
   </p:transition>
 </p:sld>
@@ -18805,7 +18193,7 @@
   <p:clrMapOvr>
     <a:masterClrMapping/>
   </p:clrMapOvr>
-  <p:transition xmlns:p14="http://schemas.microsoft.com/office/powerpoint/2010/main" spd="med">
+  <p:transition spd="med">
     <p:fade/>
   </p:transition>
 </p:sld>
@@ -19187,7 +18575,7 @@
   <a:extraClrSchemeLst/>
   <a:extLst>
     <a:ext uri="{05A4C25C-085E-4340-85A3-A5531E510DB2}">
-      <thm15:themeFamily xmlns:thm15="http://schemas.microsoft.com/office/thememl/2012/main" xmlns="" name="Chef-TemplateComps_v09-16x9-Light.potx" id="{078CEFDB-FA7A-4E36-9964-13EF367585CB}" vid="{8B87B0F3-7308-43D5-8388-E1B49EA02652}"/>
+      <thm15:themeFamily xmlns:thm15="http://schemas.microsoft.com/office/thememl/2012/main" name="Chef-TemplateComps_v09-16x9-Light.potx" id="{078CEFDB-FA7A-4E36-9964-13EF367585CB}" vid="{8B87B0F3-7308-43D5-8388-E1B49EA02652}"/>
     </a:ext>
   </a:extLst>
 </a:theme>
@@ -19569,7 +18957,7 @@
   <a:extraClrSchemeLst/>
   <a:extLst>
     <a:ext uri="{05A4C25C-085E-4340-85A3-A5531E510DB2}">
-      <thm15:themeFamily xmlns:thm15="http://schemas.microsoft.com/office/thememl/2012/main" xmlns="" name="Chef-TemplateComps_v09-16x9-Light.potx" id="{078CEFDB-FA7A-4E36-9964-13EF367585CB}" vid="{8B87B0F3-7308-43D5-8388-E1B49EA02652}"/>
+      <thm15:themeFamily xmlns:thm15="http://schemas.microsoft.com/office/thememl/2012/main" name="Chef-TemplateComps_v09-16x9-Light.potx" id="{078CEFDB-FA7A-4E36-9964-13EF367585CB}" vid="{8B87B0F3-7308-43D5-8388-E1B49EA02652}"/>
     </a:ext>
   </a:extLst>
 </a:theme>
